--- a/presentations/Niswonger/Intro_modflow_B.pptx
+++ b/presentations/Niswonger/Intro_modflow_B.pptx
@@ -5,10 +5,10 @@
     <p:sldMasterId id="2147483648" r:id="rId1"/>
   </p:sldMasterIdLst>
   <p:notesMasterIdLst>
-    <p:notesMasterId r:id="rId15"/>
+    <p:notesMasterId r:id="rId16"/>
   </p:notesMasterIdLst>
   <p:handoutMasterIdLst>
-    <p:handoutMasterId r:id="rId16"/>
+    <p:handoutMasterId r:id="rId17"/>
   </p:handoutMasterIdLst>
   <p:sldIdLst>
     <p:sldId id="434" r:id="rId2"/>
@@ -24,6 +24,7 @@
     <p:sldId id="473" r:id="rId12"/>
     <p:sldId id="301" r:id="rId13"/>
     <p:sldId id="475" r:id="rId14"/>
+    <p:sldId id="476" r:id="rId15"/>
   </p:sldIdLst>
   <p:sldSz cx="9144000" cy="6858000" type="screen4x3"/>
   <p:notesSz cx="7315200" cy="9601200"/>
@@ -523,7 +524,7 @@
               <a:pPr>
                 <a:defRPr/>
               </a:pPr>
-              <a:t>11/20/2018</a:t>
+              <a:t>11/28/2018</a:t>
             </a:fld>
             <a:endParaRPr lang="en-US"/>
           </a:p>
@@ -1833,30 +1834,6 @@
           <a:bodyPr/>
           <a:lstStyle/>
           <a:p>
-            <a:r>
-              <a:rPr lang="en-US" dirty="0"/>
-              <a:t>Not long after MODFLOW-NWT was published,</a:t>
-            </a:r>
-            <a:r>
-              <a:rPr lang="en-US" baseline="0" dirty="0"/>
-              <a:t> a paper by </a:t>
-            </a:r>
-            <a:r>
-              <a:rPr lang="en-US" baseline="0" dirty="0" err="1"/>
-              <a:t>Jaidel</a:t>
-            </a:r>
-            <a:r>
-              <a:rPr lang="en-US" baseline="0" dirty="0"/>
-              <a:t> came out in the Groundwater journal that introduced a new analytical solution for discontinuous groundwater flow down steep aquifers. </a:t>
-            </a:r>
-            <a:r>
-              <a:rPr lang="en-US" baseline="0" dirty="0" err="1"/>
-              <a:t>Jaidel’s</a:t>
-            </a:r>
-            <a:r>
-              <a:rPr lang="en-US" baseline="0" dirty="0"/>
-              <a:t> paper provides an independent appraisal of MODFLOW-NWT for simulating mountain-type groundwater flow processes, while illustrating the difficulties of applying the classical MODFLOW solution to these systems.</a:t>
-            </a:r>
             <a:endParaRPr lang="en-US" dirty="0"/>
           </a:p>
         </p:txBody>
@@ -2094,30 +2071,6 @@
           <a:bodyPr/>
           <a:lstStyle/>
           <a:p>
-            <a:r>
-              <a:rPr lang="en-US" dirty="0"/>
-              <a:t>Not long after MODFLOW-NWT was published,</a:t>
-            </a:r>
-            <a:r>
-              <a:rPr lang="en-US" baseline="0" dirty="0"/>
-              <a:t> a paper by </a:t>
-            </a:r>
-            <a:r>
-              <a:rPr lang="en-US" baseline="0" dirty="0" err="1"/>
-              <a:t>Jaidel</a:t>
-            </a:r>
-            <a:r>
-              <a:rPr lang="en-US" baseline="0" dirty="0"/>
-              <a:t> came out in the Groundwater journal that introduced a new analytical solution for discontinuous groundwater flow down steep aquifers. </a:t>
-            </a:r>
-            <a:r>
-              <a:rPr lang="en-US" baseline="0" dirty="0" err="1"/>
-              <a:t>Jaidel’s</a:t>
-            </a:r>
-            <a:r>
-              <a:rPr lang="en-US" baseline="0" dirty="0"/>
-              <a:t> paper provides an independent appraisal of MODFLOW-NWT for simulating mountain-type groundwater flow processes, while illustrating the difficulties of applying the classical MODFLOW solution to these systems.</a:t>
-            </a:r>
             <a:endParaRPr lang="en-US" dirty="0"/>
           </a:p>
         </p:txBody>
@@ -2355,30 +2308,6 @@
           <a:bodyPr/>
           <a:lstStyle/>
           <a:p>
-            <a:r>
-              <a:rPr lang="en-US" dirty="0"/>
-              <a:t>Not long after MODFLOW-NWT was published,</a:t>
-            </a:r>
-            <a:r>
-              <a:rPr lang="en-US" baseline="0" dirty="0"/>
-              <a:t> a paper by </a:t>
-            </a:r>
-            <a:r>
-              <a:rPr lang="en-US" baseline="0" dirty="0" err="1"/>
-              <a:t>Jaidel</a:t>
-            </a:r>
-            <a:r>
-              <a:rPr lang="en-US" baseline="0" dirty="0"/>
-              <a:t> came out in the Groundwater journal that introduced a new analytical solution for discontinuous groundwater flow down steep aquifers. </a:t>
-            </a:r>
-            <a:r>
-              <a:rPr lang="en-US" baseline="0" dirty="0" err="1"/>
-              <a:t>Jaidel’s</a:t>
-            </a:r>
-            <a:r>
-              <a:rPr lang="en-US" baseline="0" dirty="0"/>
-              <a:t> paper provides an independent appraisal of MODFLOW-NWT for simulating mountain-type groundwater flow processes, while illustrating the difficulties of applying the classical MODFLOW solution to these systems.</a:t>
-            </a:r>
             <a:endParaRPr lang="en-US" dirty="0"/>
           </a:p>
         </p:txBody>
@@ -2539,6 +2468,243 @@
     <p:extLst>
       <p:ext uri="{BB962C8B-B14F-4D97-AF65-F5344CB8AC3E}">
         <p14:creationId xmlns:p14="http://schemas.microsoft.com/office/powerpoint/2010/main" val="2815096516"/>
+      </p:ext>
+    </p:extLst>
+  </p:cSld>
+  <p:clrMapOvr>
+    <a:masterClrMapping/>
+  </p:clrMapOvr>
+</p:notes>
+</file>
+
+<file path=ppt/notesSlides/notesSlide8.xml><?xml version="1.0" encoding="utf-8"?>
+<p:notes xmlns:a="http://schemas.openxmlformats.org/drawingml/2006/main" xmlns:r="http://schemas.openxmlformats.org/officeDocument/2006/relationships" xmlns:p="http://schemas.openxmlformats.org/presentationml/2006/main">
+  <p:cSld>
+    <p:spTree>
+      <p:nvGrpSpPr>
+        <p:cNvPr id="1" name=""/>
+        <p:cNvGrpSpPr/>
+        <p:nvPr/>
+      </p:nvGrpSpPr>
+      <p:grpSpPr>
+        <a:xfrm>
+          <a:off x="0" y="0"/>
+          <a:ext cx="0" cy="0"/>
+          <a:chOff x="0" y="0"/>
+          <a:chExt cx="0" cy="0"/>
+        </a:xfrm>
+      </p:grpSpPr>
+      <p:sp>
+        <p:nvSpPr>
+          <p:cNvPr id="37890" name="Slide Image Placeholder 1"/>
+          <p:cNvSpPr>
+            <a:spLocks noGrp="1" noRot="1" noChangeAspect="1" noTextEdit="1"/>
+          </p:cNvSpPr>
+          <p:nvPr>
+            <p:ph type="sldImg"/>
+          </p:nvPr>
+        </p:nvSpPr>
+        <p:spPr>
+          <a:ln/>
+        </p:spPr>
+      </p:sp>
+      <p:sp>
+        <p:nvSpPr>
+          <p:cNvPr id="37891" name="Notes Placeholder 2"/>
+          <p:cNvSpPr>
+            <a:spLocks noGrp="1"/>
+          </p:cNvSpPr>
+          <p:nvPr>
+            <p:ph type="body" idx="1"/>
+          </p:nvPr>
+        </p:nvSpPr>
+        <p:spPr>
+          <a:noFill/>
+          <a:ln/>
+          <a:extLst>
+            <a:ext uri="{909E8E84-426E-40DD-AFC4-6F175D3DCCD1}">
+              <a14:hiddenFill xmlns:a14="http://schemas.microsoft.com/office/drawing/2010/main">
+                <a:solidFill>
+                  <a:srgbClr val="FFFFFF"/>
+                </a:solidFill>
+              </a14:hiddenFill>
+            </a:ext>
+            <a:ext uri="{91240B29-F687-4F45-9708-019B960494DF}">
+              <a14:hiddenLine xmlns:a14="http://schemas.microsoft.com/office/drawing/2010/main" w="9525">
+                <a:solidFill>
+                  <a:srgbClr val="000000"/>
+                </a:solidFill>
+                <a:miter lim="800000"/>
+                <a:headEnd/>
+                <a:tailEnd/>
+              </a14:hiddenLine>
+            </a:ext>
+          </a:extLst>
+        </p:spPr>
+        <p:txBody>
+          <a:bodyPr/>
+          <a:lstStyle/>
+          <a:p>
+            <a:endParaRPr lang="en-US" dirty="0"/>
+          </a:p>
+        </p:txBody>
+      </p:sp>
+      <p:sp>
+        <p:nvSpPr>
+          <p:cNvPr id="37892" name="Slide Number Placeholder 3"/>
+          <p:cNvSpPr>
+            <a:spLocks noGrp="1"/>
+          </p:cNvSpPr>
+          <p:nvPr>
+            <p:ph type="sldNum" sz="quarter" idx="5"/>
+          </p:nvPr>
+        </p:nvSpPr>
+        <p:spPr>
+          <a:noFill/>
+          <a:ln/>
+          <a:extLst>
+            <a:ext uri="{909E8E84-426E-40DD-AFC4-6F175D3DCCD1}">
+              <a14:hiddenFill xmlns:a14="http://schemas.microsoft.com/office/drawing/2010/main">
+                <a:solidFill>
+                  <a:srgbClr val="FFFFFF"/>
+                </a:solidFill>
+              </a14:hiddenFill>
+            </a:ext>
+            <a:ext uri="{91240B29-F687-4F45-9708-019B960494DF}">
+              <a14:hiddenLine xmlns:a14="http://schemas.microsoft.com/office/drawing/2010/main" w="9525">
+                <a:solidFill>
+                  <a:srgbClr val="000000"/>
+                </a:solidFill>
+                <a:miter lim="800000"/>
+                <a:headEnd/>
+                <a:tailEnd/>
+              </a14:hiddenLine>
+            </a:ext>
+          </a:extLst>
+        </p:spPr>
+        <p:txBody>
+          <a:bodyPr/>
+          <a:lstStyle>
+            <a:lvl1pPr defTabSz="930934" eaLnBrk="0" hangingPunct="0">
+              <a:defRPr sz="2500" i="1">
+                <a:solidFill>
+                  <a:schemeClr val="tx1"/>
+                </a:solidFill>
+                <a:latin typeface="Times New Roman" pitchFamily="18" charset="0"/>
+              </a:defRPr>
+            </a:lvl1pPr>
+            <a:lvl2pPr marL="749874" indent="-288413" defTabSz="930934" eaLnBrk="0" hangingPunct="0">
+              <a:defRPr sz="2500" i="1">
+                <a:solidFill>
+                  <a:schemeClr val="tx1"/>
+                </a:solidFill>
+                <a:latin typeface="Times New Roman" pitchFamily="18" charset="0"/>
+              </a:defRPr>
+            </a:lvl2pPr>
+            <a:lvl3pPr marL="1153653" indent="-230730" defTabSz="930934" eaLnBrk="0" hangingPunct="0">
+              <a:defRPr sz="2500" i="1">
+                <a:solidFill>
+                  <a:schemeClr val="tx1"/>
+                </a:solidFill>
+                <a:latin typeface="Times New Roman" pitchFamily="18" charset="0"/>
+              </a:defRPr>
+            </a:lvl3pPr>
+            <a:lvl4pPr marL="1615113" indent="-230730" defTabSz="930934" eaLnBrk="0" hangingPunct="0">
+              <a:defRPr sz="2500" i="1">
+                <a:solidFill>
+                  <a:schemeClr val="tx1"/>
+                </a:solidFill>
+                <a:latin typeface="Times New Roman" pitchFamily="18" charset="0"/>
+              </a:defRPr>
+            </a:lvl4pPr>
+            <a:lvl5pPr marL="2076574" indent="-230730" defTabSz="930934" eaLnBrk="0" hangingPunct="0">
+              <a:defRPr sz="2500" i="1">
+                <a:solidFill>
+                  <a:schemeClr val="tx1"/>
+                </a:solidFill>
+                <a:latin typeface="Times New Roman" pitchFamily="18" charset="0"/>
+              </a:defRPr>
+            </a:lvl5pPr>
+            <a:lvl6pPr marL="2538035" indent="-230730" algn="ctr" defTabSz="930934" eaLnBrk="0" fontAlgn="base" hangingPunct="0">
+              <a:spcBef>
+                <a:spcPct val="0"/>
+              </a:spcBef>
+              <a:spcAft>
+                <a:spcPct val="0"/>
+              </a:spcAft>
+              <a:defRPr sz="2500" i="1">
+                <a:solidFill>
+                  <a:schemeClr val="tx1"/>
+                </a:solidFill>
+                <a:latin typeface="Times New Roman" pitchFamily="18" charset="0"/>
+              </a:defRPr>
+            </a:lvl6pPr>
+            <a:lvl7pPr marL="2999496" indent="-230730" algn="ctr" defTabSz="930934" eaLnBrk="0" fontAlgn="base" hangingPunct="0">
+              <a:spcBef>
+                <a:spcPct val="0"/>
+              </a:spcBef>
+              <a:spcAft>
+                <a:spcPct val="0"/>
+              </a:spcAft>
+              <a:defRPr sz="2500" i="1">
+                <a:solidFill>
+                  <a:schemeClr val="tx1"/>
+                </a:solidFill>
+                <a:latin typeface="Times New Roman" pitchFamily="18" charset="0"/>
+              </a:defRPr>
+            </a:lvl7pPr>
+            <a:lvl8pPr marL="3460957" indent="-230730" algn="ctr" defTabSz="930934" eaLnBrk="0" fontAlgn="base" hangingPunct="0">
+              <a:spcBef>
+                <a:spcPct val="0"/>
+              </a:spcBef>
+              <a:spcAft>
+                <a:spcPct val="0"/>
+              </a:spcAft>
+              <a:defRPr sz="2500" i="1">
+                <a:solidFill>
+                  <a:schemeClr val="tx1"/>
+                </a:solidFill>
+                <a:latin typeface="Times New Roman" pitchFamily="18" charset="0"/>
+              </a:defRPr>
+            </a:lvl8pPr>
+            <a:lvl9pPr marL="3922417" indent="-230730" algn="ctr" defTabSz="930934" eaLnBrk="0" fontAlgn="base" hangingPunct="0">
+              <a:spcBef>
+                <a:spcPct val="0"/>
+              </a:spcBef>
+              <a:spcAft>
+                <a:spcPct val="0"/>
+              </a:spcAft>
+              <a:defRPr sz="2500" i="1">
+                <a:solidFill>
+                  <a:schemeClr val="tx1"/>
+                </a:solidFill>
+                <a:latin typeface="Times New Roman" pitchFamily="18" charset="0"/>
+              </a:defRPr>
+            </a:lvl9pPr>
+          </a:lstStyle>
+          <a:p>
+            <a:pPr eaLnBrk="1" hangingPunct="1"/>
+            <a:fld id="{3C29E65F-5730-4A76-9D7E-A33319C448F8}" type="slidenum">
+              <a:rPr lang="en-US" sz="1200" i="0">
+                <a:solidFill>
+                  <a:prstClr val="black"/>
+                </a:solidFill>
+              </a:rPr>
+              <a:pPr eaLnBrk="1" hangingPunct="1"/>
+              <a:t>14</a:t>
+            </a:fld>
+            <a:endParaRPr lang="en-US" sz="1200" i="0">
+              <a:solidFill>
+                <a:prstClr val="black"/>
+              </a:solidFill>
+            </a:endParaRPr>
+          </a:p>
+        </p:txBody>
+      </p:sp>
+    </p:spTree>
+    <p:extLst>
+      <p:ext uri="{BB962C8B-B14F-4D97-AF65-F5344CB8AC3E}">
+        <p14:creationId xmlns:p14="http://schemas.microsoft.com/office/powerpoint/2010/main" val="2685145889"/>
       </p:ext>
     </p:extLst>
   </p:cSld>
@@ -8418,7 +8584,7 @@
             <a:effectLst/>
             <a:extLst>
               <a:ext uri="{AF507438-7753-43e0-B8FC-AC1667EBCBE1}">
-                <a14:hiddenEffects xmlns="" xmlns:a14="http://schemas.microsoft.com/office/drawing/2010/main">
+                <a14:hiddenEffects xmlns:a14="http://schemas.microsoft.com/office/drawing/2010/main" xmlns="">
                   <a:effectLst>
                     <a:outerShdw blurRad="63500" dist="38099" dir="2700000" algn="ctr" rotWithShape="0">
                       <a:schemeClr val="bg2">
@@ -8484,7 +8650,7 @@
             <a:effectLst/>
             <a:extLst>
               <a:ext uri="{AF507438-7753-43e0-B8FC-AC1667EBCBE1}">
-                <a14:hiddenEffects xmlns="" xmlns:a14="http://schemas.microsoft.com/office/drawing/2010/main">
+                <a14:hiddenEffects xmlns:a14="http://schemas.microsoft.com/office/drawing/2010/main" xmlns="">
                   <a:effectLst>
                     <a:outerShdw blurRad="63500" dist="38099" dir="2700000" algn="ctr" rotWithShape="0">
                       <a:schemeClr val="bg2">
@@ -8550,7 +8716,7 @@
             <a:effectLst/>
             <a:extLst>
               <a:ext uri="{AF507438-7753-43e0-B8FC-AC1667EBCBE1}">
-                <a14:hiddenEffects xmlns="" xmlns:a14="http://schemas.microsoft.com/office/drawing/2010/main">
+                <a14:hiddenEffects xmlns:a14="http://schemas.microsoft.com/office/drawing/2010/main" xmlns="">
                   <a:effectLst>
                     <a:outerShdw blurRad="63500" dist="38099" dir="2700000" algn="ctr" rotWithShape="0">
                       <a:schemeClr val="bg2">
@@ -8616,7 +8782,7 @@
             <a:effectLst/>
             <a:extLst>
               <a:ext uri="{AF507438-7753-43e0-B8FC-AC1667EBCBE1}">
-                <a14:hiddenEffects xmlns="" xmlns:a14="http://schemas.microsoft.com/office/drawing/2010/main">
+                <a14:hiddenEffects xmlns:a14="http://schemas.microsoft.com/office/drawing/2010/main" xmlns="">
                   <a:effectLst>
                     <a:outerShdw blurRad="63500" dist="38099" dir="2700000" algn="ctr" rotWithShape="0">
                       <a:schemeClr val="bg2">
@@ -8682,7 +8848,7 @@
             <a:effectLst/>
             <a:extLst>
               <a:ext uri="{AF507438-7753-43e0-B8FC-AC1667EBCBE1}">
-                <a14:hiddenEffects xmlns="" xmlns:a14="http://schemas.microsoft.com/office/drawing/2010/main">
+                <a14:hiddenEffects xmlns:a14="http://schemas.microsoft.com/office/drawing/2010/main" xmlns="">
                   <a:effectLst>
                     <a:outerShdw blurRad="63500" dist="38099" dir="2700000" algn="ctr" rotWithShape="0">
                       <a:schemeClr val="bg2">
@@ -9158,7 +9324,7 @@
             <a:effectLst/>
             <a:extLst>
               <a:ext uri="{AF507438-7753-43e0-B8FC-AC1667EBCBE1}">
-                <a14:hiddenEffects xmlns="" xmlns:a14="http://schemas.microsoft.com/office/drawing/2010/main">
+                <a14:hiddenEffects xmlns:a14="http://schemas.microsoft.com/office/drawing/2010/main" xmlns="">
                   <a:effectLst>
                     <a:outerShdw blurRad="63500" dist="38099" dir="2700000" algn="ctr" rotWithShape="0">
                       <a:schemeClr val="bg2">
@@ -9589,7 +9755,7 @@
             <a:effectLst/>
             <a:extLst>
               <a:ext uri="{AF507438-7753-43e0-B8FC-AC1667EBCBE1}">
-                <a14:hiddenEffects xmlns="" xmlns:a14="http://schemas.microsoft.com/office/drawing/2010/main">
+                <a14:hiddenEffects xmlns:a14="http://schemas.microsoft.com/office/drawing/2010/main" xmlns="">
                   <a:effectLst>
                     <a:outerShdw blurRad="63500" dist="38099" dir="2700000" algn="ctr" rotWithShape="0">
                       <a:schemeClr val="bg2">
@@ -9639,7 +9805,7 @@
             <a:effectLst/>
             <a:extLst>
               <a:ext uri="{AF507438-7753-43e0-B8FC-AC1667EBCBE1}">
-                <a14:hiddenEffects xmlns="" xmlns:a14="http://schemas.microsoft.com/office/drawing/2010/main">
+                <a14:hiddenEffects xmlns:a14="http://schemas.microsoft.com/office/drawing/2010/main" xmlns="">
                   <a:effectLst>
                     <a:outerShdw blurRad="63500" dist="38099" dir="2700000" algn="ctr" rotWithShape="0">
                       <a:schemeClr val="bg2">
@@ -9724,7 +9890,7 @@
             <a:effectLst/>
             <a:extLst>
               <a:ext uri="{AF507438-7753-43e0-B8FC-AC1667EBCBE1}">
-                <a14:hiddenEffects xmlns="" xmlns:a14="http://schemas.microsoft.com/office/drawing/2010/main">
+                <a14:hiddenEffects xmlns:a14="http://schemas.microsoft.com/office/drawing/2010/main" xmlns="">
                   <a:effectLst>
                     <a:outerShdw blurRad="63500" dist="38099" dir="2700000" algn="ctr" rotWithShape="0">
                       <a:schemeClr val="bg2">
@@ -10086,6 +10252,349 @@
 </p:sld>
 </file>
 
+<file path=ppt/slides/slide14.xml><?xml version="1.0" encoding="utf-8"?>
+<p:sld xmlns:a="http://schemas.openxmlformats.org/drawingml/2006/main" xmlns:r="http://schemas.openxmlformats.org/officeDocument/2006/relationships" xmlns:p="http://schemas.openxmlformats.org/presentationml/2006/main">
+  <p:cSld>
+    <p:spTree>
+      <p:nvGrpSpPr>
+        <p:cNvPr id="1" name=""/>
+        <p:cNvGrpSpPr/>
+        <p:nvPr/>
+      </p:nvGrpSpPr>
+      <p:grpSpPr>
+        <a:xfrm>
+          <a:off x="0" y="0"/>
+          <a:ext cx="0" cy="0"/>
+          <a:chOff x="0" y="0"/>
+          <a:chExt cx="0" cy="0"/>
+        </a:xfrm>
+      </p:grpSpPr>
+      <p:sp>
+        <p:nvSpPr>
+          <p:cNvPr id="13315" name="Rectangle 6"/>
+          <p:cNvSpPr>
+            <a:spLocks noChangeArrowheads="1"/>
+          </p:cNvSpPr>
+          <p:nvPr/>
+        </p:nvSpPr>
+        <p:spPr bwMode="auto">
+          <a:xfrm>
+            <a:off x="693584" y="323850"/>
+            <a:ext cx="7772400" cy="1143000"/>
+          </a:xfrm>
+          <a:prstGeom prst="rect">
+            <a:avLst/>
+          </a:prstGeom>
+          <a:noFill/>
+          <a:ln>
+            <a:noFill/>
+          </a:ln>
+          <a:extLst>
+            <a:ext uri="{909E8E84-426E-40DD-AFC4-6F175D3DCCD1}">
+              <a14:hiddenFill xmlns:a14="http://schemas.microsoft.com/office/drawing/2010/main">
+                <a:solidFill>
+                  <a:srgbClr val="FFFFFF"/>
+                </a:solidFill>
+              </a14:hiddenFill>
+            </a:ext>
+            <a:ext uri="{91240B29-F687-4F45-9708-019B960494DF}">
+              <a14:hiddenLine xmlns:a14="http://schemas.microsoft.com/office/drawing/2010/main" w="9525">
+                <a:solidFill>
+                  <a:srgbClr val="000000"/>
+                </a:solidFill>
+                <a:miter lim="800000"/>
+                <a:headEnd/>
+                <a:tailEnd/>
+              </a14:hiddenLine>
+            </a:ext>
+          </a:extLst>
+        </p:spPr>
+        <p:txBody>
+          <a:bodyPr lIns="92075" tIns="46038" rIns="92075" bIns="46038" anchor="ctr"/>
+          <a:lstStyle/>
+          <a:p>
+            <a:pPr algn="ctr" fontAlgn="base">
+              <a:spcBef>
+                <a:spcPct val="0"/>
+              </a:spcBef>
+              <a:spcAft>
+                <a:spcPct val="0"/>
+              </a:spcAft>
+            </a:pPr>
+            <a:r>
+              <a:rPr lang="en-US" sz="4000" b="1" dirty="0">
+                <a:solidFill>
+                  <a:prstClr val="white"/>
+                </a:solidFill>
+                <a:latin typeface="Tekton Pro" pitchFamily="34" charset="0"/>
+              </a:rPr>
+              <a:t>Discretization of Time</a:t>
+            </a:r>
+            <a:endParaRPr lang="en-US" sz="4000" dirty="0">
+              <a:solidFill>
+                <a:prstClr val="white"/>
+              </a:solidFill>
+              <a:latin typeface="Tekton Pro" pitchFamily="34" charset="0"/>
+            </a:endParaRPr>
+          </a:p>
+        </p:txBody>
+      </p:sp>
+      <p:sp>
+        <p:nvSpPr>
+          <p:cNvPr id="2" name="TextBox 1"/>
+          <p:cNvSpPr txBox="1"/>
+          <p:nvPr/>
+        </p:nvSpPr>
+        <p:spPr>
+          <a:xfrm>
+            <a:off x="508853" y="2398931"/>
+            <a:ext cx="184731" cy="954107"/>
+          </a:xfrm>
+          <a:prstGeom prst="rect">
+            <a:avLst/>
+          </a:prstGeom>
+          <a:noFill/>
+        </p:spPr>
+        <p:txBody>
+          <a:bodyPr wrap="none" rtlCol="0">
+            <a:spAutoFit/>
+          </a:bodyPr>
+          <a:lstStyle/>
+          <a:p>
+            <a:endParaRPr lang="en-US" sz="2800" dirty="0">
+              <a:solidFill>
+                <a:srgbClr val="FFFF00"/>
+              </a:solidFill>
+              <a:latin typeface="Arial" charset="0"/>
+            </a:endParaRPr>
+          </a:p>
+          <a:p>
+            <a:endParaRPr lang="en-US" sz="2800" dirty="0"/>
+          </a:p>
+        </p:txBody>
+      </p:sp>
+      <p:sp>
+        <p:nvSpPr>
+          <p:cNvPr id="4" name="TextBox 3">
+            <a:extLst>
+              <a:ext uri="{FF2B5EF4-FFF2-40B4-BE49-F238E27FC236}">
+                <a16:creationId xmlns:a16="http://schemas.microsoft.com/office/drawing/2014/main" id="{232288B5-9B6F-4E25-B517-39DFC70C9FDD}"/>
+              </a:ext>
+            </a:extLst>
+          </p:cNvPr>
+          <p:cNvSpPr txBox="1"/>
+          <p:nvPr/>
+        </p:nvSpPr>
+        <p:spPr>
+          <a:xfrm>
+            <a:off x="1668898" y="1690661"/>
+            <a:ext cx="6966249" cy="3785652"/>
+          </a:xfrm>
+          <a:prstGeom prst="rect">
+            <a:avLst/>
+          </a:prstGeom>
+          <a:noFill/>
+        </p:spPr>
+        <p:txBody>
+          <a:bodyPr wrap="square" rtlCol="0">
+            <a:spAutoFit/>
+          </a:bodyPr>
+          <a:lstStyle/>
+          <a:p>
+            <a:pPr marL="342900" indent="-342900">
+              <a:buFont typeface="Arial" panose="020B0604020202020204" pitchFamily="34" charset="0"/>
+              <a:buChar char="•"/>
+            </a:pPr>
+            <a:r>
+              <a:rPr lang="en-US" dirty="0">
+                <a:solidFill>
+                  <a:schemeClr val="bg1"/>
+                </a:solidFill>
+              </a:rPr>
+              <a:t>Stress periods—Replaced by boundary conditions implemented at the time step level</a:t>
+            </a:r>
+          </a:p>
+          <a:p>
+            <a:pPr marL="342900" indent="-342900">
+              <a:buFont typeface="Arial" panose="020B0604020202020204" pitchFamily="34" charset="0"/>
+              <a:buChar char="•"/>
+            </a:pPr>
+            <a:endParaRPr lang="en-US" dirty="0">
+              <a:solidFill>
+                <a:schemeClr val="bg1"/>
+              </a:solidFill>
+            </a:endParaRPr>
+          </a:p>
+          <a:p>
+            <a:pPr marL="1257300" lvl="2" indent="-342900">
+              <a:buFont typeface="Arial" panose="020B0604020202020204" pitchFamily="34" charset="0"/>
+              <a:buChar char="•"/>
+            </a:pPr>
+            <a:r>
+              <a:rPr lang="en-US" dirty="0">
+                <a:solidFill>
+                  <a:schemeClr val="bg1"/>
+                </a:solidFill>
+              </a:rPr>
+              <a:t>Coupling to PRMS—exchanges occur during each daily time step</a:t>
+            </a:r>
+          </a:p>
+          <a:p>
+            <a:pPr marL="1257300" lvl="2" indent="-342900">
+              <a:buFont typeface="Arial" panose="020B0604020202020204" pitchFamily="34" charset="0"/>
+              <a:buChar char="•"/>
+            </a:pPr>
+            <a:r>
+              <a:rPr lang="en-US" dirty="0">
+                <a:solidFill>
+                  <a:schemeClr val="bg1"/>
+                </a:solidFill>
+              </a:rPr>
+              <a:t>Surface water—flows and lake storages change on a daily basis</a:t>
+            </a:r>
+          </a:p>
+          <a:p>
+            <a:pPr marL="1257300" lvl="2" indent="-342900">
+              <a:buFont typeface="Arial" panose="020B0604020202020204" pitchFamily="34" charset="0"/>
+              <a:buChar char="•"/>
+            </a:pPr>
+            <a:r>
+              <a:rPr lang="en-US" dirty="0">
+                <a:solidFill>
+                  <a:schemeClr val="bg1"/>
+                </a:solidFill>
+              </a:rPr>
+              <a:t>Water use (GW pumping, SW diversions) interpolated from tabular time series file on a time step basis </a:t>
+            </a:r>
+          </a:p>
+        </p:txBody>
+      </p:sp>
+      <p:pic>
+        <p:nvPicPr>
+          <p:cNvPr id="6" name="Picture 5">
+            <a:extLst>
+              <a:ext uri="{FF2B5EF4-FFF2-40B4-BE49-F238E27FC236}">
+                <a16:creationId xmlns:a16="http://schemas.microsoft.com/office/drawing/2014/main" id="{BB30F046-0EEE-452A-A0F6-3E132D927E17}"/>
+              </a:ext>
+            </a:extLst>
+          </p:cNvPr>
+          <p:cNvPicPr>
+            <a:picLocks noChangeAspect="1"/>
+          </p:cNvPicPr>
+          <p:nvPr/>
+        </p:nvPicPr>
+        <p:blipFill>
+          <a:blip r:embed="rId3"/>
+          <a:stretch>
+            <a:fillRect/>
+          </a:stretch>
+        </p:blipFill>
+        <p:spPr>
+          <a:xfrm>
+            <a:off x="165038" y="2755292"/>
+            <a:ext cx="1391802" cy="4011665"/>
+          </a:xfrm>
+          <a:prstGeom prst="rect">
+            <a:avLst/>
+          </a:prstGeom>
+        </p:spPr>
+      </p:pic>
+      <p:sp>
+        <p:nvSpPr>
+          <p:cNvPr id="5" name="TextBox 4">
+            <a:extLst>
+              <a:ext uri="{FF2B5EF4-FFF2-40B4-BE49-F238E27FC236}">
+                <a16:creationId xmlns:a16="http://schemas.microsoft.com/office/drawing/2014/main" id="{4E5974F2-357A-4713-B587-8863EB2D8D95}"/>
+              </a:ext>
+            </a:extLst>
+          </p:cNvPr>
+          <p:cNvSpPr txBox="1"/>
+          <p:nvPr/>
+        </p:nvSpPr>
+        <p:spPr>
+          <a:xfrm>
+            <a:off x="252045" y="2058419"/>
+            <a:ext cx="1049646" cy="461665"/>
+          </a:xfrm>
+          <a:prstGeom prst="rect">
+            <a:avLst/>
+          </a:prstGeom>
+          <a:noFill/>
+        </p:spPr>
+        <p:txBody>
+          <a:bodyPr wrap="none" rtlCol="0">
+            <a:spAutoFit/>
+          </a:bodyPr>
+          <a:lstStyle/>
+          <a:p>
+            <a:r>
+              <a:rPr lang="en-US" dirty="0" err="1">
+                <a:solidFill>
+                  <a:schemeClr val="bg1"/>
+                </a:solidFill>
+              </a:rPr>
+              <a:t>Tabfile</a:t>
+            </a:r>
+            <a:endParaRPr lang="en-US" dirty="0">
+              <a:solidFill>
+                <a:schemeClr val="bg1"/>
+              </a:solidFill>
+            </a:endParaRPr>
+          </a:p>
+        </p:txBody>
+      </p:sp>
+      <p:sp>
+        <p:nvSpPr>
+          <p:cNvPr id="7" name="TextBox 6">
+            <a:extLst>
+              <a:ext uri="{FF2B5EF4-FFF2-40B4-BE49-F238E27FC236}">
+                <a16:creationId xmlns:a16="http://schemas.microsoft.com/office/drawing/2014/main" id="{E4342497-947B-4DD4-A014-0B07B6490AC5}"/>
+              </a:ext>
+            </a:extLst>
+          </p:cNvPr>
+          <p:cNvSpPr txBox="1"/>
+          <p:nvPr/>
+        </p:nvSpPr>
+        <p:spPr>
+          <a:xfrm>
+            <a:off x="81296" y="2414319"/>
+            <a:ext cx="1311449" cy="369332"/>
+          </a:xfrm>
+          <a:prstGeom prst="rect">
+            <a:avLst/>
+          </a:prstGeom>
+          <a:noFill/>
+        </p:spPr>
+        <p:txBody>
+          <a:bodyPr wrap="none" rtlCol="0">
+            <a:spAutoFit/>
+          </a:bodyPr>
+          <a:lstStyle/>
+          <a:p>
+            <a:r>
+              <a:rPr lang="en-US" sz="1800" dirty="0">
+                <a:solidFill>
+                  <a:schemeClr val="bg1"/>
+                </a:solidFill>
+              </a:rPr>
+              <a:t>Time   Flow</a:t>
+            </a:r>
+          </a:p>
+        </p:txBody>
+      </p:sp>
+    </p:spTree>
+    <p:extLst>
+      <p:ext uri="{BB962C8B-B14F-4D97-AF65-F5344CB8AC3E}">
+        <p14:creationId xmlns:p14="http://schemas.microsoft.com/office/powerpoint/2010/main" val="3721634854"/>
+      </p:ext>
+    </p:extLst>
+  </p:cSld>
+  <p:clrMapOvr>
+    <a:masterClrMapping/>
+  </p:clrMapOvr>
+</p:sld>
+</file>
+
 <file path=ppt/slides/slide2.xml><?xml version="1.0" encoding="utf-8"?>
 <p:sld xmlns:a="http://schemas.openxmlformats.org/drawingml/2006/main" xmlns:r="http://schemas.openxmlformats.org/officeDocument/2006/relationships" xmlns:p="http://schemas.openxmlformats.org/presentationml/2006/main">
   <p:cSld>
@@ -10596,7 +11105,7 @@
           <a:graphicData uri="http://schemas.openxmlformats.org/presentationml/2006/ole">
             <mc:AlternateContent xmlns:mc="http://schemas.openxmlformats.org/markup-compatibility/2006">
               <mc:Choice xmlns:v="urn:schemas-microsoft-com:vml" Requires="v">
-                <p:oleObj spid="_x0000_s17440" name="Equation" r:id="rId3" imgW="1371600" imgH="520700" progId="Equation.3">
+                <p:oleObj spid="_x0000_s17446" name="Equation" r:id="rId3" imgW="1371600" imgH="520700" progId="Equation.3">
                   <p:embed/>
                 </p:oleObj>
               </mc:Choice>
@@ -10869,7 +11378,7 @@
           <a:graphicData uri="http://schemas.openxmlformats.org/presentationml/2006/ole">
             <mc:AlternateContent xmlns:mc="http://schemas.openxmlformats.org/markup-compatibility/2006">
               <mc:Choice xmlns:v="urn:schemas-microsoft-com:vml" Requires="v">
-                <p:oleObj spid="_x0000_s17441" name="Equation" r:id="rId5" imgW="5245100" imgH="736600" progId="Equation.3">
+                <p:oleObj spid="_x0000_s17447" name="Equation" r:id="rId5" imgW="5245100" imgH="736600" progId="Equation.3">
                   <p:embed/>
                 </p:oleObj>
               </mc:Choice>
@@ -11847,7 +12356,7 @@
           <a:graphicData uri="http://schemas.openxmlformats.org/presentationml/2006/ole">
             <mc:AlternateContent xmlns:mc="http://schemas.openxmlformats.org/markup-compatibility/2006">
               <mc:Choice xmlns:v="urn:schemas-microsoft-com:vml" Requires="v">
-                <p:oleObj spid="_x0000_s18484" name="Equation" r:id="rId3" imgW="1130300" imgH="228600" progId="Equation.3">
+                <p:oleObj spid="_x0000_s18493" name="Equation" r:id="rId3" imgW="1130300" imgH="228600" progId="Equation.3">
                   <p:embed/>
                 </p:oleObj>
               </mc:Choice>
@@ -12318,7 +12827,7 @@
           <a:graphicData uri="http://schemas.openxmlformats.org/presentationml/2006/ole">
             <mc:AlternateContent xmlns:mc="http://schemas.openxmlformats.org/markup-compatibility/2006">
               <mc:Choice xmlns:v="urn:schemas-microsoft-com:vml" Requires="v">
-                <p:oleObj spid="_x0000_s18485" name="Equation" r:id="rId5" imgW="1040948" imgH="228501" progId="Equation.3">
+                <p:oleObj spid="_x0000_s18494" name="Equation" r:id="rId5" imgW="1040948" imgH="228501" progId="Equation.3">
                   <p:embed/>
                 </p:oleObj>
               </mc:Choice>
@@ -12782,7 +13291,7 @@
           <a:graphicData uri="http://schemas.openxmlformats.org/presentationml/2006/ole">
             <mc:AlternateContent xmlns:mc="http://schemas.openxmlformats.org/markup-compatibility/2006">
               <mc:Choice xmlns:v="urn:schemas-microsoft-com:vml" Requires="v">
-                <p:oleObj spid="_x0000_s18486" name="Equation" r:id="rId7" imgW="1892300" imgH="228600" progId="Equation.3">
+                <p:oleObj spid="_x0000_s18495" name="Equation" r:id="rId7" imgW="1892300" imgH="228600" progId="Equation.3">
                   <p:embed/>
                 </p:oleObj>
               </mc:Choice>
@@ -13747,7 +14256,7 @@
           <a:graphicData uri="http://schemas.openxmlformats.org/presentationml/2006/ole">
             <mc:AlternateContent xmlns:mc="http://schemas.openxmlformats.org/markup-compatibility/2006">
               <mc:Choice xmlns:v="urn:schemas-microsoft-com:vml" Requires="v">
-                <p:oleObj spid="_x0000_s19488" name="Equation" r:id="rId3" imgW="1371600" imgH="520700" progId="Equation.3">
+                <p:oleObj spid="_x0000_s19494" name="Equation" r:id="rId3" imgW="1371600" imgH="520700" progId="Equation.3">
                   <p:embed/>
                 </p:oleObj>
               </mc:Choice>
@@ -14020,7 +14529,7 @@
           <a:graphicData uri="http://schemas.openxmlformats.org/presentationml/2006/ole">
             <mc:AlternateContent xmlns:mc="http://schemas.openxmlformats.org/markup-compatibility/2006">
               <mc:Choice xmlns:v="urn:schemas-microsoft-com:vml" Requires="v">
-                <p:oleObj spid="_x0000_s19489" name="Equation" r:id="rId5" imgW="5245100" imgH="736600" progId="Equation.3">
+                <p:oleObj spid="_x0000_s19495" name="Equation" r:id="rId5" imgW="5245100" imgH="736600" progId="Equation.3">
                   <p:embed/>
                 </p:oleObj>
               </mc:Choice>
@@ -17647,7 +18156,7 @@
           <a:graphicData uri="http://schemas.openxmlformats.org/presentationml/2006/ole">
             <mc:AlternateContent xmlns:mc="http://schemas.openxmlformats.org/markup-compatibility/2006">
               <mc:Choice xmlns:v="urn:schemas-microsoft-com:vml" Requires="v">
-                <p:oleObj spid="_x0000_s45071" name="Equation" r:id="rId4" imgW="2197100" imgH="469900" progId="Equation.3">
+                <p:oleObj spid="_x0000_s45074" name="Equation" r:id="rId4" imgW="2197100" imgH="469900" progId="Equation.3">
                   <p:embed/>
                 </p:oleObj>
               </mc:Choice>

--- a/presentations/Niswonger/Intro_modflow_B.pptx
+++ b/presentations/Niswonger/Intro_modflow_B.pptx
@@ -5,25 +5,24 @@
     <p:sldMasterId id="2147483648" r:id="rId1"/>
   </p:sldMasterIdLst>
   <p:notesMasterIdLst>
-    <p:notesMasterId r:id="rId15"/>
+    <p:notesMasterId r:id="rId14"/>
   </p:notesMasterIdLst>
   <p:handoutMasterIdLst>
-    <p:handoutMasterId r:id="rId16"/>
+    <p:handoutMasterId r:id="rId15"/>
   </p:handoutMasterIdLst>
   <p:sldIdLst>
-    <p:sldId id="434" r:id="rId2"/>
-    <p:sldId id="429" r:id="rId3"/>
-    <p:sldId id="430" r:id="rId4"/>
-    <p:sldId id="436" r:id="rId5"/>
+    <p:sldId id="260" r:id="rId2"/>
+    <p:sldId id="434" r:id="rId3"/>
+    <p:sldId id="429" r:id="rId4"/>
+    <p:sldId id="430" r:id="rId5"/>
     <p:sldId id="437" r:id="rId6"/>
     <p:sldId id="438" r:id="rId7"/>
     <p:sldId id="439" r:id="rId8"/>
     <p:sldId id="440" r:id="rId9"/>
-    <p:sldId id="441" r:id="rId10"/>
-    <p:sldId id="472" r:id="rId11"/>
-    <p:sldId id="473" r:id="rId12"/>
-    <p:sldId id="301" r:id="rId13"/>
-    <p:sldId id="475" r:id="rId14"/>
+    <p:sldId id="472" r:id="rId10"/>
+    <p:sldId id="473" r:id="rId11"/>
+    <p:sldId id="301" r:id="rId12"/>
+    <p:sldId id="475" r:id="rId13"/>
   </p:sldIdLst>
   <p:sldSz cx="9144000" cy="6858000" type="screen4x3"/>
   <p:notesSz cx="7315200" cy="9601200"/>
@@ -523,7 +522,7 @@
               <a:pPr>
                 <a:defRPr/>
               </a:pPr>
-              <a:t>11/20/2018</a:t>
+              <a:t>10/7/2019</a:t>
             </a:fld>
             <a:endParaRPr lang="en-US"/>
           </a:p>
@@ -2003,7 +2002,7 @@
                 </a:solidFill>
               </a:rPr>
               <a:pPr eaLnBrk="1" hangingPunct="1"/>
-              <a:t>10</a:t>
+              <a:t>9</a:t>
             </a:fld>
             <a:endParaRPr lang="en-US" sz="1200" i="0">
               <a:solidFill>
@@ -2264,7 +2263,7 @@
                 </a:solidFill>
               </a:rPr>
               <a:pPr eaLnBrk="1" hangingPunct="1"/>
-              <a:t>11</a:t>
+              <a:t>10</a:t>
             </a:fld>
             <a:endParaRPr lang="en-US" sz="1200" i="0">
               <a:solidFill>
@@ -2525,7 +2524,7 @@
                 </a:solidFill>
               </a:rPr>
               <a:pPr eaLnBrk="1" hangingPunct="1"/>
-              <a:t>13</a:t>
+              <a:t>12</a:t>
             </a:fld>
             <a:endParaRPr lang="en-US" sz="1200" i="0">
               <a:solidFill>
@@ -6189,1430 +6188,445 @@
       </p:grpSpPr>
       <p:sp>
         <p:nvSpPr>
-          <p:cNvPr id="16386" name="Rectangle 4">
+          <p:cNvPr id="10242" name="Rectangle 2">
             <a:extLst>
               <a:ext uri="{FF2B5EF4-FFF2-40B4-BE49-F238E27FC236}">
-                <a16:creationId xmlns:a16="http://schemas.microsoft.com/office/drawing/2014/main" id="{8007598B-9918-44B6-92B6-F2B25157A20E}"/>
+                <a16:creationId xmlns:a16="http://schemas.microsoft.com/office/drawing/2014/main" id="{406A949E-F906-44A5-B42E-6C6C1FBEA61F}"/>
               </a:ext>
             </a:extLst>
           </p:cNvPr>
           <p:cNvSpPr>
-            <a:spLocks noChangeArrowheads="1"/>
+            <a:spLocks noGrp="1" noChangeArrowheads="1"/>
           </p:cNvSpPr>
-          <p:nvPr/>
+          <p:nvPr>
+            <p:ph type="title"/>
+          </p:nvPr>
         </p:nvSpPr>
-        <p:spPr bwMode="auto">
+        <p:spPr>
           <a:xfrm>
-            <a:off x="719138" y="404813"/>
-            <a:ext cx="7772400" cy="1143000"/>
+            <a:off x="685800" y="274638"/>
+            <a:ext cx="7772400" cy="563562"/>
           </a:xfrm>
-          <a:prstGeom prst="rect">
-            <a:avLst/>
-          </a:prstGeom>
-          <a:noFill/>
-          <a:ln>
-            <a:noFill/>
-          </a:ln>
-          <a:extLst>
-            <a:ext uri="{909E8E84-426E-40DD-AFC4-6F175D3DCCD1}">
-              <a14:hiddenFill xmlns:a14="http://schemas.microsoft.com/office/drawing/2010/main">
-                <a:solidFill>
-                  <a:srgbClr val="FFFFFF"/>
-                </a:solidFill>
-              </a14:hiddenFill>
-            </a:ext>
-            <a:ext uri="{91240B29-F687-4F45-9708-019B960494DF}">
-              <a14:hiddenLine xmlns:a14="http://schemas.microsoft.com/office/drawing/2010/main" w="9525">
-                <a:solidFill>
-                  <a:srgbClr val="000000"/>
-                </a:solidFill>
-                <a:miter lim="800000"/>
-                <a:headEnd/>
-                <a:tailEnd/>
-              </a14:hiddenLine>
-            </a:ext>
-          </a:extLst>
         </p:spPr>
         <p:txBody>
-          <a:bodyPr lIns="92075" tIns="46038" rIns="92075" bIns="46038" anchor="ctr"/>
-          <a:lstStyle>
-            <a:lvl1pPr>
-              <a:spcBef>
-                <a:spcPct val="20000"/>
-              </a:spcBef>
-              <a:buChar char="•"/>
-              <a:defRPr sz="3200">
-                <a:solidFill>
-                  <a:schemeClr val="tx1"/>
-                </a:solidFill>
-                <a:latin typeface="Times New Roman" panose="02020603050405020304" pitchFamily="18" charset="0"/>
-              </a:defRPr>
-            </a:lvl1pPr>
-            <a:lvl2pPr marL="742950" indent="-285750">
-              <a:spcBef>
-                <a:spcPct val="20000"/>
-              </a:spcBef>
-              <a:buChar char="–"/>
-              <a:defRPr sz="2800">
-                <a:solidFill>
-                  <a:schemeClr val="tx1"/>
-                </a:solidFill>
-                <a:latin typeface="Times New Roman" panose="02020603050405020304" pitchFamily="18" charset="0"/>
-              </a:defRPr>
-            </a:lvl2pPr>
-            <a:lvl3pPr marL="1143000" indent="-228600">
-              <a:spcBef>
-                <a:spcPct val="20000"/>
-              </a:spcBef>
-              <a:buChar char="•"/>
-              <a:defRPr sz="2400">
-                <a:solidFill>
-                  <a:schemeClr val="tx1"/>
-                </a:solidFill>
-                <a:latin typeface="Times New Roman" panose="02020603050405020304" pitchFamily="18" charset="0"/>
-              </a:defRPr>
-            </a:lvl3pPr>
-            <a:lvl4pPr marL="1600200" indent="-228600">
-              <a:spcBef>
-                <a:spcPct val="20000"/>
-              </a:spcBef>
-              <a:buChar char="–"/>
-              <a:defRPr sz="2000">
-                <a:solidFill>
-                  <a:schemeClr val="tx1"/>
-                </a:solidFill>
-                <a:latin typeface="Times New Roman" panose="02020603050405020304" pitchFamily="18" charset="0"/>
-              </a:defRPr>
-            </a:lvl4pPr>
-            <a:lvl5pPr marL="2057400" indent="-228600">
-              <a:spcBef>
-                <a:spcPct val="20000"/>
-              </a:spcBef>
-              <a:buChar char="»"/>
-              <a:defRPr sz="2000">
-                <a:solidFill>
-                  <a:schemeClr val="tx1"/>
-                </a:solidFill>
-                <a:latin typeface="Times New Roman" panose="02020603050405020304" pitchFamily="18" charset="0"/>
-              </a:defRPr>
-            </a:lvl5pPr>
-            <a:lvl6pPr marL="2514600" indent="-228600" eaLnBrk="0" fontAlgn="base" hangingPunct="0">
-              <a:spcBef>
-                <a:spcPct val="20000"/>
-              </a:spcBef>
-              <a:spcAft>
-                <a:spcPct val="0"/>
-              </a:spcAft>
-              <a:buChar char="»"/>
-              <a:defRPr sz="2000">
-                <a:solidFill>
-                  <a:schemeClr val="tx1"/>
-                </a:solidFill>
-                <a:latin typeface="Times New Roman" panose="02020603050405020304" pitchFamily="18" charset="0"/>
-              </a:defRPr>
-            </a:lvl6pPr>
-            <a:lvl7pPr marL="2971800" indent="-228600" eaLnBrk="0" fontAlgn="base" hangingPunct="0">
-              <a:spcBef>
-                <a:spcPct val="20000"/>
-              </a:spcBef>
-              <a:spcAft>
-                <a:spcPct val="0"/>
-              </a:spcAft>
-              <a:buChar char="»"/>
-              <a:defRPr sz="2000">
-                <a:solidFill>
-                  <a:schemeClr val="tx1"/>
-                </a:solidFill>
-                <a:latin typeface="Times New Roman" panose="02020603050405020304" pitchFamily="18" charset="0"/>
-              </a:defRPr>
-            </a:lvl7pPr>
-            <a:lvl8pPr marL="3429000" indent="-228600" eaLnBrk="0" fontAlgn="base" hangingPunct="0">
-              <a:spcBef>
-                <a:spcPct val="20000"/>
-              </a:spcBef>
-              <a:spcAft>
-                <a:spcPct val="0"/>
-              </a:spcAft>
-              <a:buChar char="»"/>
-              <a:defRPr sz="2000">
-                <a:solidFill>
-                  <a:schemeClr val="tx1"/>
-                </a:solidFill>
-                <a:latin typeface="Times New Roman" panose="02020603050405020304" pitchFamily="18" charset="0"/>
-              </a:defRPr>
-            </a:lvl8pPr>
-            <a:lvl9pPr marL="3886200" indent="-228600" eaLnBrk="0" fontAlgn="base" hangingPunct="0">
-              <a:spcBef>
-                <a:spcPct val="20000"/>
-              </a:spcBef>
-              <a:spcAft>
-                <a:spcPct val="0"/>
-              </a:spcAft>
-              <a:buChar char="»"/>
-              <a:defRPr sz="2000">
-                <a:solidFill>
-                  <a:schemeClr val="tx1"/>
-                </a:solidFill>
-                <a:latin typeface="Times New Roman" panose="02020603050405020304" pitchFamily="18" charset="0"/>
-              </a:defRPr>
-            </a:lvl9pPr>
-          </a:lstStyle>
-          <a:p>
-            <a:pPr eaLnBrk="1" hangingPunct="1">
-              <a:spcBef>
-                <a:spcPct val="0"/>
-              </a:spcBef>
-              <a:buFontTx/>
-              <a:buNone/>
-            </a:pPr>
+          <a:bodyPr/>
+          <a:lstStyle/>
+          <a:p>
+            <a:pPr eaLnBrk="1" hangingPunct="1"/>
             <a:r>
-              <a:rPr lang="en-US" altLang="en-US" sz="4000">
-                <a:solidFill>
-                  <a:schemeClr val="bg1"/>
+              <a:rPr lang="en-US" altLang="en-US" sz="3600" dirty="0">
+                <a:solidFill>
+                  <a:srgbClr val="99CCFF"/>
                 </a:solidFill>
                 <a:latin typeface="Arial" panose="020B0604020202020204" pitchFamily="34" charset="0"/>
               </a:rPr>
-              <a:t>Aquifer Transmissivity (T)</a:t>
+              <a:t>Back to Groundwater Flow Equation</a:t>
             </a:r>
           </a:p>
         </p:txBody>
       </p:sp>
-      <p:sp>
-        <p:nvSpPr>
-          <p:cNvPr id="16387" name="Rectangle 5">
+      <p:grpSp>
+        <p:nvGrpSpPr>
+          <p:cNvPr id="5" name="Group 112">
             <a:extLst>
               <a:ext uri="{FF2B5EF4-FFF2-40B4-BE49-F238E27FC236}">
-                <a16:creationId xmlns:a16="http://schemas.microsoft.com/office/drawing/2014/main" id="{EF88484F-9E2E-438F-B8D3-1B0915472AB5}"/>
+                <a16:creationId xmlns:a16="http://schemas.microsoft.com/office/drawing/2014/main" id="{7415048D-E3A1-49CD-8144-1F3A06AFB50E}"/>
               </a:ext>
             </a:extLst>
           </p:cNvPr>
-          <p:cNvSpPr>
-            <a:spLocks noChangeArrowheads="1"/>
-          </p:cNvSpPr>
+          <p:cNvGrpSpPr>
+            <a:grpSpLocks/>
+          </p:cNvGrpSpPr>
           <p:nvPr/>
-        </p:nvSpPr>
-        <p:spPr bwMode="auto">
+        </p:nvGrpSpPr>
+        <p:grpSpPr bwMode="auto">
           <a:xfrm>
-            <a:off x="685800" y="2243138"/>
-            <a:ext cx="7772400" cy="1339850"/>
+            <a:off x="6713537" y="3153003"/>
+            <a:ext cx="2163763" cy="1860061"/>
+            <a:chOff x="4244" y="1822"/>
+            <a:chExt cx="1363" cy="2292"/>
           </a:xfrm>
-          <a:prstGeom prst="rect">
-            <a:avLst/>
-          </a:prstGeom>
-          <a:noFill/>
-          <a:ln>
+        </p:grpSpPr>
+        <p:sp>
+          <p:nvSpPr>
+            <p:cNvPr id="10262" name="Text Box 89">
+              <a:extLst>
+                <a:ext uri="{FF2B5EF4-FFF2-40B4-BE49-F238E27FC236}">
+                  <a16:creationId xmlns:a16="http://schemas.microsoft.com/office/drawing/2014/main" id="{1630D666-93D0-4B43-A77F-0E83966DCF25}"/>
+                </a:ext>
+              </a:extLst>
+            </p:cNvPr>
+            <p:cNvSpPr txBox="1">
+              <a:spLocks noChangeArrowheads="1"/>
+            </p:cNvSpPr>
+            <p:nvPr/>
+          </p:nvSpPr>
+          <p:spPr bwMode="auto">
+            <a:xfrm>
+              <a:off x="4315" y="1872"/>
+              <a:ext cx="1216" cy="288"/>
+            </a:xfrm>
+            <a:prstGeom prst="rect">
+              <a:avLst/>
+            </a:prstGeom>
             <a:noFill/>
-          </a:ln>
-          <a:extLst>
-            <a:ext uri="{909E8E84-426E-40DD-AFC4-6F175D3DCCD1}">
-              <a14:hiddenFill xmlns:a14="http://schemas.microsoft.com/office/drawing/2010/main">
-                <a:solidFill>
-                  <a:srgbClr val="FFFFFF"/>
-                </a:solidFill>
-              </a14:hiddenFill>
-            </a:ext>
-            <a:ext uri="{91240B29-F687-4F45-9708-019B960494DF}">
-              <a14:hiddenLine xmlns:a14="http://schemas.microsoft.com/office/drawing/2010/main" w="9525">
-                <a:solidFill>
-                  <a:srgbClr val="000000"/>
-                </a:solidFill>
-                <a:miter lim="800000"/>
-                <a:headEnd/>
-                <a:tailEnd/>
-              </a14:hiddenLine>
-            </a:ext>
-          </a:extLst>
-        </p:spPr>
-        <p:txBody>
-          <a:bodyPr/>
-          <a:lstStyle>
-            <a:lvl1pPr>
-              <a:spcBef>
-                <a:spcPct val="20000"/>
-              </a:spcBef>
-              <a:buChar char="•"/>
-              <a:defRPr sz="3200">
-                <a:solidFill>
-                  <a:schemeClr val="tx1"/>
-                </a:solidFill>
-                <a:latin typeface="Times New Roman" panose="02020603050405020304" pitchFamily="18" charset="0"/>
-              </a:defRPr>
-            </a:lvl1pPr>
-            <a:lvl2pPr marL="742950" indent="-285750">
-              <a:spcBef>
-                <a:spcPct val="20000"/>
-              </a:spcBef>
-              <a:buChar char="–"/>
-              <a:defRPr sz="2800">
-                <a:solidFill>
-                  <a:schemeClr val="tx1"/>
-                </a:solidFill>
-                <a:latin typeface="Times New Roman" panose="02020603050405020304" pitchFamily="18" charset="0"/>
-              </a:defRPr>
-            </a:lvl2pPr>
-            <a:lvl3pPr marL="1143000" indent="-228600">
-              <a:spcBef>
-                <a:spcPct val="20000"/>
-              </a:spcBef>
-              <a:buChar char="•"/>
-              <a:defRPr sz="2400">
-                <a:solidFill>
-                  <a:schemeClr val="tx1"/>
-                </a:solidFill>
-                <a:latin typeface="Times New Roman" panose="02020603050405020304" pitchFamily="18" charset="0"/>
-              </a:defRPr>
-            </a:lvl3pPr>
-            <a:lvl4pPr marL="1600200" indent="-228600">
-              <a:spcBef>
-                <a:spcPct val="20000"/>
-              </a:spcBef>
-              <a:buChar char="–"/>
-              <a:defRPr sz="2000">
-                <a:solidFill>
-                  <a:schemeClr val="tx1"/>
-                </a:solidFill>
-                <a:latin typeface="Times New Roman" panose="02020603050405020304" pitchFamily="18" charset="0"/>
-              </a:defRPr>
-            </a:lvl4pPr>
-            <a:lvl5pPr marL="2057400" indent="-228600">
-              <a:spcBef>
-                <a:spcPct val="20000"/>
-              </a:spcBef>
-              <a:buChar char="»"/>
-              <a:defRPr sz="2000">
-                <a:solidFill>
-                  <a:schemeClr val="tx1"/>
-                </a:solidFill>
-                <a:latin typeface="Times New Roman" panose="02020603050405020304" pitchFamily="18" charset="0"/>
-              </a:defRPr>
-            </a:lvl5pPr>
-            <a:lvl6pPr marL="2514600" indent="-228600" eaLnBrk="0" fontAlgn="base" hangingPunct="0">
-              <a:spcBef>
-                <a:spcPct val="20000"/>
-              </a:spcBef>
-              <a:spcAft>
-                <a:spcPct val="0"/>
-              </a:spcAft>
-              <a:buChar char="»"/>
-              <a:defRPr sz="2000">
-                <a:solidFill>
-                  <a:schemeClr val="tx1"/>
-                </a:solidFill>
-                <a:latin typeface="Times New Roman" panose="02020603050405020304" pitchFamily="18" charset="0"/>
-              </a:defRPr>
-            </a:lvl6pPr>
-            <a:lvl7pPr marL="2971800" indent="-228600" eaLnBrk="0" fontAlgn="base" hangingPunct="0">
-              <a:spcBef>
-                <a:spcPct val="20000"/>
-              </a:spcBef>
-              <a:spcAft>
-                <a:spcPct val="0"/>
-              </a:spcAft>
-              <a:buChar char="»"/>
-              <a:defRPr sz="2000">
-                <a:solidFill>
-                  <a:schemeClr val="tx1"/>
-                </a:solidFill>
-                <a:latin typeface="Times New Roman" panose="02020603050405020304" pitchFamily="18" charset="0"/>
-              </a:defRPr>
-            </a:lvl7pPr>
-            <a:lvl8pPr marL="3429000" indent="-228600" eaLnBrk="0" fontAlgn="base" hangingPunct="0">
-              <a:spcBef>
-                <a:spcPct val="20000"/>
-              </a:spcBef>
-              <a:spcAft>
-                <a:spcPct val="0"/>
-              </a:spcAft>
-              <a:buChar char="»"/>
-              <a:defRPr sz="2000">
-                <a:solidFill>
-                  <a:schemeClr val="tx1"/>
-                </a:solidFill>
-                <a:latin typeface="Times New Roman" panose="02020603050405020304" pitchFamily="18" charset="0"/>
-              </a:defRPr>
-            </a:lvl8pPr>
-            <a:lvl9pPr marL="3886200" indent="-228600" eaLnBrk="0" fontAlgn="base" hangingPunct="0">
-              <a:spcBef>
-                <a:spcPct val="20000"/>
-              </a:spcBef>
-              <a:spcAft>
-                <a:spcPct val="0"/>
-              </a:spcAft>
-              <a:buChar char="»"/>
-              <a:defRPr sz="2000">
-                <a:solidFill>
-                  <a:schemeClr val="tx1"/>
-                </a:solidFill>
-                <a:latin typeface="Times New Roman" panose="02020603050405020304" pitchFamily="18" charset="0"/>
-              </a:defRPr>
-            </a:lvl9pPr>
-          </a:lstStyle>
-          <a:p>
-            <a:pPr eaLnBrk="1" hangingPunct="1">
-              <a:buClr>
-                <a:schemeClr val="bg1"/>
-              </a:buClr>
-              <a:buSzPct val="80000"/>
-              <a:buFontTx/>
-              <a:buNone/>
-            </a:pPr>
-            <a:endParaRPr lang="en-US" altLang="en-US">
+            <a:ln>
+              <a:noFill/>
+            </a:ln>
+            <a:extLst>
+              <a:ext uri="{909E8E84-426E-40DD-AFC4-6F175D3DCCD1}">
+                <a14:hiddenFill xmlns:a14="http://schemas.microsoft.com/office/drawing/2010/main">
+                  <a:solidFill>
+                    <a:srgbClr val="FFFFFF"/>
+                  </a:solidFill>
+                </a14:hiddenFill>
+              </a:ext>
+              <a:ext uri="{91240B29-F687-4F45-9708-019B960494DF}">
+                <a14:hiddenLine xmlns:a14="http://schemas.microsoft.com/office/drawing/2010/main" w="9525">
+                  <a:solidFill>
+                    <a:srgbClr val="000000"/>
+                  </a:solidFill>
+                  <a:miter lim="800000"/>
+                  <a:headEnd/>
+                  <a:tailEnd/>
+                </a14:hiddenLine>
+              </a:ext>
+            </a:extLst>
+          </p:spPr>
+          <p:txBody>
+            <a:bodyPr wrap="none">
+              <a:spAutoFit/>
+            </a:bodyPr>
+            <a:lstStyle>
+              <a:lvl1pPr>
+                <a:spcBef>
+                  <a:spcPct val="20000"/>
+                </a:spcBef>
+                <a:buChar char="•"/>
+                <a:defRPr sz="3200">
+                  <a:solidFill>
+                    <a:schemeClr val="tx1"/>
+                  </a:solidFill>
+                  <a:latin typeface="Times New Roman" panose="02020603050405020304" pitchFamily="18" charset="0"/>
+                </a:defRPr>
+              </a:lvl1pPr>
+              <a:lvl2pPr marL="742950" indent="-285750">
+                <a:spcBef>
+                  <a:spcPct val="20000"/>
+                </a:spcBef>
+                <a:buChar char="–"/>
+                <a:defRPr sz="2800">
+                  <a:solidFill>
+                    <a:schemeClr val="tx1"/>
+                  </a:solidFill>
+                  <a:latin typeface="Times New Roman" panose="02020603050405020304" pitchFamily="18" charset="0"/>
+                </a:defRPr>
+              </a:lvl2pPr>
+              <a:lvl3pPr marL="1143000" indent="-228600">
+                <a:spcBef>
+                  <a:spcPct val="20000"/>
+                </a:spcBef>
+                <a:buChar char="•"/>
+                <a:defRPr sz="2400">
+                  <a:solidFill>
+                    <a:schemeClr val="tx1"/>
+                  </a:solidFill>
+                  <a:latin typeface="Times New Roman" panose="02020603050405020304" pitchFamily="18" charset="0"/>
+                </a:defRPr>
+              </a:lvl3pPr>
+              <a:lvl4pPr marL="1600200" indent="-228600">
+                <a:spcBef>
+                  <a:spcPct val="20000"/>
+                </a:spcBef>
+                <a:buChar char="–"/>
+                <a:defRPr sz="2000">
+                  <a:solidFill>
+                    <a:schemeClr val="tx1"/>
+                  </a:solidFill>
+                  <a:latin typeface="Times New Roman" panose="02020603050405020304" pitchFamily="18" charset="0"/>
+                </a:defRPr>
+              </a:lvl4pPr>
+              <a:lvl5pPr marL="2057400" indent="-228600">
+                <a:spcBef>
+                  <a:spcPct val="20000"/>
+                </a:spcBef>
+                <a:buChar char="»"/>
+                <a:defRPr sz="2000">
+                  <a:solidFill>
+                    <a:schemeClr val="tx1"/>
+                  </a:solidFill>
+                  <a:latin typeface="Times New Roman" panose="02020603050405020304" pitchFamily="18" charset="0"/>
+                </a:defRPr>
+              </a:lvl5pPr>
+              <a:lvl6pPr marL="2514600" indent="-228600" eaLnBrk="0" fontAlgn="base" hangingPunct="0">
+                <a:spcBef>
+                  <a:spcPct val="20000"/>
+                </a:spcBef>
+                <a:spcAft>
+                  <a:spcPct val="0"/>
+                </a:spcAft>
+                <a:buChar char="»"/>
+                <a:defRPr sz="2000">
+                  <a:solidFill>
+                    <a:schemeClr val="tx1"/>
+                  </a:solidFill>
+                  <a:latin typeface="Times New Roman" panose="02020603050405020304" pitchFamily="18" charset="0"/>
+                </a:defRPr>
+              </a:lvl6pPr>
+              <a:lvl7pPr marL="2971800" indent="-228600" eaLnBrk="0" fontAlgn="base" hangingPunct="0">
+                <a:spcBef>
+                  <a:spcPct val="20000"/>
+                </a:spcBef>
+                <a:spcAft>
+                  <a:spcPct val="0"/>
+                </a:spcAft>
+                <a:buChar char="»"/>
+                <a:defRPr sz="2000">
+                  <a:solidFill>
+                    <a:schemeClr val="tx1"/>
+                  </a:solidFill>
+                  <a:latin typeface="Times New Roman" panose="02020603050405020304" pitchFamily="18" charset="0"/>
+                </a:defRPr>
+              </a:lvl7pPr>
+              <a:lvl8pPr marL="3429000" indent="-228600" eaLnBrk="0" fontAlgn="base" hangingPunct="0">
+                <a:spcBef>
+                  <a:spcPct val="20000"/>
+                </a:spcBef>
+                <a:spcAft>
+                  <a:spcPct val="0"/>
+                </a:spcAft>
+                <a:buChar char="»"/>
+                <a:defRPr sz="2000">
+                  <a:solidFill>
+                    <a:schemeClr val="tx1"/>
+                  </a:solidFill>
+                  <a:latin typeface="Times New Roman" panose="02020603050405020304" pitchFamily="18" charset="0"/>
+                </a:defRPr>
+              </a:lvl8pPr>
+              <a:lvl9pPr marL="3886200" indent="-228600" eaLnBrk="0" fontAlgn="base" hangingPunct="0">
+                <a:spcBef>
+                  <a:spcPct val="20000"/>
+                </a:spcBef>
+                <a:spcAft>
+                  <a:spcPct val="0"/>
+                </a:spcAft>
+                <a:buChar char="»"/>
+                <a:defRPr sz="2000">
+                  <a:solidFill>
+                    <a:schemeClr val="tx1"/>
+                  </a:solidFill>
+                  <a:latin typeface="Times New Roman" panose="02020603050405020304" pitchFamily="18" charset="0"/>
+                </a:defRPr>
+              </a:lvl9pPr>
+            </a:lstStyle>
+            <a:p>
+              <a:pPr eaLnBrk="1" hangingPunct="1">
+                <a:spcBef>
+                  <a:spcPct val="0"/>
+                </a:spcBef>
+                <a:buFontTx/>
+                <a:buNone/>
+              </a:pPr>
+              <a:r>
+                <a:rPr lang="en-US" altLang="en-US" sz="2400" dirty="0">
+                  <a:solidFill>
+                    <a:schemeClr val="bg1"/>
+                  </a:solidFill>
+                  <a:latin typeface="Arial" panose="020B0604020202020204" pitchFamily="34" charset="0"/>
+                </a:rPr>
+                <a:t>Darcy’s Law:</a:t>
+              </a:r>
+            </a:p>
+          </p:txBody>
+        </p:sp>
+        <p:sp>
+          <p:nvSpPr>
+            <p:cNvPr id="10263" name="Rectangle 103">
+              <a:extLst>
+                <a:ext uri="{FF2B5EF4-FFF2-40B4-BE49-F238E27FC236}">
+                  <a16:creationId xmlns:a16="http://schemas.microsoft.com/office/drawing/2014/main" id="{89BA065B-511B-4967-B306-65ABD5803B47}"/>
+                </a:ext>
+              </a:extLst>
+            </p:cNvPr>
+            <p:cNvSpPr>
+              <a:spLocks noChangeArrowheads="1"/>
+            </p:cNvSpPr>
+            <p:nvPr/>
+          </p:nvSpPr>
+          <p:spPr bwMode="auto">
+            <a:xfrm>
+              <a:off x="4244" y="1822"/>
+              <a:ext cx="1363" cy="2292"/>
+            </a:xfrm>
+            <a:prstGeom prst="rect">
+              <a:avLst/>
+            </a:prstGeom>
+            <a:noFill/>
+            <a:ln w="28575">
               <a:solidFill>
-                <a:schemeClr val="bg1"/>
+                <a:srgbClr val="FF3300"/>
               </a:solidFill>
-            </a:endParaRPr>
-          </a:p>
-        </p:txBody>
-      </p:sp>
-      <p:sp>
-        <p:nvSpPr>
-          <p:cNvPr id="16388" name="Rectangle 15">
+              <a:miter lim="800000"/>
+              <a:headEnd/>
+              <a:tailEnd/>
+            </a:ln>
+            <a:extLst>
+              <a:ext uri="{909E8E84-426E-40DD-AFC4-6F175D3DCCD1}">
+                <a14:hiddenFill xmlns:a14="http://schemas.microsoft.com/office/drawing/2010/main">
+                  <a:solidFill>
+                    <a:srgbClr val="FFFFFF"/>
+                  </a:solidFill>
+                </a14:hiddenFill>
+              </a:ext>
+            </a:extLst>
+          </p:spPr>
+          <p:txBody>
+            <a:bodyPr wrap="none" anchor="ctr"/>
+            <a:lstStyle>
+              <a:lvl1pPr>
+                <a:spcBef>
+                  <a:spcPct val="20000"/>
+                </a:spcBef>
+                <a:buChar char="•"/>
+                <a:defRPr sz="3200">
+                  <a:solidFill>
+                    <a:schemeClr val="tx1"/>
+                  </a:solidFill>
+                  <a:latin typeface="Times New Roman" panose="02020603050405020304" pitchFamily="18" charset="0"/>
+                </a:defRPr>
+              </a:lvl1pPr>
+              <a:lvl2pPr marL="742950" indent="-285750">
+                <a:spcBef>
+                  <a:spcPct val="20000"/>
+                </a:spcBef>
+                <a:buChar char="–"/>
+                <a:defRPr sz="2800">
+                  <a:solidFill>
+                    <a:schemeClr val="tx1"/>
+                  </a:solidFill>
+                  <a:latin typeface="Times New Roman" panose="02020603050405020304" pitchFamily="18" charset="0"/>
+                </a:defRPr>
+              </a:lvl2pPr>
+              <a:lvl3pPr marL="1143000" indent="-228600">
+                <a:spcBef>
+                  <a:spcPct val="20000"/>
+                </a:spcBef>
+                <a:buChar char="•"/>
+                <a:defRPr sz="2400">
+                  <a:solidFill>
+                    <a:schemeClr val="tx1"/>
+                  </a:solidFill>
+                  <a:latin typeface="Times New Roman" panose="02020603050405020304" pitchFamily="18" charset="0"/>
+                </a:defRPr>
+              </a:lvl3pPr>
+              <a:lvl4pPr marL="1600200" indent="-228600">
+                <a:spcBef>
+                  <a:spcPct val="20000"/>
+                </a:spcBef>
+                <a:buChar char="–"/>
+                <a:defRPr sz="2000">
+                  <a:solidFill>
+                    <a:schemeClr val="tx1"/>
+                  </a:solidFill>
+                  <a:latin typeface="Times New Roman" panose="02020603050405020304" pitchFamily="18" charset="0"/>
+                </a:defRPr>
+              </a:lvl4pPr>
+              <a:lvl5pPr marL="2057400" indent="-228600">
+                <a:spcBef>
+                  <a:spcPct val="20000"/>
+                </a:spcBef>
+                <a:buChar char="»"/>
+                <a:defRPr sz="2000">
+                  <a:solidFill>
+                    <a:schemeClr val="tx1"/>
+                  </a:solidFill>
+                  <a:latin typeface="Times New Roman" panose="02020603050405020304" pitchFamily="18" charset="0"/>
+                </a:defRPr>
+              </a:lvl5pPr>
+              <a:lvl6pPr marL="2514600" indent="-228600" eaLnBrk="0" fontAlgn="base" hangingPunct="0">
+                <a:spcBef>
+                  <a:spcPct val="20000"/>
+                </a:spcBef>
+                <a:spcAft>
+                  <a:spcPct val="0"/>
+                </a:spcAft>
+                <a:buChar char="»"/>
+                <a:defRPr sz="2000">
+                  <a:solidFill>
+                    <a:schemeClr val="tx1"/>
+                  </a:solidFill>
+                  <a:latin typeface="Times New Roman" panose="02020603050405020304" pitchFamily="18" charset="0"/>
+                </a:defRPr>
+              </a:lvl6pPr>
+              <a:lvl7pPr marL="2971800" indent="-228600" eaLnBrk="0" fontAlgn="base" hangingPunct="0">
+                <a:spcBef>
+                  <a:spcPct val="20000"/>
+                </a:spcBef>
+                <a:spcAft>
+                  <a:spcPct val="0"/>
+                </a:spcAft>
+                <a:buChar char="»"/>
+                <a:defRPr sz="2000">
+                  <a:solidFill>
+                    <a:schemeClr val="tx1"/>
+                  </a:solidFill>
+                  <a:latin typeface="Times New Roman" panose="02020603050405020304" pitchFamily="18" charset="0"/>
+                </a:defRPr>
+              </a:lvl7pPr>
+              <a:lvl8pPr marL="3429000" indent="-228600" eaLnBrk="0" fontAlgn="base" hangingPunct="0">
+                <a:spcBef>
+                  <a:spcPct val="20000"/>
+                </a:spcBef>
+                <a:spcAft>
+                  <a:spcPct val="0"/>
+                </a:spcAft>
+                <a:buChar char="»"/>
+                <a:defRPr sz="2000">
+                  <a:solidFill>
+                    <a:schemeClr val="tx1"/>
+                  </a:solidFill>
+                  <a:latin typeface="Times New Roman" panose="02020603050405020304" pitchFamily="18" charset="0"/>
+                </a:defRPr>
+              </a:lvl8pPr>
+              <a:lvl9pPr marL="3886200" indent="-228600" eaLnBrk="0" fontAlgn="base" hangingPunct="0">
+                <a:spcBef>
+                  <a:spcPct val="20000"/>
+                </a:spcBef>
+                <a:spcAft>
+                  <a:spcPct val="0"/>
+                </a:spcAft>
+                <a:buChar char="»"/>
+                <a:defRPr sz="2000">
+                  <a:solidFill>
+                    <a:schemeClr val="tx1"/>
+                  </a:solidFill>
+                  <a:latin typeface="Times New Roman" panose="02020603050405020304" pitchFamily="18" charset="0"/>
+                </a:defRPr>
+              </a:lvl9pPr>
+            </a:lstStyle>
+            <a:p>
+              <a:pPr algn="ctr" eaLnBrk="1" hangingPunct="1">
+                <a:spcBef>
+                  <a:spcPct val="0"/>
+                </a:spcBef>
+                <a:buFontTx/>
+                <a:buNone/>
+              </a:pPr>
+              <a:endParaRPr lang="en-US" altLang="en-US" sz="2400">
+                <a:solidFill>
+                  <a:schemeClr val="bg1"/>
+                </a:solidFill>
+              </a:endParaRPr>
+            </a:p>
+          </p:txBody>
+        </p:sp>
+      </p:grpSp>
+      <p:pic>
+        <p:nvPicPr>
+          <p:cNvPr id="24" name="Picture 17">
             <a:extLst>
               <a:ext uri="{FF2B5EF4-FFF2-40B4-BE49-F238E27FC236}">
-                <a16:creationId xmlns:a16="http://schemas.microsoft.com/office/drawing/2014/main" id="{83CF2345-8ADA-48CC-83BE-AC65B382DEDD}"/>
-              </a:ext>
-            </a:extLst>
-          </p:cNvPr>
-          <p:cNvSpPr>
-            <a:spLocks noChangeArrowheads="1"/>
-          </p:cNvSpPr>
-          <p:nvPr/>
-        </p:nvSpPr>
-        <p:spPr bwMode="auto">
-          <a:xfrm>
-            <a:off x="0" y="0"/>
-            <a:ext cx="9144000" cy="0"/>
-          </a:xfrm>
-          <a:prstGeom prst="rect">
-            <a:avLst/>
-          </a:prstGeom>
-          <a:noFill/>
-          <a:ln>
-            <a:noFill/>
-          </a:ln>
-          <a:extLst>
-            <a:ext uri="{909E8E84-426E-40DD-AFC4-6F175D3DCCD1}">
-              <a14:hiddenFill xmlns:a14="http://schemas.microsoft.com/office/drawing/2010/main">
-                <a:solidFill>
-                  <a:srgbClr val="FFFFFF"/>
-                </a:solidFill>
-              </a14:hiddenFill>
-            </a:ext>
-            <a:ext uri="{91240B29-F687-4F45-9708-019B960494DF}">
-              <a14:hiddenLine xmlns:a14="http://schemas.microsoft.com/office/drawing/2010/main" w="9525">
-                <a:solidFill>
-                  <a:srgbClr val="000000"/>
-                </a:solidFill>
-                <a:miter lim="800000"/>
-                <a:headEnd/>
-                <a:tailEnd/>
-              </a14:hiddenLine>
-            </a:ext>
-          </a:extLst>
-        </p:spPr>
-        <p:txBody>
-          <a:bodyPr wrap="none" anchor="ctr">
-            <a:spAutoFit/>
-          </a:bodyPr>
-          <a:lstStyle>
-            <a:lvl1pPr>
-              <a:spcBef>
-                <a:spcPct val="20000"/>
-              </a:spcBef>
-              <a:buChar char="•"/>
-              <a:defRPr sz="3200">
-                <a:solidFill>
-                  <a:schemeClr val="tx1"/>
-                </a:solidFill>
-                <a:latin typeface="Times New Roman" panose="02020603050405020304" pitchFamily="18" charset="0"/>
-              </a:defRPr>
-            </a:lvl1pPr>
-            <a:lvl2pPr marL="742950" indent="-285750">
-              <a:spcBef>
-                <a:spcPct val="20000"/>
-              </a:spcBef>
-              <a:buChar char="–"/>
-              <a:defRPr sz="2800">
-                <a:solidFill>
-                  <a:schemeClr val="tx1"/>
-                </a:solidFill>
-                <a:latin typeface="Times New Roman" panose="02020603050405020304" pitchFamily="18" charset="0"/>
-              </a:defRPr>
-            </a:lvl2pPr>
-            <a:lvl3pPr marL="1143000" indent="-228600">
-              <a:spcBef>
-                <a:spcPct val="20000"/>
-              </a:spcBef>
-              <a:buChar char="•"/>
-              <a:defRPr sz="2400">
-                <a:solidFill>
-                  <a:schemeClr val="tx1"/>
-                </a:solidFill>
-                <a:latin typeface="Times New Roman" panose="02020603050405020304" pitchFamily="18" charset="0"/>
-              </a:defRPr>
-            </a:lvl3pPr>
-            <a:lvl4pPr marL="1600200" indent="-228600">
-              <a:spcBef>
-                <a:spcPct val="20000"/>
-              </a:spcBef>
-              <a:buChar char="–"/>
-              <a:defRPr sz="2000">
-                <a:solidFill>
-                  <a:schemeClr val="tx1"/>
-                </a:solidFill>
-                <a:latin typeface="Times New Roman" panose="02020603050405020304" pitchFamily="18" charset="0"/>
-              </a:defRPr>
-            </a:lvl4pPr>
-            <a:lvl5pPr marL="2057400" indent="-228600">
-              <a:spcBef>
-                <a:spcPct val="20000"/>
-              </a:spcBef>
-              <a:buChar char="»"/>
-              <a:defRPr sz="2000">
-                <a:solidFill>
-                  <a:schemeClr val="tx1"/>
-                </a:solidFill>
-                <a:latin typeface="Times New Roman" panose="02020603050405020304" pitchFamily="18" charset="0"/>
-              </a:defRPr>
-            </a:lvl5pPr>
-            <a:lvl6pPr marL="2514600" indent="-228600" eaLnBrk="0" fontAlgn="base" hangingPunct="0">
-              <a:spcBef>
-                <a:spcPct val="20000"/>
-              </a:spcBef>
-              <a:spcAft>
-                <a:spcPct val="0"/>
-              </a:spcAft>
-              <a:buChar char="»"/>
-              <a:defRPr sz="2000">
-                <a:solidFill>
-                  <a:schemeClr val="tx1"/>
-                </a:solidFill>
-                <a:latin typeface="Times New Roman" panose="02020603050405020304" pitchFamily="18" charset="0"/>
-              </a:defRPr>
-            </a:lvl6pPr>
-            <a:lvl7pPr marL="2971800" indent="-228600" eaLnBrk="0" fontAlgn="base" hangingPunct="0">
-              <a:spcBef>
-                <a:spcPct val="20000"/>
-              </a:spcBef>
-              <a:spcAft>
-                <a:spcPct val="0"/>
-              </a:spcAft>
-              <a:buChar char="»"/>
-              <a:defRPr sz="2000">
-                <a:solidFill>
-                  <a:schemeClr val="tx1"/>
-                </a:solidFill>
-                <a:latin typeface="Times New Roman" panose="02020603050405020304" pitchFamily="18" charset="0"/>
-              </a:defRPr>
-            </a:lvl7pPr>
-            <a:lvl8pPr marL="3429000" indent="-228600" eaLnBrk="0" fontAlgn="base" hangingPunct="0">
-              <a:spcBef>
-                <a:spcPct val="20000"/>
-              </a:spcBef>
-              <a:spcAft>
-                <a:spcPct val="0"/>
-              </a:spcAft>
-              <a:buChar char="»"/>
-              <a:defRPr sz="2000">
-                <a:solidFill>
-                  <a:schemeClr val="tx1"/>
-                </a:solidFill>
-                <a:latin typeface="Times New Roman" panose="02020603050405020304" pitchFamily="18" charset="0"/>
-              </a:defRPr>
-            </a:lvl8pPr>
-            <a:lvl9pPr marL="3886200" indent="-228600" eaLnBrk="0" fontAlgn="base" hangingPunct="0">
-              <a:spcBef>
-                <a:spcPct val="20000"/>
-              </a:spcBef>
-              <a:spcAft>
-                <a:spcPct val="0"/>
-              </a:spcAft>
-              <a:buChar char="»"/>
-              <a:defRPr sz="2000">
-                <a:solidFill>
-                  <a:schemeClr val="tx1"/>
-                </a:solidFill>
-                <a:latin typeface="Times New Roman" panose="02020603050405020304" pitchFamily="18" charset="0"/>
-              </a:defRPr>
-            </a:lvl9pPr>
-          </a:lstStyle>
-          <a:p>
-            <a:pPr eaLnBrk="1" hangingPunct="1">
-              <a:spcBef>
-                <a:spcPct val="0"/>
-              </a:spcBef>
-              <a:buFontTx/>
-              <a:buNone/>
-            </a:pPr>
-            <a:endParaRPr lang="en-US" altLang="en-US" sz="2500" i="1"/>
-          </a:p>
-        </p:txBody>
-      </p:sp>
-      <p:sp>
-        <p:nvSpPr>
-          <p:cNvPr id="4" name="Rectangle 3">
-            <a:extLst>
-              <a:ext uri="{FF2B5EF4-FFF2-40B4-BE49-F238E27FC236}">
-                <a16:creationId xmlns:a16="http://schemas.microsoft.com/office/drawing/2014/main" id="{4D397576-F759-4CB4-8962-CDFC149BBA65}"/>
-              </a:ext>
-            </a:extLst>
-          </p:cNvPr>
-          <p:cNvSpPr/>
-          <p:nvPr/>
-        </p:nvSpPr>
-        <p:spPr>
-          <a:xfrm>
-            <a:off x="1165225" y="1865313"/>
-            <a:ext cx="2971800" cy="638175"/>
-          </a:xfrm>
-          <a:prstGeom prst="rect">
-            <a:avLst/>
-          </a:prstGeom>
-          <a:noFill/>
-          <a:ln>
-            <a:solidFill>
-              <a:schemeClr val="bg1"/>
-            </a:solidFill>
-          </a:ln>
-        </p:spPr>
-        <p:style>
-          <a:lnRef idx="2">
-            <a:schemeClr val="accent1">
-              <a:shade val="50000"/>
-            </a:schemeClr>
-          </a:lnRef>
-          <a:fillRef idx="1">
-            <a:schemeClr val="accent1"/>
-          </a:fillRef>
-          <a:effectRef idx="0">
-            <a:schemeClr val="accent1"/>
-          </a:effectRef>
-          <a:fontRef idx="minor">
-            <a:schemeClr val="lt1"/>
-          </a:fontRef>
-        </p:style>
-        <p:txBody>
-          <a:bodyPr anchor="ctr"/>
-          <a:lstStyle/>
-          <a:p>
-            <a:pPr algn="ctr">
-              <a:defRPr/>
-            </a:pPr>
-            <a:endParaRPr lang="en-US"/>
-          </a:p>
-        </p:txBody>
-      </p:sp>
-      <p:sp>
-        <p:nvSpPr>
-          <p:cNvPr id="7" name="Rectangle 6">
-            <a:extLst>
-              <a:ext uri="{FF2B5EF4-FFF2-40B4-BE49-F238E27FC236}">
-                <a16:creationId xmlns:a16="http://schemas.microsoft.com/office/drawing/2014/main" id="{72E09605-8232-48EE-972F-2011E497B6CA}"/>
-              </a:ext>
-            </a:extLst>
-          </p:cNvPr>
-          <p:cNvSpPr/>
-          <p:nvPr/>
-        </p:nvSpPr>
-        <p:spPr>
-          <a:xfrm>
-            <a:off x="1165225" y="2149475"/>
-            <a:ext cx="2971800" cy="354013"/>
-          </a:xfrm>
-          <a:prstGeom prst="rect">
-            <a:avLst/>
-          </a:prstGeom>
-          <a:solidFill>
-            <a:srgbClr val="99CCFF"/>
-          </a:solidFill>
-          <a:ln>
-            <a:solidFill>
-              <a:schemeClr val="bg1"/>
-            </a:solidFill>
-          </a:ln>
-        </p:spPr>
-        <p:style>
-          <a:lnRef idx="2">
-            <a:schemeClr val="accent1">
-              <a:shade val="50000"/>
-            </a:schemeClr>
-          </a:lnRef>
-          <a:fillRef idx="1">
-            <a:schemeClr val="accent1"/>
-          </a:fillRef>
-          <a:effectRef idx="0">
-            <a:schemeClr val="accent1"/>
-          </a:effectRef>
-          <a:fontRef idx="minor">
-            <a:schemeClr val="lt1"/>
-          </a:fontRef>
-        </p:style>
-        <p:txBody>
-          <a:bodyPr anchor="ctr"/>
-          <a:lstStyle/>
-          <a:p>
-            <a:pPr algn="ctr">
-              <a:defRPr/>
-            </a:pPr>
-            <a:endParaRPr lang="en-US"/>
-          </a:p>
-        </p:txBody>
-      </p:sp>
-      <p:cxnSp>
-        <p:nvCxnSpPr>
-          <p:cNvPr id="9" name="Straight Arrow Connector 8">
-            <a:extLst>
-              <a:ext uri="{FF2B5EF4-FFF2-40B4-BE49-F238E27FC236}">
-                <a16:creationId xmlns:a16="http://schemas.microsoft.com/office/drawing/2014/main" id="{79F82FEA-0705-43FE-B670-21B0027A8BCB}"/>
-              </a:ext>
-            </a:extLst>
-          </p:cNvPr>
-          <p:cNvCxnSpPr/>
-          <p:nvPr/>
-        </p:nvCxnSpPr>
-        <p:spPr>
-          <a:xfrm>
-            <a:off x="4343400" y="2149475"/>
-            <a:ext cx="0" cy="354013"/>
-          </a:xfrm>
-          <a:prstGeom prst="straightConnector1">
-            <a:avLst/>
-          </a:prstGeom>
-          <a:ln>
-            <a:solidFill>
-              <a:schemeClr val="bg1"/>
-            </a:solidFill>
-            <a:headEnd type="triangle" w="med" len="med"/>
-            <a:tailEnd type="triangle" w="med" len="med"/>
-          </a:ln>
-        </p:spPr>
-        <p:style>
-          <a:lnRef idx="1">
-            <a:schemeClr val="accent1"/>
-          </a:lnRef>
-          <a:fillRef idx="0">
-            <a:schemeClr val="accent1"/>
-          </a:fillRef>
-          <a:effectRef idx="0">
-            <a:schemeClr val="accent1"/>
-          </a:effectRef>
-          <a:fontRef idx="minor">
-            <a:schemeClr val="tx1"/>
-          </a:fontRef>
-        </p:style>
-      </p:cxnSp>
-      <p:sp>
-        <p:nvSpPr>
-          <p:cNvPr id="16392" name="TextBox 9">
-            <a:extLst>
-              <a:ext uri="{FF2B5EF4-FFF2-40B4-BE49-F238E27FC236}">
-                <a16:creationId xmlns:a16="http://schemas.microsoft.com/office/drawing/2014/main" id="{02074FF0-3F6F-4B1C-A93E-1C526293B453}"/>
-              </a:ext>
-            </a:extLst>
-          </p:cNvPr>
-          <p:cNvSpPr txBox="1">
-            <a:spLocks noChangeArrowheads="1"/>
-          </p:cNvSpPr>
-          <p:nvPr/>
-        </p:nvSpPr>
-        <p:spPr bwMode="auto">
-          <a:xfrm>
-            <a:off x="4379913" y="2095500"/>
-            <a:ext cx="338137" cy="461963"/>
-          </a:xfrm>
-          <a:prstGeom prst="rect">
-            <a:avLst/>
-          </a:prstGeom>
-          <a:noFill/>
-          <a:ln>
-            <a:noFill/>
-          </a:ln>
-          <a:extLst>
-            <a:ext uri="{909E8E84-426E-40DD-AFC4-6F175D3DCCD1}">
-              <a14:hiddenFill xmlns:a14="http://schemas.microsoft.com/office/drawing/2010/main">
-                <a:solidFill>
-                  <a:srgbClr val="FFFFFF"/>
-                </a:solidFill>
-              </a14:hiddenFill>
-            </a:ext>
-            <a:ext uri="{91240B29-F687-4F45-9708-019B960494DF}">
-              <a14:hiddenLine xmlns:a14="http://schemas.microsoft.com/office/drawing/2010/main" w="9525">
-                <a:solidFill>
-                  <a:srgbClr val="000000"/>
-                </a:solidFill>
-                <a:miter lim="800000"/>
-                <a:headEnd/>
-                <a:tailEnd/>
-              </a14:hiddenLine>
-            </a:ext>
-          </a:extLst>
-        </p:spPr>
-        <p:txBody>
-          <a:bodyPr wrap="none">
-            <a:spAutoFit/>
-          </a:bodyPr>
-          <a:lstStyle>
-            <a:lvl1pPr>
-              <a:defRPr sz="2400">
-                <a:solidFill>
-                  <a:schemeClr val="tx1"/>
-                </a:solidFill>
-                <a:latin typeface="Times New Roman" panose="02020603050405020304" pitchFamily="18" charset="0"/>
-              </a:defRPr>
-            </a:lvl1pPr>
-            <a:lvl2pPr marL="742950" indent="-285750">
-              <a:defRPr sz="2400">
-                <a:solidFill>
-                  <a:schemeClr val="tx1"/>
-                </a:solidFill>
-                <a:latin typeface="Times New Roman" panose="02020603050405020304" pitchFamily="18" charset="0"/>
-              </a:defRPr>
-            </a:lvl2pPr>
-            <a:lvl3pPr marL="1143000" indent="-228600">
-              <a:defRPr sz="2400">
-                <a:solidFill>
-                  <a:schemeClr val="tx1"/>
-                </a:solidFill>
-                <a:latin typeface="Times New Roman" panose="02020603050405020304" pitchFamily="18" charset="0"/>
-              </a:defRPr>
-            </a:lvl3pPr>
-            <a:lvl4pPr marL="1600200" indent="-228600">
-              <a:defRPr sz="2400">
-                <a:solidFill>
-                  <a:schemeClr val="tx1"/>
-                </a:solidFill>
-                <a:latin typeface="Times New Roman" panose="02020603050405020304" pitchFamily="18" charset="0"/>
-              </a:defRPr>
-            </a:lvl4pPr>
-            <a:lvl5pPr marL="2057400" indent="-228600">
-              <a:defRPr sz="2400">
-                <a:solidFill>
-                  <a:schemeClr val="tx1"/>
-                </a:solidFill>
-                <a:latin typeface="Times New Roman" panose="02020603050405020304" pitchFamily="18" charset="0"/>
-              </a:defRPr>
-            </a:lvl5pPr>
-            <a:lvl6pPr marL="2514600" indent="-228600" eaLnBrk="0" fontAlgn="base" hangingPunct="0">
-              <a:spcBef>
-                <a:spcPct val="0"/>
-              </a:spcBef>
-              <a:spcAft>
-                <a:spcPct val="0"/>
-              </a:spcAft>
-              <a:defRPr sz="2400">
-                <a:solidFill>
-                  <a:schemeClr val="tx1"/>
-                </a:solidFill>
-                <a:latin typeface="Times New Roman" panose="02020603050405020304" pitchFamily="18" charset="0"/>
-              </a:defRPr>
-            </a:lvl6pPr>
-            <a:lvl7pPr marL="2971800" indent="-228600" eaLnBrk="0" fontAlgn="base" hangingPunct="0">
-              <a:spcBef>
-                <a:spcPct val="0"/>
-              </a:spcBef>
-              <a:spcAft>
-                <a:spcPct val="0"/>
-              </a:spcAft>
-              <a:defRPr sz="2400">
-                <a:solidFill>
-                  <a:schemeClr val="tx1"/>
-                </a:solidFill>
-                <a:latin typeface="Times New Roman" panose="02020603050405020304" pitchFamily="18" charset="0"/>
-              </a:defRPr>
-            </a:lvl7pPr>
-            <a:lvl8pPr marL="3429000" indent="-228600" eaLnBrk="0" fontAlgn="base" hangingPunct="0">
-              <a:spcBef>
-                <a:spcPct val="0"/>
-              </a:spcBef>
-              <a:spcAft>
-                <a:spcPct val="0"/>
-              </a:spcAft>
-              <a:defRPr sz="2400">
-                <a:solidFill>
-                  <a:schemeClr val="tx1"/>
-                </a:solidFill>
-                <a:latin typeface="Times New Roman" panose="02020603050405020304" pitchFamily="18" charset="0"/>
-              </a:defRPr>
-            </a:lvl8pPr>
-            <a:lvl9pPr marL="3886200" indent="-228600" eaLnBrk="0" fontAlgn="base" hangingPunct="0">
-              <a:spcBef>
-                <a:spcPct val="0"/>
-              </a:spcBef>
-              <a:spcAft>
-                <a:spcPct val="0"/>
-              </a:spcAft>
-              <a:defRPr sz="2400">
-                <a:solidFill>
-                  <a:schemeClr val="tx1"/>
-                </a:solidFill>
-                <a:latin typeface="Times New Roman" panose="02020603050405020304" pitchFamily="18" charset="0"/>
-              </a:defRPr>
-            </a:lvl9pPr>
-          </a:lstStyle>
-          <a:p>
-            <a:r>
-              <a:rPr lang="en-US" altLang="en-US">
-                <a:solidFill>
-                  <a:schemeClr val="bg1"/>
-                </a:solidFill>
-              </a:rPr>
-              <a:t>b</a:t>
-            </a:r>
-          </a:p>
-        </p:txBody>
-      </p:sp>
-      <p:sp>
-        <p:nvSpPr>
-          <p:cNvPr id="11" name="Isosceles Triangle 10">
-            <a:extLst>
-              <a:ext uri="{FF2B5EF4-FFF2-40B4-BE49-F238E27FC236}">
-                <a16:creationId xmlns:a16="http://schemas.microsoft.com/office/drawing/2014/main" id="{0BDBBA56-DBE1-47F8-A905-132A24092E84}"/>
-              </a:ext>
-            </a:extLst>
-          </p:cNvPr>
-          <p:cNvSpPr/>
-          <p:nvPr/>
-        </p:nvSpPr>
-        <p:spPr>
-          <a:xfrm rot="10800000">
-            <a:off x="3178175" y="1952625"/>
-            <a:ext cx="136525" cy="196850"/>
-          </a:xfrm>
-          <a:prstGeom prst="triangle">
-            <a:avLst/>
-          </a:prstGeom>
-          <a:noFill/>
-          <a:ln>
-            <a:solidFill>
-              <a:schemeClr val="bg1"/>
-            </a:solidFill>
-          </a:ln>
-        </p:spPr>
-        <p:style>
-          <a:lnRef idx="2">
-            <a:schemeClr val="accent1">
-              <a:shade val="50000"/>
-            </a:schemeClr>
-          </a:lnRef>
-          <a:fillRef idx="1">
-            <a:schemeClr val="accent1"/>
-          </a:fillRef>
-          <a:effectRef idx="0">
-            <a:schemeClr val="accent1"/>
-          </a:effectRef>
-          <a:fontRef idx="minor">
-            <a:schemeClr val="lt1"/>
-          </a:fontRef>
-        </p:style>
-        <p:txBody>
-          <a:bodyPr anchor="ctr"/>
-          <a:lstStyle/>
-          <a:p>
-            <a:pPr algn="ctr">
-              <a:defRPr/>
-            </a:pPr>
-            <a:endParaRPr lang="en-US"/>
-          </a:p>
-        </p:txBody>
-      </p:sp>
-      <p:cxnSp>
-        <p:nvCxnSpPr>
-          <p:cNvPr id="14" name="Straight Connector 13">
-            <a:extLst>
-              <a:ext uri="{FF2B5EF4-FFF2-40B4-BE49-F238E27FC236}">
-                <a16:creationId xmlns:a16="http://schemas.microsoft.com/office/drawing/2014/main" id="{079622C8-8F0F-4E70-98F0-97245C45F690}"/>
-              </a:ext>
-            </a:extLst>
-          </p:cNvPr>
-          <p:cNvCxnSpPr/>
-          <p:nvPr/>
-        </p:nvCxnSpPr>
-        <p:spPr>
-          <a:xfrm>
-            <a:off x="3108325" y="2208213"/>
-            <a:ext cx="252413" cy="0"/>
-          </a:xfrm>
-          <a:prstGeom prst="line">
-            <a:avLst/>
-          </a:prstGeom>
-          <a:ln>
-            <a:solidFill>
-              <a:schemeClr val="bg1"/>
-            </a:solidFill>
-          </a:ln>
-        </p:spPr>
-        <p:style>
-          <a:lnRef idx="1">
-            <a:schemeClr val="accent1"/>
-          </a:lnRef>
-          <a:fillRef idx="0">
-            <a:schemeClr val="accent1"/>
-          </a:fillRef>
-          <a:effectRef idx="0">
-            <a:schemeClr val="accent1"/>
-          </a:effectRef>
-          <a:fontRef idx="minor">
-            <a:schemeClr val="tx1"/>
-          </a:fontRef>
-        </p:style>
-      </p:cxnSp>
-      <p:cxnSp>
-        <p:nvCxnSpPr>
-          <p:cNvPr id="16" name="Straight Connector 15">
-            <a:extLst>
-              <a:ext uri="{FF2B5EF4-FFF2-40B4-BE49-F238E27FC236}">
-                <a16:creationId xmlns:a16="http://schemas.microsoft.com/office/drawing/2014/main" id="{A658ECEA-2E73-4072-B15E-ED3E4B44A264}"/>
-              </a:ext>
-            </a:extLst>
-          </p:cNvPr>
-          <p:cNvCxnSpPr/>
-          <p:nvPr/>
-        </p:nvCxnSpPr>
-        <p:spPr>
-          <a:xfrm>
-            <a:off x="3165475" y="2263775"/>
-            <a:ext cx="138113" cy="0"/>
-          </a:xfrm>
-          <a:prstGeom prst="line">
-            <a:avLst/>
-          </a:prstGeom>
-          <a:ln>
-            <a:solidFill>
-              <a:schemeClr val="bg1"/>
-            </a:solidFill>
-          </a:ln>
-        </p:spPr>
-        <p:style>
-          <a:lnRef idx="1">
-            <a:schemeClr val="accent1"/>
-          </a:lnRef>
-          <a:fillRef idx="0">
-            <a:schemeClr val="accent1"/>
-          </a:fillRef>
-          <a:effectRef idx="0">
-            <a:schemeClr val="accent1"/>
-          </a:effectRef>
-          <a:fontRef idx="minor">
-            <a:schemeClr val="tx1"/>
-          </a:fontRef>
-        </p:style>
-      </p:cxnSp>
-      <p:sp>
-        <p:nvSpPr>
-          <p:cNvPr id="16396" name="TextBox 16">
-            <a:extLst>
-              <a:ext uri="{FF2B5EF4-FFF2-40B4-BE49-F238E27FC236}">
-                <a16:creationId xmlns:a16="http://schemas.microsoft.com/office/drawing/2014/main" id="{6B9C19F8-2890-4944-9846-2DFBCFB1A3D0}"/>
-              </a:ext>
-            </a:extLst>
-          </p:cNvPr>
-          <p:cNvSpPr txBox="1">
-            <a:spLocks noChangeArrowheads="1"/>
-          </p:cNvSpPr>
-          <p:nvPr/>
-        </p:nvSpPr>
-        <p:spPr bwMode="auto">
-          <a:xfrm>
-            <a:off x="5492750" y="1914525"/>
-            <a:ext cx="1290638" cy="646113"/>
-          </a:xfrm>
-          <a:prstGeom prst="rect">
-            <a:avLst/>
-          </a:prstGeom>
-          <a:noFill/>
-          <a:ln>
-            <a:noFill/>
-          </a:ln>
-          <a:extLst>
-            <a:ext uri="{909E8E84-426E-40DD-AFC4-6F175D3DCCD1}">
-              <a14:hiddenFill xmlns:a14="http://schemas.microsoft.com/office/drawing/2010/main">
-                <a:solidFill>
-                  <a:srgbClr val="FFFFFF"/>
-                </a:solidFill>
-              </a14:hiddenFill>
-            </a:ext>
-            <a:ext uri="{91240B29-F687-4F45-9708-019B960494DF}">
-              <a14:hiddenLine xmlns:a14="http://schemas.microsoft.com/office/drawing/2010/main" w="9525">
-                <a:solidFill>
-                  <a:srgbClr val="000000"/>
-                </a:solidFill>
-                <a:miter lim="800000"/>
-                <a:headEnd/>
-                <a:tailEnd/>
-              </a14:hiddenLine>
-            </a:ext>
-          </a:extLst>
-        </p:spPr>
-        <p:txBody>
-          <a:bodyPr wrap="none">
-            <a:spAutoFit/>
-          </a:bodyPr>
-          <a:lstStyle>
-            <a:lvl1pPr>
-              <a:defRPr sz="2400">
-                <a:solidFill>
-                  <a:schemeClr val="tx1"/>
-                </a:solidFill>
-                <a:latin typeface="Times New Roman" panose="02020603050405020304" pitchFamily="18" charset="0"/>
-              </a:defRPr>
-            </a:lvl1pPr>
-            <a:lvl2pPr marL="742950" indent="-285750">
-              <a:defRPr sz="2400">
-                <a:solidFill>
-                  <a:schemeClr val="tx1"/>
-                </a:solidFill>
-                <a:latin typeface="Times New Roman" panose="02020603050405020304" pitchFamily="18" charset="0"/>
-              </a:defRPr>
-            </a:lvl2pPr>
-            <a:lvl3pPr marL="1143000" indent="-228600">
-              <a:defRPr sz="2400">
-                <a:solidFill>
-                  <a:schemeClr val="tx1"/>
-                </a:solidFill>
-                <a:latin typeface="Times New Roman" panose="02020603050405020304" pitchFamily="18" charset="0"/>
-              </a:defRPr>
-            </a:lvl3pPr>
-            <a:lvl4pPr marL="1600200" indent="-228600">
-              <a:defRPr sz="2400">
-                <a:solidFill>
-                  <a:schemeClr val="tx1"/>
-                </a:solidFill>
-                <a:latin typeface="Times New Roman" panose="02020603050405020304" pitchFamily="18" charset="0"/>
-              </a:defRPr>
-            </a:lvl4pPr>
-            <a:lvl5pPr marL="2057400" indent="-228600">
-              <a:defRPr sz="2400">
-                <a:solidFill>
-                  <a:schemeClr val="tx1"/>
-                </a:solidFill>
-                <a:latin typeface="Times New Roman" panose="02020603050405020304" pitchFamily="18" charset="0"/>
-              </a:defRPr>
-            </a:lvl5pPr>
-            <a:lvl6pPr marL="2514600" indent="-228600" eaLnBrk="0" fontAlgn="base" hangingPunct="0">
-              <a:spcBef>
-                <a:spcPct val="0"/>
-              </a:spcBef>
-              <a:spcAft>
-                <a:spcPct val="0"/>
-              </a:spcAft>
-              <a:defRPr sz="2400">
-                <a:solidFill>
-                  <a:schemeClr val="tx1"/>
-                </a:solidFill>
-                <a:latin typeface="Times New Roman" panose="02020603050405020304" pitchFamily="18" charset="0"/>
-              </a:defRPr>
-            </a:lvl6pPr>
-            <a:lvl7pPr marL="2971800" indent="-228600" eaLnBrk="0" fontAlgn="base" hangingPunct="0">
-              <a:spcBef>
-                <a:spcPct val="0"/>
-              </a:spcBef>
-              <a:spcAft>
-                <a:spcPct val="0"/>
-              </a:spcAft>
-              <a:defRPr sz="2400">
-                <a:solidFill>
-                  <a:schemeClr val="tx1"/>
-                </a:solidFill>
-                <a:latin typeface="Times New Roman" panose="02020603050405020304" pitchFamily="18" charset="0"/>
-              </a:defRPr>
-            </a:lvl7pPr>
-            <a:lvl8pPr marL="3429000" indent="-228600" eaLnBrk="0" fontAlgn="base" hangingPunct="0">
-              <a:spcBef>
-                <a:spcPct val="0"/>
-              </a:spcBef>
-              <a:spcAft>
-                <a:spcPct val="0"/>
-              </a:spcAft>
-              <a:defRPr sz="2400">
-                <a:solidFill>
-                  <a:schemeClr val="tx1"/>
-                </a:solidFill>
-                <a:latin typeface="Times New Roman" panose="02020603050405020304" pitchFamily="18" charset="0"/>
-              </a:defRPr>
-            </a:lvl8pPr>
-            <a:lvl9pPr marL="3886200" indent="-228600" eaLnBrk="0" fontAlgn="base" hangingPunct="0">
-              <a:spcBef>
-                <a:spcPct val="0"/>
-              </a:spcBef>
-              <a:spcAft>
-                <a:spcPct val="0"/>
-              </a:spcAft>
-              <a:defRPr sz="2400">
-                <a:solidFill>
-                  <a:schemeClr val="tx1"/>
-                </a:solidFill>
-                <a:latin typeface="Times New Roman" panose="02020603050405020304" pitchFamily="18" charset="0"/>
-              </a:defRPr>
-            </a:lvl9pPr>
-          </a:lstStyle>
-          <a:p>
-            <a:r>
-              <a:rPr lang="en-US" altLang="en-US" sz="3600">
-                <a:solidFill>
-                  <a:schemeClr val="bg1"/>
-                </a:solidFill>
-              </a:rPr>
-              <a:t>T=Kb</a:t>
-            </a:r>
-          </a:p>
-        </p:txBody>
-      </p:sp>
-      <p:sp>
-        <p:nvSpPr>
-          <p:cNvPr id="16397" name="Rectangle 4">
-            <a:extLst>
-              <a:ext uri="{FF2B5EF4-FFF2-40B4-BE49-F238E27FC236}">
-                <a16:creationId xmlns:a16="http://schemas.microsoft.com/office/drawing/2014/main" id="{8F90F784-934C-483B-95C8-273ABE5FF3E2}"/>
-              </a:ext>
-            </a:extLst>
-          </p:cNvPr>
-          <p:cNvSpPr>
-            <a:spLocks noChangeArrowheads="1"/>
-          </p:cNvSpPr>
-          <p:nvPr/>
-        </p:nvSpPr>
-        <p:spPr bwMode="auto">
-          <a:xfrm>
-            <a:off x="719138" y="3198813"/>
-            <a:ext cx="8275637" cy="1143000"/>
-          </a:xfrm>
-          <a:prstGeom prst="rect">
-            <a:avLst/>
-          </a:prstGeom>
-          <a:noFill/>
-          <a:ln>
-            <a:noFill/>
-          </a:ln>
-          <a:extLst>
-            <a:ext uri="{909E8E84-426E-40DD-AFC4-6F175D3DCCD1}">
-              <a14:hiddenFill xmlns:a14="http://schemas.microsoft.com/office/drawing/2010/main">
-                <a:solidFill>
-                  <a:srgbClr val="FFFFFF"/>
-                </a:solidFill>
-              </a14:hiddenFill>
-            </a:ext>
-            <a:ext uri="{91240B29-F687-4F45-9708-019B960494DF}">
-              <a14:hiddenLine xmlns:a14="http://schemas.microsoft.com/office/drawing/2010/main" w="9525">
-                <a:solidFill>
-                  <a:srgbClr val="000000"/>
-                </a:solidFill>
-                <a:miter lim="800000"/>
-                <a:headEnd/>
-                <a:tailEnd/>
-              </a14:hiddenLine>
-            </a:ext>
-          </a:extLst>
-        </p:spPr>
-        <p:txBody>
-          <a:bodyPr lIns="92075" tIns="46038" rIns="92075" bIns="46038" anchor="ctr"/>
-          <a:lstStyle>
-            <a:lvl1pPr>
-              <a:spcBef>
-                <a:spcPct val="20000"/>
-              </a:spcBef>
-              <a:buChar char="•"/>
-              <a:defRPr sz="3200">
-                <a:solidFill>
-                  <a:schemeClr val="tx1"/>
-                </a:solidFill>
-                <a:latin typeface="Times New Roman" panose="02020603050405020304" pitchFamily="18" charset="0"/>
-              </a:defRPr>
-            </a:lvl1pPr>
-            <a:lvl2pPr marL="742950" indent="-285750">
-              <a:spcBef>
-                <a:spcPct val="20000"/>
-              </a:spcBef>
-              <a:buChar char="–"/>
-              <a:defRPr sz="2800">
-                <a:solidFill>
-                  <a:schemeClr val="tx1"/>
-                </a:solidFill>
-                <a:latin typeface="Times New Roman" panose="02020603050405020304" pitchFamily="18" charset="0"/>
-              </a:defRPr>
-            </a:lvl2pPr>
-            <a:lvl3pPr marL="1143000" indent="-228600">
-              <a:spcBef>
-                <a:spcPct val="20000"/>
-              </a:spcBef>
-              <a:buChar char="•"/>
-              <a:defRPr sz="2400">
-                <a:solidFill>
-                  <a:schemeClr val="tx1"/>
-                </a:solidFill>
-                <a:latin typeface="Times New Roman" panose="02020603050405020304" pitchFamily="18" charset="0"/>
-              </a:defRPr>
-            </a:lvl3pPr>
-            <a:lvl4pPr marL="1600200" indent="-228600">
-              <a:spcBef>
-                <a:spcPct val="20000"/>
-              </a:spcBef>
-              <a:buChar char="–"/>
-              <a:defRPr sz="2000">
-                <a:solidFill>
-                  <a:schemeClr val="tx1"/>
-                </a:solidFill>
-                <a:latin typeface="Times New Roman" panose="02020603050405020304" pitchFamily="18" charset="0"/>
-              </a:defRPr>
-            </a:lvl4pPr>
-            <a:lvl5pPr marL="2057400" indent="-228600">
-              <a:spcBef>
-                <a:spcPct val="20000"/>
-              </a:spcBef>
-              <a:buChar char="»"/>
-              <a:defRPr sz="2000">
-                <a:solidFill>
-                  <a:schemeClr val="tx1"/>
-                </a:solidFill>
-                <a:latin typeface="Times New Roman" panose="02020603050405020304" pitchFamily="18" charset="0"/>
-              </a:defRPr>
-            </a:lvl5pPr>
-            <a:lvl6pPr marL="2514600" indent="-228600" eaLnBrk="0" fontAlgn="base" hangingPunct="0">
-              <a:spcBef>
-                <a:spcPct val="20000"/>
-              </a:spcBef>
-              <a:spcAft>
-                <a:spcPct val="0"/>
-              </a:spcAft>
-              <a:buChar char="»"/>
-              <a:defRPr sz="2000">
-                <a:solidFill>
-                  <a:schemeClr val="tx1"/>
-                </a:solidFill>
-                <a:latin typeface="Times New Roman" panose="02020603050405020304" pitchFamily="18" charset="0"/>
-              </a:defRPr>
-            </a:lvl6pPr>
-            <a:lvl7pPr marL="2971800" indent="-228600" eaLnBrk="0" fontAlgn="base" hangingPunct="0">
-              <a:spcBef>
-                <a:spcPct val="20000"/>
-              </a:spcBef>
-              <a:spcAft>
-                <a:spcPct val="0"/>
-              </a:spcAft>
-              <a:buChar char="»"/>
-              <a:defRPr sz="2000">
-                <a:solidFill>
-                  <a:schemeClr val="tx1"/>
-                </a:solidFill>
-                <a:latin typeface="Times New Roman" panose="02020603050405020304" pitchFamily="18" charset="0"/>
-              </a:defRPr>
-            </a:lvl7pPr>
-            <a:lvl8pPr marL="3429000" indent="-228600" eaLnBrk="0" fontAlgn="base" hangingPunct="0">
-              <a:spcBef>
-                <a:spcPct val="20000"/>
-              </a:spcBef>
-              <a:spcAft>
-                <a:spcPct val="0"/>
-              </a:spcAft>
-              <a:buChar char="»"/>
-              <a:defRPr sz="2000">
-                <a:solidFill>
-                  <a:schemeClr val="tx1"/>
-                </a:solidFill>
-                <a:latin typeface="Times New Roman" panose="02020603050405020304" pitchFamily="18" charset="0"/>
-              </a:defRPr>
-            </a:lvl8pPr>
-            <a:lvl9pPr marL="3886200" indent="-228600" eaLnBrk="0" fontAlgn="base" hangingPunct="0">
-              <a:spcBef>
-                <a:spcPct val="20000"/>
-              </a:spcBef>
-              <a:spcAft>
-                <a:spcPct val="0"/>
-              </a:spcAft>
-              <a:buChar char="»"/>
-              <a:defRPr sz="2000">
-                <a:solidFill>
-                  <a:schemeClr val="tx1"/>
-                </a:solidFill>
-                <a:latin typeface="Times New Roman" panose="02020603050405020304" pitchFamily="18" charset="0"/>
-              </a:defRPr>
-            </a:lvl9pPr>
-          </a:lstStyle>
-          <a:p>
-            <a:pPr eaLnBrk="1" hangingPunct="1">
-              <a:spcBef>
-                <a:spcPct val="0"/>
-              </a:spcBef>
-              <a:buFontTx/>
-              <a:buNone/>
-            </a:pPr>
-            <a:r>
-              <a:rPr lang="en-US" altLang="en-US" sz="4000">
-                <a:solidFill>
-                  <a:schemeClr val="bg1"/>
-                </a:solidFill>
-                <a:latin typeface="Arial" panose="020B0604020202020204" pitchFamily="34" charset="0"/>
-              </a:rPr>
-              <a:t>Aquifer Conductance (CC,CR,CV)</a:t>
-            </a:r>
-          </a:p>
-        </p:txBody>
-      </p:sp>
-      <p:pic>
-        <p:nvPicPr>
-          <p:cNvPr id="16398" name="Picture 17">
-            <a:extLst>
-              <a:ext uri="{FF2B5EF4-FFF2-40B4-BE49-F238E27FC236}">
-                <a16:creationId xmlns:a16="http://schemas.microsoft.com/office/drawing/2014/main" id="{91C5CC75-05F9-46C7-A982-4DA7DA332BB1}"/>
-              </a:ext>
-            </a:extLst>
-          </p:cNvPr>
-          <p:cNvPicPr>
-            <a:picLocks noChangeAspect="1" noChangeArrowheads="1"/>
-          </p:cNvPicPr>
-          <p:nvPr/>
-        </p:nvPicPr>
-        <p:blipFill>
-          <a:blip r:embed="rId2">
-            <a:extLst>
-              <a:ext uri="{28A0092B-C50C-407E-A947-70E740481C1C}">
-                <a14:useLocalDpi xmlns:a14="http://schemas.microsoft.com/office/drawing/2010/main" val="0"/>
-              </a:ext>
-            </a:extLst>
-          </a:blip>
-          <a:srcRect/>
-          <a:stretch>
-            <a:fillRect/>
-          </a:stretch>
-        </p:blipFill>
-        <p:spPr bwMode="auto">
-          <a:xfrm>
-            <a:off x="719138" y="4878388"/>
-            <a:ext cx="2863850" cy="938212"/>
-          </a:xfrm>
-          <a:prstGeom prst="rect">
-            <a:avLst/>
-          </a:prstGeom>
-          <a:noFill/>
-          <a:ln>
-            <a:noFill/>
-          </a:ln>
-          <a:extLst>
-            <a:ext uri="{909E8E84-426E-40DD-AFC4-6F175D3DCCD1}">
-              <a14:hiddenFill xmlns:a14="http://schemas.microsoft.com/office/drawing/2010/main">
-                <a:solidFill>
-                  <a:srgbClr val="FFFFFF"/>
-                </a:solidFill>
-              </a14:hiddenFill>
-            </a:ext>
-            <a:ext uri="{91240B29-F687-4F45-9708-019B960494DF}">
-              <a14:hiddenLine xmlns:a14="http://schemas.microsoft.com/office/drawing/2010/main" w="9525">
-                <a:solidFill>
-                  <a:srgbClr val="000000"/>
-                </a:solidFill>
-                <a:miter lim="800000"/>
-                <a:headEnd/>
-                <a:tailEnd/>
-              </a14:hiddenLine>
-            </a:ext>
-          </a:extLst>
-        </p:spPr>
-      </p:pic>
-      <p:pic>
-        <p:nvPicPr>
-          <p:cNvPr id="16399" name="Picture 18">
-            <a:extLst>
-              <a:ext uri="{FF2B5EF4-FFF2-40B4-BE49-F238E27FC236}">
-                <a16:creationId xmlns:a16="http://schemas.microsoft.com/office/drawing/2014/main" id="{4C8C6C9F-66C7-4D7D-B631-3B6248BACCA7}"/>
+                <a16:creationId xmlns:a16="http://schemas.microsoft.com/office/drawing/2014/main" id="{966461C5-7C93-48E8-9F91-CB7E02945BEC}"/>
               </a:ext>
             </a:extLst>
           </p:cNvPr>
@@ -7636,8 +6650,8 @@
         </p:blipFill>
         <p:spPr bwMode="auto">
           <a:xfrm>
-            <a:off x="4502150" y="4965700"/>
-            <a:ext cx="3956050" cy="788988"/>
+            <a:off x="1159669" y="1160462"/>
+            <a:ext cx="7129462" cy="947738"/>
           </a:xfrm>
           <a:prstGeom prst="rect">
             <a:avLst/>
@@ -7667,43 +6681,208 @@
           </a:extLst>
         </p:spPr>
       </p:pic>
-    </p:spTree>
-  </p:cSld>
-  <p:clrMapOvr>
-    <a:masterClrMapping/>
-  </p:clrMapOvr>
-</p:sld>
-</file>
-
-<file path=ppt/slides/slide10.xml><?xml version="1.0" encoding="utf-8"?>
-<p:sld xmlns:a="http://schemas.openxmlformats.org/drawingml/2006/main" xmlns:r="http://schemas.openxmlformats.org/officeDocument/2006/relationships" xmlns:p="http://schemas.openxmlformats.org/presentationml/2006/main">
-  <p:cSld>
-    <p:spTree>
-      <p:nvGrpSpPr>
-        <p:cNvPr id="1" name=""/>
-        <p:cNvGrpSpPr/>
-        <p:nvPr/>
-      </p:nvGrpSpPr>
-      <p:grpSpPr>
-        <a:xfrm>
-          <a:off x="0" y="0"/>
-          <a:ext cx="0" cy="0"/>
-          <a:chOff x="0" y="0"/>
-          <a:chExt cx="0" cy="0"/>
-        </a:xfrm>
-      </p:grpSpPr>
-      <p:sp>
-        <p:nvSpPr>
-          <p:cNvPr id="13315" name="Rectangle 6"/>
-          <p:cNvSpPr>
-            <a:spLocks noChangeArrowheads="1"/>
-          </p:cNvSpPr>
+      <mc:AlternateContent xmlns:mc="http://schemas.openxmlformats.org/markup-compatibility/2006">
+        <mc:Choice xmlns:a14="http://schemas.microsoft.com/office/drawing/2010/main" Requires="a14">
+          <p:sp>
+            <p:nvSpPr>
+              <p:cNvPr id="2" name="TextBox 1">
+                <a:extLst>
+                  <a:ext uri="{FF2B5EF4-FFF2-40B4-BE49-F238E27FC236}">
+                    <a16:creationId xmlns:a16="http://schemas.microsoft.com/office/drawing/2014/main" id="{19F40BAE-F7BC-4698-BB94-60AD44042162}"/>
+                  </a:ext>
+                </a:extLst>
+              </p:cNvPr>
+              <p:cNvSpPr txBox="1"/>
+              <p:nvPr/>
+            </p:nvSpPr>
+            <p:spPr>
+              <a:xfrm>
+                <a:off x="6899914" y="4258626"/>
+                <a:ext cx="1977386" cy="543034"/>
+              </a:xfrm>
+              <a:prstGeom prst="rect">
+                <a:avLst/>
+              </a:prstGeom>
+              <a:noFill/>
+            </p:spPr>
+            <p:txBody>
+              <a:bodyPr wrap="square" lIns="0" tIns="0" rIns="0" bIns="0" rtlCol="0">
+                <a:spAutoFit/>
+              </a:bodyPr>
+              <a:lstStyle/>
+              <a:p>
+                <a:pPr/>
+                <a:r>
+                  <a:rPr lang="en-US" dirty="0">
+                    <a:solidFill>
+                      <a:schemeClr val="bg1"/>
+                    </a:solidFill>
+                  </a:rPr>
+                  <a:t>Q </a:t>
+                </a:r>
+                <a14:m>
+                  <m:oMath xmlns:m="http://schemas.openxmlformats.org/officeDocument/2006/math">
+                    <m:r>
+                      <a:rPr lang="en-US" i="1" smtClean="0">
+                        <a:solidFill>
+                          <a:schemeClr val="bg1"/>
+                        </a:solidFill>
+                        <a:latin typeface="Cambria Math" panose="02040503050406030204" pitchFamily="18" charset="0"/>
+                      </a:rPr>
+                      <m:t>=</m:t>
+                    </m:r>
+                    <m:r>
+                      <a:rPr lang="en-US" b="0" i="1" smtClean="0">
+                        <a:solidFill>
+                          <a:schemeClr val="bg1"/>
+                        </a:solidFill>
+                        <a:latin typeface="Cambria Math" panose="02040503050406030204" pitchFamily="18" charset="0"/>
+                      </a:rPr>
+                      <m:t>𝐾𝐴</m:t>
+                    </m:r>
+                    <m:f>
+                      <m:fPr>
+                        <m:ctrlPr>
+                          <a:rPr lang="en-US" i="1" smtClean="0">
+                            <a:solidFill>
+                              <a:schemeClr val="bg1"/>
+                            </a:solidFill>
+                            <a:latin typeface="Cambria Math" panose="02040503050406030204" pitchFamily="18" charset="0"/>
+                          </a:rPr>
+                        </m:ctrlPr>
+                      </m:fPr>
+                      <m:num>
+                        <m:r>
+                          <a:rPr lang="en-US" i="1" smtClean="0">
+                            <a:solidFill>
+                              <a:schemeClr val="bg1"/>
+                            </a:solidFill>
+                            <a:latin typeface="Cambria Math" panose="02040503050406030204" pitchFamily="18" charset="0"/>
+                            <a:ea typeface="Cambria Math" panose="02040503050406030204" pitchFamily="18" charset="0"/>
+                          </a:rPr>
+                          <m:t>𝜕</m:t>
+                        </m:r>
+                        <m:r>
+                          <a:rPr lang="en-US" b="0" i="1" smtClean="0">
+                            <a:solidFill>
+                              <a:schemeClr val="bg1"/>
+                            </a:solidFill>
+                            <a:latin typeface="Cambria Math" panose="02040503050406030204" pitchFamily="18" charset="0"/>
+                            <a:ea typeface="Cambria Math" panose="02040503050406030204" pitchFamily="18" charset="0"/>
+                          </a:rPr>
+                          <m:t>h</m:t>
+                        </m:r>
+                      </m:num>
+                      <m:den>
+                        <m:r>
+                          <a:rPr lang="en-US" i="1" smtClean="0">
+                            <a:solidFill>
+                              <a:schemeClr val="bg1"/>
+                            </a:solidFill>
+                            <a:latin typeface="Cambria Math" panose="02040503050406030204" pitchFamily="18" charset="0"/>
+                            <a:ea typeface="Cambria Math" panose="02040503050406030204" pitchFamily="18" charset="0"/>
+                          </a:rPr>
+                          <m:t>𝜕</m:t>
+                        </m:r>
+                        <m:r>
+                          <a:rPr lang="en-US" b="0" i="1" smtClean="0">
+                            <a:solidFill>
+                              <a:schemeClr val="bg1"/>
+                            </a:solidFill>
+                            <a:latin typeface="Cambria Math" panose="02040503050406030204" pitchFamily="18" charset="0"/>
+                            <a:ea typeface="Cambria Math" panose="02040503050406030204" pitchFamily="18" charset="0"/>
+                          </a:rPr>
+                          <m:t>𝑥</m:t>
+                        </m:r>
+                      </m:den>
+                    </m:f>
+                  </m:oMath>
+                </a14:m>
+                <a:endParaRPr lang="en-US" dirty="0">
+                  <a:solidFill>
+                    <a:schemeClr val="bg1"/>
+                  </a:solidFill>
+                </a:endParaRPr>
+              </a:p>
+            </p:txBody>
+          </p:sp>
+        </mc:Choice>
+        <mc:Fallback>
+          <p:sp>
+            <p:nvSpPr>
+              <p:cNvPr id="2" name="TextBox 1">
+                <a:extLst>
+                  <a:ext uri="{FF2B5EF4-FFF2-40B4-BE49-F238E27FC236}">
+                    <a16:creationId xmlns:a16="http://schemas.microsoft.com/office/drawing/2014/main" id="{19F40BAE-F7BC-4698-BB94-60AD44042162}"/>
+                  </a:ext>
+                </a:extLst>
+              </p:cNvPr>
+              <p:cNvSpPr txBox="1">
+                <a:spLocks noRot="1" noChangeAspect="1" noMove="1" noResize="1" noEditPoints="1" noAdjustHandles="1" noChangeArrowheads="1" noChangeShapeType="1" noTextEdit="1"/>
+              </p:cNvSpPr>
+              <p:nvPr/>
+            </p:nvSpPr>
+            <p:spPr>
+              <a:xfrm>
+                <a:off x="6899914" y="4258626"/>
+                <a:ext cx="1977386" cy="543034"/>
+              </a:xfrm>
+              <a:prstGeom prst="rect">
+                <a:avLst/>
+              </a:prstGeom>
+              <a:blipFill>
+                <a:blip r:embed="rId4"/>
+                <a:stretch>
+                  <a:fillRect l="-9568" t="-1124" b="-17978"/>
+                </a:stretch>
+              </a:blipFill>
+            </p:spPr>
+            <p:txBody>
+              <a:bodyPr/>
+              <a:lstStyle/>
+              <a:p>
+                <a:r>
+                  <a:rPr lang="en-US">
+                    <a:noFill/>
+                  </a:rPr>
+                  <a:t> </a:t>
+                </a:r>
+              </a:p>
+            </p:txBody>
+          </p:sp>
+        </mc:Fallback>
+      </mc:AlternateContent>
+      <p:pic>
+        <p:nvPicPr>
+          <p:cNvPr id="25" name="Picture 7">
+            <a:extLst>
+              <a:ext uri="{FF2B5EF4-FFF2-40B4-BE49-F238E27FC236}">
+                <a16:creationId xmlns:a16="http://schemas.microsoft.com/office/drawing/2014/main" id="{BB8D869C-F9AC-4FC2-BE83-350C8E65307C}"/>
+              </a:ext>
+            </a:extLst>
+          </p:cNvPr>
+          <p:cNvPicPr>
+            <a:picLocks noChangeAspect="1" noChangeArrowheads="1"/>
+          </p:cNvPicPr>
           <p:nvPr/>
-        </p:nvSpPr>
+        </p:nvPicPr>
+        <p:blipFill>
+          <a:blip r:embed="rId5">
+            <a:extLst>
+              <a:ext uri="{28A0092B-C50C-407E-A947-70E740481C1C}">
+                <a14:useLocalDpi xmlns:a14="http://schemas.microsoft.com/office/drawing/2010/main" val="0"/>
+              </a:ext>
+            </a:extLst>
+          </a:blip>
+          <a:srcRect/>
+          <a:stretch>
+            <a:fillRect/>
+          </a:stretch>
+        </p:blipFill>
         <p:spPr bwMode="auto">
           <a:xfrm>
-            <a:off x="693584" y="323850"/>
-            <a:ext cx="7772400" cy="1143000"/>
+            <a:off x="1921902" y="3695701"/>
+            <a:ext cx="3170237" cy="1054100"/>
           </a:xfrm>
           <a:prstGeom prst="rect">
             <a:avLst/>
@@ -7732,93 +6911,152 @@
             </a:ext>
           </a:extLst>
         </p:spPr>
-        <p:txBody>
-          <a:bodyPr lIns="92075" tIns="46038" rIns="92075" bIns="46038" anchor="ctr"/>
-          <a:lstStyle/>
-          <a:p>
-            <a:pPr algn="ctr" fontAlgn="base">
-              <a:spcBef>
-                <a:spcPct val="0"/>
-              </a:spcBef>
-              <a:spcAft>
-                <a:spcPct val="0"/>
-              </a:spcAft>
-            </a:pPr>
-            <a:r>
-              <a:rPr lang="en-US" sz="4000" b="1" dirty="0">
-                <a:solidFill>
-                  <a:prstClr val="white"/>
-                </a:solidFill>
-                <a:latin typeface="Tekton Pro" pitchFamily="34" charset="0"/>
-              </a:rPr>
-              <a:t>MODFLOW-NWT—GW Engine for GSFLOW</a:t>
-            </a:r>
-            <a:endParaRPr lang="en-US" sz="4000" dirty="0">
-              <a:solidFill>
-                <a:prstClr val="white"/>
-              </a:solidFill>
-              <a:latin typeface="Tekton Pro" pitchFamily="34" charset="0"/>
-            </a:endParaRPr>
-          </a:p>
-        </p:txBody>
-      </p:sp>
+      </p:pic>
+      <p:graphicFrame>
+        <p:nvGraphicFramePr>
+          <p:cNvPr id="28" name="Object 1">
+            <a:extLst>
+              <a:ext uri="{FF2B5EF4-FFF2-40B4-BE49-F238E27FC236}">
+                <a16:creationId xmlns:a16="http://schemas.microsoft.com/office/drawing/2014/main" id="{86F27380-C9C4-4031-AEA1-8BDEF2E2B988}"/>
+              </a:ext>
+            </a:extLst>
+          </p:cNvPr>
+          <p:cNvGraphicFramePr>
+            <a:graphicFrameLocks noChangeAspect="1"/>
+          </p:cNvGraphicFramePr>
+          <p:nvPr>
+            <p:extLst>
+              <p:ext uri="{D42A27DB-BD31-4B8C-83A1-F6EECF244321}">
+                <p14:modId xmlns:p14="http://schemas.microsoft.com/office/powerpoint/2010/main" val="3487817203"/>
+              </p:ext>
+            </p:extLst>
+          </p:nvPr>
+        </p:nvGraphicFramePr>
+        <p:xfrm>
+          <a:off x="2033466" y="5203520"/>
+          <a:ext cx="3154362" cy="1204913"/>
+        </p:xfrm>
+        <a:graphic>
+          <a:graphicData uri="http://schemas.openxmlformats.org/presentationml/2006/ole">
+            <mc:AlternateContent xmlns:mc="http://schemas.openxmlformats.org/markup-compatibility/2006">
+              <mc:Choice xmlns:v="urn:schemas-microsoft-com:vml" Requires="v">
+                <p:oleObj spid="_x0000_s46089" name="Equation" r:id="rId6" imgW="1371600" imgH="520700" progId="Equation.3">
+                  <p:embed/>
+                </p:oleObj>
+              </mc:Choice>
+              <mc:Fallback>
+                <p:oleObj name="Equation" r:id="rId6" imgW="1371600" imgH="520700" progId="Equation.3">
+                  <p:embed/>
+                  <p:pic>
+                    <p:nvPicPr>
+                      <p:cNvPr id="17413" name="Object 1">
+                        <a:extLst>
+                          <a:ext uri="{FF2B5EF4-FFF2-40B4-BE49-F238E27FC236}">
+                            <a16:creationId xmlns:a16="http://schemas.microsoft.com/office/drawing/2014/main" id="{1E4A114E-D4CF-4E74-AD2A-3CEFE2E695CB}"/>
+                          </a:ext>
+                        </a:extLst>
+                      </p:cNvPr>
+                      <p:cNvPicPr>
+                        <a:picLocks noChangeAspect="1" noChangeArrowheads="1"/>
+                      </p:cNvPicPr>
+                      <p:nvPr/>
+                    </p:nvPicPr>
+                    <p:blipFill>
+                      <a:blip r:embed="rId7">
+                        <a:extLst>
+                          <a:ext uri="{28A0092B-C50C-407E-A947-70E740481C1C}">
+                            <a14:useLocalDpi xmlns:a14="http://schemas.microsoft.com/office/drawing/2010/main" val="0"/>
+                          </a:ext>
+                        </a:extLst>
+                      </a:blip>
+                      <a:srcRect/>
+                      <a:stretch>
+                        <a:fillRect/>
+                      </a:stretch>
+                    </p:blipFill>
+                    <p:spPr bwMode="auto">
+                      <a:xfrm>
+                        <a:off x="2033466" y="5203520"/>
+                        <a:ext cx="3154362" cy="1204913"/>
+                      </a:xfrm>
+                      <a:prstGeom prst="rect">
+                        <a:avLst/>
+                      </a:prstGeom>
+                      <a:solidFill>
+                        <a:schemeClr val="bg1"/>
+                      </a:solidFill>
+                      <a:ln>
+                        <a:noFill/>
+                      </a:ln>
+                      <a:extLst/>
+                    </p:spPr>
+                  </p:pic>
+                </p:oleObj>
+              </mc:Fallback>
+            </mc:AlternateContent>
+          </a:graphicData>
+        </a:graphic>
+      </p:graphicFrame>
+      <p:cxnSp>
+        <p:nvCxnSpPr>
+          <p:cNvPr id="4" name="Straight Arrow Connector 3">
+            <a:extLst>
+              <a:ext uri="{FF2B5EF4-FFF2-40B4-BE49-F238E27FC236}">
+                <a16:creationId xmlns:a16="http://schemas.microsoft.com/office/drawing/2014/main" id="{1D2657DA-5F9F-4B1C-9497-3302A257A77E}"/>
+              </a:ext>
+            </a:extLst>
+          </p:cNvPr>
+          <p:cNvCxnSpPr/>
+          <p:nvPr/>
+        </p:nvCxnSpPr>
+        <p:spPr>
+          <a:xfrm>
+            <a:off x="3135854" y="2382819"/>
+            <a:ext cx="0" cy="1097280"/>
+          </a:xfrm>
+          <a:prstGeom prst="straightConnector1">
+            <a:avLst/>
+          </a:prstGeom>
+          <a:ln w="38100">
+            <a:solidFill>
+              <a:srgbClr val="FFFF00"/>
+            </a:solidFill>
+            <a:tailEnd type="triangle"/>
+          </a:ln>
+        </p:spPr>
+        <p:style>
+          <a:lnRef idx="1">
+            <a:schemeClr val="accent1"/>
+          </a:lnRef>
+          <a:fillRef idx="0">
+            <a:schemeClr val="accent1"/>
+          </a:fillRef>
+          <a:effectRef idx="0">
+            <a:schemeClr val="accent1"/>
+          </a:effectRef>
+          <a:fontRef idx="minor">
+            <a:schemeClr val="tx1"/>
+          </a:fontRef>
+        </p:style>
+      </p:cxnSp>
       <p:sp>
         <p:nvSpPr>
-          <p:cNvPr id="2" name="TextBox 1"/>
-          <p:cNvSpPr txBox="1"/>
+          <p:cNvPr id="29" name="Text Box 89">
+            <a:extLst>
+              <a:ext uri="{FF2B5EF4-FFF2-40B4-BE49-F238E27FC236}">
+                <a16:creationId xmlns:a16="http://schemas.microsoft.com/office/drawing/2014/main" id="{10E2531C-979F-4DB6-8FA2-B60D3BCC6617}"/>
+              </a:ext>
+            </a:extLst>
+          </p:cNvPr>
+          <p:cNvSpPr txBox="1">
+            <a:spLocks noChangeArrowheads="1"/>
+          </p:cNvSpPr>
           <p:nvPr/>
         </p:nvSpPr>
-        <p:spPr>
-          <a:xfrm>
-            <a:off x="508853" y="2398931"/>
-            <a:ext cx="184731" cy="954107"/>
-          </a:xfrm>
-          <a:prstGeom prst="rect">
-            <a:avLst/>
-          </a:prstGeom>
-          <a:noFill/>
-        </p:spPr>
-        <p:txBody>
-          <a:bodyPr wrap="none" rtlCol="0">
-            <a:spAutoFit/>
-          </a:bodyPr>
-          <a:lstStyle/>
-          <a:p>
-            <a:endParaRPr lang="en-US" sz="2800" dirty="0">
-              <a:solidFill>
-                <a:srgbClr val="FFFF00"/>
-              </a:solidFill>
-              <a:latin typeface="Arial" charset="0"/>
-            </a:endParaRPr>
-          </a:p>
-          <a:p>
-            <a:endParaRPr lang="en-US" sz="2800" dirty="0"/>
-          </a:p>
-        </p:txBody>
-      </p:sp>
-      <p:pic>
-        <p:nvPicPr>
-          <p:cNvPr id="3075" name="Picture 3"/>
-          <p:cNvPicPr>
-            <a:picLocks noChangeAspect="1" noChangeArrowheads="1"/>
-          </p:cNvPicPr>
-          <p:nvPr/>
-        </p:nvPicPr>
-        <p:blipFill rotWithShape="1">
-          <a:blip r:embed="rId3">
-            <a:extLst>
-              <a:ext uri="{28A0092B-C50C-407E-A947-70E740481C1C}">
-                <a14:useLocalDpi xmlns:a14="http://schemas.microsoft.com/office/drawing/2010/main" val="0"/>
-              </a:ext>
-            </a:extLst>
-          </a:blip>
-          <a:srcRect l="10313" t="31000" r="50000" b="33000"/>
-          <a:stretch/>
-        </p:blipFill>
         <p:spPr bwMode="auto">
           <a:xfrm>
-            <a:off x="-1" y="3286661"/>
-            <a:ext cx="4776571" cy="2849491"/>
+            <a:off x="3148925" y="2668225"/>
+            <a:ext cx="1640193" cy="461665"/>
           </a:xfrm>
           <a:prstGeom prst="rect">
             <a:avLst/>
@@ -7827,222 +7065,256 @@
           <a:ln>
             <a:noFill/>
           </a:ln>
-          <a:effectLst/>
           <a:extLst>
             <a:ext uri="{909E8E84-426E-40DD-AFC4-6F175D3DCCD1}">
               <a14:hiddenFill xmlns:a14="http://schemas.microsoft.com/office/drawing/2010/main">
                 <a:solidFill>
-                  <a:schemeClr val="accent1"/>
+                  <a:srgbClr val="FFFFFF"/>
                 </a:solidFill>
               </a14:hiddenFill>
             </a:ext>
             <a:ext uri="{91240B29-F687-4F45-9708-019B960494DF}">
               <a14:hiddenLine xmlns:a14="http://schemas.microsoft.com/office/drawing/2010/main" w="9525">
                 <a:solidFill>
-                  <a:schemeClr val="tx1"/>
+                  <a:srgbClr val="000000"/>
                 </a:solidFill>
                 <a:miter lim="800000"/>
                 <a:headEnd/>
                 <a:tailEnd/>
               </a14:hiddenLine>
             </a:ext>
-            <a:ext uri="{AF507438-7753-43E0-B8FC-AC1667EBCBE1}">
-              <a14:hiddenEffects xmlns:a14="http://schemas.microsoft.com/office/drawing/2010/main">
-                <a:effectLst>
-                  <a:outerShdw dist="35921" dir="2700000" algn="ctr" rotWithShape="0">
-                    <a:schemeClr val="bg2"/>
-                  </a:outerShdw>
-                </a:effectLst>
-              </a14:hiddenEffects>
-            </a:ext>
           </a:extLst>
         </p:spPr>
-      </p:pic>
-      <p:pic>
-        <p:nvPicPr>
-          <p:cNvPr id="3076" name="Picture 4"/>
-          <p:cNvPicPr>
-            <a:picLocks noChangeAspect="1" noChangeArrowheads="1"/>
-          </p:cNvPicPr>
-          <p:nvPr/>
-        </p:nvPicPr>
-        <p:blipFill rotWithShape="1">
-          <a:blip r:embed="rId4">
-            <a:extLst>
-              <a:ext uri="{28A0092B-C50C-407E-A947-70E740481C1C}">
-                <a14:useLocalDpi xmlns:a14="http://schemas.microsoft.com/office/drawing/2010/main" val="0"/>
-              </a:ext>
-            </a:extLst>
-          </a:blip>
-          <a:srcRect l="52222" t="26921" r="8730" b="31556"/>
-          <a:stretch/>
-        </p:blipFill>
-        <p:spPr bwMode="auto">
-          <a:xfrm>
-            <a:off x="4776570" y="3286661"/>
-            <a:ext cx="4367429" cy="2849491"/>
-          </a:xfrm>
-          <a:prstGeom prst="rect">
-            <a:avLst/>
-          </a:prstGeom>
-          <a:noFill/>
-          <a:ln>
-            <a:noFill/>
-          </a:ln>
-          <a:effectLst/>
-          <a:extLst>
-            <a:ext uri="{909E8E84-426E-40DD-AFC4-6F175D3DCCD1}">
-              <a14:hiddenFill xmlns:a14="http://schemas.microsoft.com/office/drawing/2010/main">
-                <a:solidFill>
-                  <a:schemeClr val="accent1"/>
-                </a:solidFill>
-              </a14:hiddenFill>
-            </a:ext>
-            <a:ext uri="{91240B29-F687-4F45-9708-019B960494DF}">
-              <a14:hiddenLine xmlns:a14="http://schemas.microsoft.com/office/drawing/2010/main" w="9525">
-                <a:solidFill>
-                  <a:schemeClr val="tx1"/>
-                </a:solidFill>
-                <a:miter lim="800000"/>
-                <a:headEnd/>
-                <a:tailEnd/>
-              </a14:hiddenLine>
-            </a:ext>
-            <a:ext uri="{AF507438-7753-43E0-B8FC-AC1667EBCBE1}">
-              <a14:hiddenEffects xmlns:a14="http://schemas.microsoft.com/office/drawing/2010/main">
-                <a:effectLst>
-                  <a:outerShdw dist="35921" dir="2700000" algn="ctr" rotWithShape="0">
-                    <a:schemeClr val="bg2"/>
-                  </a:outerShdw>
-                </a:effectLst>
-              </a14:hiddenEffects>
-            </a:ext>
-          </a:extLst>
-        </p:spPr>
-      </p:pic>
-      <p:sp>
-        <p:nvSpPr>
-          <p:cNvPr id="3" name="TextBox 2"/>
-          <p:cNvSpPr txBox="1"/>
-          <p:nvPr/>
-        </p:nvSpPr>
-        <p:spPr>
-          <a:xfrm>
-            <a:off x="2895600" y="6164398"/>
-            <a:ext cx="3710183" cy="461665"/>
-          </a:xfrm>
-          <a:prstGeom prst="rect">
-            <a:avLst/>
-          </a:prstGeom>
-          <a:noFill/>
-        </p:spPr>
         <p:txBody>
-          <a:bodyPr wrap="none" rtlCol="0">
+          <a:bodyPr wrap="none">
             <a:spAutoFit/>
           </a:bodyPr>
-          <a:lstStyle/>
-          <a:p>
-            <a:r>
-              <a:rPr lang="en-US" dirty="0" err="1">
-                <a:solidFill>
-                  <a:schemeClr val="bg1"/>
-                </a:solidFill>
-              </a:rPr>
-              <a:t>Jaidel</a:t>
-            </a:r>
-            <a:r>
-              <a:rPr lang="en-US" dirty="0">
-                <a:solidFill>
-                  <a:schemeClr val="bg1"/>
-                </a:solidFill>
-              </a:rPr>
-              <a:t>, J, Groundwater, 2013</a:t>
-            </a:r>
-          </a:p>
-        </p:txBody>
-      </p:sp>
-      <p:sp>
-        <p:nvSpPr>
-          <p:cNvPr id="4" name="TextBox 3"/>
-          <p:cNvSpPr txBox="1"/>
-          <p:nvPr/>
-        </p:nvSpPr>
-        <p:spPr>
-          <a:xfrm>
-            <a:off x="1457613" y="1706433"/>
-            <a:ext cx="6618864" cy="1384995"/>
-          </a:xfrm>
-          <a:prstGeom prst="rect">
-            <a:avLst/>
-          </a:prstGeom>
-          <a:noFill/>
-        </p:spPr>
-        <p:txBody>
-          <a:bodyPr wrap="square" rtlCol="0">
-            <a:spAutoFit/>
-          </a:bodyPr>
-          <a:lstStyle/>
-          <a:p>
-            <a:pPr marL="457200" indent="-457200" algn="ctr" fontAlgn="base">
-              <a:spcBef>
-                <a:spcPct val="0"/>
-              </a:spcBef>
-              <a:spcAft>
-                <a:spcPct val="0"/>
-              </a:spcAft>
-              <a:buFont typeface="Arial" pitchFamily="34" charset="0"/>
+          <a:lstStyle>
+            <a:lvl1pPr>
+              <a:spcBef>
+                <a:spcPct val="20000"/>
+              </a:spcBef>
               <a:buChar char="•"/>
+              <a:defRPr sz="3200">
+                <a:solidFill>
+                  <a:schemeClr val="tx1"/>
+                </a:solidFill>
+                <a:latin typeface="Times New Roman" panose="02020603050405020304" pitchFamily="18" charset="0"/>
+              </a:defRPr>
+            </a:lvl1pPr>
+            <a:lvl2pPr marL="742950" indent="-285750">
+              <a:spcBef>
+                <a:spcPct val="20000"/>
+              </a:spcBef>
+              <a:buChar char="–"/>
+              <a:defRPr sz="2800">
+                <a:solidFill>
+                  <a:schemeClr val="tx1"/>
+                </a:solidFill>
+                <a:latin typeface="Times New Roman" panose="02020603050405020304" pitchFamily="18" charset="0"/>
+              </a:defRPr>
+            </a:lvl2pPr>
+            <a:lvl3pPr marL="1143000" indent="-228600">
+              <a:spcBef>
+                <a:spcPct val="20000"/>
+              </a:spcBef>
+              <a:buChar char="•"/>
+              <a:defRPr sz="2400">
+                <a:solidFill>
+                  <a:schemeClr val="tx1"/>
+                </a:solidFill>
+                <a:latin typeface="Times New Roman" panose="02020603050405020304" pitchFamily="18" charset="0"/>
+              </a:defRPr>
+            </a:lvl3pPr>
+            <a:lvl4pPr marL="1600200" indent="-228600">
+              <a:spcBef>
+                <a:spcPct val="20000"/>
+              </a:spcBef>
+              <a:buChar char="–"/>
+              <a:defRPr sz="2000">
+                <a:solidFill>
+                  <a:schemeClr val="tx1"/>
+                </a:solidFill>
+                <a:latin typeface="Times New Roman" panose="02020603050405020304" pitchFamily="18" charset="0"/>
+              </a:defRPr>
+            </a:lvl4pPr>
+            <a:lvl5pPr marL="2057400" indent="-228600">
+              <a:spcBef>
+                <a:spcPct val="20000"/>
+              </a:spcBef>
+              <a:buChar char="»"/>
+              <a:defRPr sz="2000">
+                <a:solidFill>
+                  <a:schemeClr val="tx1"/>
+                </a:solidFill>
+                <a:latin typeface="Times New Roman" panose="02020603050405020304" pitchFamily="18" charset="0"/>
+              </a:defRPr>
+            </a:lvl5pPr>
+            <a:lvl6pPr marL="2514600" indent="-228600" eaLnBrk="0" fontAlgn="base" hangingPunct="0">
+              <a:spcBef>
+                <a:spcPct val="20000"/>
+              </a:spcBef>
+              <a:spcAft>
+                <a:spcPct val="0"/>
+              </a:spcAft>
+              <a:buChar char="»"/>
+              <a:defRPr sz="2000">
+                <a:solidFill>
+                  <a:schemeClr val="tx1"/>
+                </a:solidFill>
+                <a:latin typeface="Times New Roman" panose="02020603050405020304" pitchFamily="18" charset="0"/>
+              </a:defRPr>
+            </a:lvl6pPr>
+            <a:lvl7pPr marL="2971800" indent="-228600" eaLnBrk="0" fontAlgn="base" hangingPunct="0">
+              <a:spcBef>
+                <a:spcPct val="20000"/>
+              </a:spcBef>
+              <a:spcAft>
+                <a:spcPct val="0"/>
+              </a:spcAft>
+              <a:buChar char="»"/>
+              <a:defRPr sz="2000">
+                <a:solidFill>
+                  <a:schemeClr val="tx1"/>
+                </a:solidFill>
+                <a:latin typeface="Times New Roman" panose="02020603050405020304" pitchFamily="18" charset="0"/>
+              </a:defRPr>
+            </a:lvl7pPr>
+            <a:lvl8pPr marL="3429000" indent="-228600" eaLnBrk="0" fontAlgn="base" hangingPunct="0">
+              <a:spcBef>
+                <a:spcPct val="20000"/>
+              </a:spcBef>
+              <a:spcAft>
+                <a:spcPct val="0"/>
+              </a:spcAft>
+              <a:buChar char="»"/>
+              <a:defRPr sz="2000">
+                <a:solidFill>
+                  <a:schemeClr val="tx1"/>
+                </a:solidFill>
+                <a:latin typeface="Times New Roman" panose="02020603050405020304" pitchFamily="18" charset="0"/>
+              </a:defRPr>
+            </a:lvl8pPr>
+            <a:lvl9pPr marL="3886200" indent="-228600" eaLnBrk="0" fontAlgn="base" hangingPunct="0">
+              <a:spcBef>
+                <a:spcPct val="20000"/>
+              </a:spcBef>
+              <a:spcAft>
+                <a:spcPct val="0"/>
+              </a:spcAft>
+              <a:buChar char="»"/>
+              <a:defRPr sz="2000">
+                <a:solidFill>
+                  <a:schemeClr val="tx1"/>
+                </a:solidFill>
+                <a:latin typeface="Times New Roman" panose="02020603050405020304" pitchFamily="18" charset="0"/>
+              </a:defRPr>
+            </a:lvl9pPr>
+          </a:lstStyle>
+          <a:p>
+            <a:pPr eaLnBrk="1" hangingPunct="1">
+              <a:spcBef>
+                <a:spcPct val="0"/>
+              </a:spcBef>
+              <a:buFontTx/>
+              <a:buNone/>
             </a:pPr>
             <a:r>
-              <a:rPr lang="en-US" sz="2800" b="1" dirty="0">
-                <a:solidFill>
-                  <a:prstClr val="white"/>
-                </a:solidFill>
-                <a:latin typeface="Tekton Pro" pitchFamily="34" charset="0"/>
+              <a:rPr lang="en-US" altLang="en-US" sz="2400" dirty="0">
+                <a:solidFill>
+                  <a:schemeClr val="bg1"/>
+                </a:solidFill>
+                <a:latin typeface="Arial" panose="020B0604020202020204" pitchFamily="34" charset="0"/>
               </a:rPr>
-              <a:t>Suited for modeling mountains (sloped, thin, unconfined aquifers, </a:t>
+              <a:t>Integration</a:t>
             </a:r>
-            <a:r>
-              <a:rPr lang="en-US" sz="2800" b="1" dirty="0" err="1">
-                <a:solidFill>
-                  <a:prstClr val="white"/>
-                </a:solidFill>
-                <a:latin typeface="Tekton Pro" pitchFamily="34" charset="0"/>
-              </a:rPr>
-              <a:t>Dupuit</a:t>
-            </a:r>
-            <a:r>
-              <a:rPr lang="en-US" sz="2800" b="1" dirty="0">
-                <a:solidFill>
-                  <a:prstClr val="white"/>
-                </a:solidFill>
-                <a:latin typeface="Tekton Pro" pitchFamily="34" charset="0"/>
-              </a:rPr>
-              <a:t> assumption)</a:t>
-            </a:r>
-            <a:endParaRPr lang="en-US" sz="2800" dirty="0">
-              <a:solidFill>
-                <a:prstClr val="white"/>
-              </a:solidFill>
-              <a:latin typeface="Tekton Pro" pitchFamily="34" charset="0"/>
-            </a:endParaRPr>
           </a:p>
         </p:txBody>
       </p:sp>
     </p:spTree>
-    <p:extLst>
-      <p:ext uri="{BB962C8B-B14F-4D97-AF65-F5344CB8AC3E}">
-        <p14:creationId xmlns:p14="http://schemas.microsoft.com/office/powerpoint/2010/main" val="197888612"/>
-      </p:ext>
-    </p:extLst>
   </p:cSld>
   <p:clrMapOvr>
     <a:masterClrMapping/>
   </p:clrMapOvr>
+  <p:timing>
+    <p:tnLst>
+      <p:par>
+        <p:cTn id="1" dur="indefinite" restart="never" nodeType="tmRoot">
+          <p:childTnLst>
+            <p:seq concurrent="1" nextAc="seek">
+              <p:cTn id="2" dur="indefinite" nodeType="mainSeq">
+                <p:childTnLst>
+                  <p:par>
+                    <p:cTn id="3" fill="hold" nodeType="clickPar">
+                      <p:stCondLst>
+                        <p:cond delay="indefinite"/>
+                      </p:stCondLst>
+                      <p:childTnLst>
+                        <p:par>
+                          <p:cTn id="4" fill="hold" nodeType="withGroup">
+                            <p:stCondLst>
+                              <p:cond delay="0"/>
+                            </p:stCondLst>
+                            <p:childTnLst>
+                              <p:par>
+                                <p:cTn id="5" presetID="1" presetClass="entr" presetSubtype="0" fill="hold" nodeType="clickEffect">
+                                  <p:stCondLst>
+                                    <p:cond delay="0"/>
+                                  </p:stCondLst>
+                                  <p:childTnLst>
+                                    <p:set>
+                                      <p:cBhvr>
+                                        <p:cTn id="6" dur="1" fill="hold">
+                                          <p:stCondLst>
+                                            <p:cond delay="499"/>
+                                          </p:stCondLst>
+                                        </p:cTn>
+                                        <p:tgtEl>
+                                          <p:spTgt spid="5"/>
+                                        </p:tgtEl>
+                                        <p:attrNameLst>
+                                          <p:attrName>style.visibility</p:attrName>
+                                        </p:attrNameLst>
+                                      </p:cBhvr>
+                                      <p:to>
+                                        <p:strVal val="visible"/>
+                                      </p:to>
+                                    </p:set>
+                                  </p:childTnLst>
+                                </p:cTn>
+                              </p:par>
+                            </p:childTnLst>
+                          </p:cTn>
+                        </p:par>
+                      </p:childTnLst>
+                    </p:cTn>
+                  </p:par>
+                </p:childTnLst>
+              </p:cTn>
+              <p:prevCondLst>
+                <p:cond evt="onPrev" delay="0">
+                  <p:tgtEl>
+                    <p:sldTgt/>
+                  </p:tgtEl>
+                </p:cond>
+              </p:prevCondLst>
+              <p:nextCondLst>
+                <p:cond evt="onNext" delay="0">
+                  <p:tgtEl>
+                    <p:sldTgt/>
+                  </p:tgtEl>
+                </p:cond>
+              </p:nextCondLst>
+            </p:seq>
+          </p:childTnLst>
+        </p:cTn>
+      </p:par>
+    </p:tnLst>
+  </p:timing>
 </p:sld>
 </file>
 
-<file path=ppt/slides/slide11.xml><?xml version="1.0" encoding="utf-8"?>
+<file path=ppt/slides/slide10.xml><?xml version="1.0" encoding="utf-8"?>
 <p:sld xmlns:a="http://schemas.openxmlformats.org/drawingml/2006/main" xmlns:r="http://schemas.openxmlformats.org/officeDocument/2006/relationships" xmlns:p="http://schemas.openxmlformats.org/presentationml/2006/main">
   <p:cSld>
     <p:spTree>
@@ -8346,7 +7618,7 @@
 </p:sld>
 </file>
 
-<file path=ppt/slides/slide12.xml><?xml version="1.0" encoding="utf-8"?>
+<file path=ppt/slides/slide11.xml><?xml version="1.0" encoding="utf-8"?>
 <p:sld xmlns:a="http://schemas.openxmlformats.org/drawingml/2006/main" xmlns:r="http://schemas.openxmlformats.org/officeDocument/2006/relationships" xmlns:p="http://schemas.openxmlformats.org/presentationml/2006/main">
   <p:cSld>
     <p:spTree>
@@ -8418,7 +7690,7 @@
             <a:effectLst/>
             <a:extLst>
               <a:ext uri="{AF507438-7753-43e0-B8FC-AC1667EBCBE1}">
-                <a14:hiddenEffects xmlns="" xmlns:a14="http://schemas.microsoft.com/office/drawing/2010/main">
+                <a14:hiddenEffects xmlns:a14="http://schemas.microsoft.com/office/drawing/2010/main" xmlns="">
                   <a:effectLst>
                     <a:outerShdw blurRad="63500" dist="38099" dir="2700000" algn="ctr" rotWithShape="0">
                       <a:schemeClr val="bg2">
@@ -8484,7 +7756,7 @@
             <a:effectLst/>
             <a:extLst>
               <a:ext uri="{AF507438-7753-43e0-B8FC-AC1667EBCBE1}">
-                <a14:hiddenEffects xmlns="" xmlns:a14="http://schemas.microsoft.com/office/drawing/2010/main">
+                <a14:hiddenEffects xmlns:a14="http://schemas.microsoft.com/office/drawing/2010/main" xmlns="">
                   <a:effectLst>
                     <a:outerShdw blurRad="63500" dist="38099" dir="2700000" algn="ctr" rotWithShape="0">
                       <a:schemeClr val="bg2">
@@ -8550,7 +7822,7 @@
             <a:effectLst/>
             <a:extLst>
               <a:ext uri="{AF507438-7753-43e0-B8FC-AC1667EBCBE1}">
-                <a14:hiddenEffects xmlns="" xmlns:a14="http://schemas.microsoft.com/office/drawing/2010/main">
+                <a14:hiddenEffects xmlns:a14="http://schemas.microsoft.com/office/drawing/2010/main" xmlns="">
                   <a:effectLst>
                     <a:outerShdw blurRad="63500" dist="38099" dir="2700000" algn="ctr" rotWithShape="0">
                       <a:schemeClr val="bg2">
@@ -8616,7 +7888,7 @@
             <a:effectLst/>
             <a:extLst>
               <a:ext uri="{AF507438-7753-43e0-B8FC-AC1667EBCBE1}">
-                <a14:hiddenEffects xmlns="" xmlns:a14="http://schemas.microsoft.com/office/drawing/2010/main">
+                <a14:hiddenEffects xmlns:a14="http://schemas.microsoft.com/office/drawing/2010/main" xmlns="">
                   <a:effectLst>
                     <a:outerShdw blurRad="63500" dist="38099" dir="2700000" algn="ctr" rotWithShape="0">
                       <a:schemeClr val="bg2">
@@ -8682,7 +7954,7 @@
             <a:effectLst/>
             <a:extLst>
               <a:ext uri="{AF507438-7753-43e0-B8FC-AC1667EBCBE1}">
-                <a14:hiddenEffects xmlns="" xmlns:a14="http://schemas.microsoft.com/office/drawing/2010/main">
+                <a14:hiddenEffects xmlns:a14="http://schemas.microsoft.com/office/drawing/2010/main" xmlns="">
                   <a:effectLst>
                     <a:outerShdw blurRad="63500" dist="38099" dir="2700000" algn="ctr" rotWithShape="0">
                       <a:schemeClr val="bg2">
@@ -9158,7 +8430,7 @@
             <a:effectLst/>
             <a:extLst>
               <a:ext uri="{AF507438-7753-43e0-B8FC-AC1667EBCBE1}">
-                <a14:hiddenEffects xmlns="" xmlns:a14="http://schemas.microsoft.com/office/drawing/2010/main">
+                <a14:hiddenEffects xmlns:a14="http://schemas.microsoft.com/office/drawing/2010/main" xmlns="">
                   <a:effectLst>
                     <a:outerShdw blurRad="63500" dist="38099" dir="2700000" algn="ctr" rotWithShape="0">
                       <a:schemeClr val="bg2">
@@ -9589,7 +8861,7 @@
             <a:effectLst/>
             <a:extLst>
               <a:ext uri="{AF507438-7753-43e0-B8FC-AC1667EBCBE1}">
-                <a14:hiddenEffects xmlns="" xmlns:a14="http://schemas.microsoft.com/office/drawing/2010/main">
+                <a14:hiddenEffects xmlns:a14="http://schemas.microsoft.com/office/drawing/2010/main" xmlns="">
                   <a:effectLst>
                     <a:outerShdw blurRad="63500" dist="38099" dir="2700000" algn="ctr" rotWithShape="0">
                       <a:schemeClr val="bg2">
@@ -9639,7 +8911,7 @@
             <a:effectLst/>
             <a:extLst>
               <a:ext uri="{AF507438-7753-43e0-B8FC-AC1667EBCBE1}">
-                <a14:hiddenEffects xmlns="" xmlns:a14="http://schemas.microsoft.com/office/drawing/2010/main">
+                <a14:hiddenEffects xmlns:a14="http://schemas.microsoft.com/office/drawing/2010/main" xmlns="">
                   <a:effectLst>
                     <a:outerShdw blurRad="63500" dist="38099" dir="2700000" algn="ctr" rotWithShape="0">
                       <a:schemeClr val="bg2">
@@ -9724,7 +8996,7 @@
             <a:effectLst/>
             <a:extLst>
               <a:ext uri="{AF507438-7753-43e0-B8FC-AC1667EBCBE1}">
-                <a14:hiddenEffects xmlns="" xmlns:a14="http://schemas.microsoft.com/office/drawing/2010/main">
+                <a14:hiddenEffects xmlns:a14="http://schemas.microsoft.com/office/drawing/2010/main" xmlns="">
                   <a:effectLst>
                     <a:outerShdw blurRad="63500" dist="38099" dir="2700000" algn="ctr" rotWithShape="0">
                       <a:schemeClr val="bg2">
@@ -9854,7 +9126,7 @@
 </p:sld>
 </file>
 
-<file path=ppt/slides/slide13.xml><?xml version="1.0" encoding="utf-8"?>
+<file path=ppt/slides/slide12.xml><?xml version="1.0" encoding="utf-8"?>
 <p:sld xmlns:a="http://schemas.openxmlformats.org/drawingml/2006/main" xmlns:r="http://schemas.openxmlformats.org/officeDocument/2006/relationships" xmlns:p="http://schemas.openxmlformats.org/presentationml/2006/main">
   <p:cSld>
     <p:spTree>
@@ -10105,6 +9377,1511 @@
       </p:grpSpPr>
       <p:sp>
         <p:nvSpPr>
+          <p:cNvPr id="16386" name="Rectangle 4">
+            <a:extLst>
+              <a:ext uri="{FF2B5EF4-FFF2-40B4-BE49-F238E27FC236}">
+                <a16:creationId xmlns:a16="http://schemas.microsoft.com/office/drawing/2014/main" id="{8007598B-9918-44B6-92B6-F2B25157A20E}"/>
+              </a:ext>
+            </a:extLst>
+          </p:cNvPr>
+          <p:cNvSpPr>
+            <a:spLocks noChangeArrowheads="1"/>
+          </p:cNvSpPr>
+          <p:nvPr/>
+        </p:nvSpPr>
+        <p:spPr bwMode="auto">
+          <a:xfrm>
+            <a:off x="719138" y="404813"/>
+            <a:ext cx="7772400" cy="1143000"/>
+          </a:xfrm>
+          <a:prstGeom prst="rect">
+            <a:avLst/>
+          </a:prstGeom>
+          <a:noFill/>
+          <a:ln>
+            <a:noFill/>
+          </a:ln>
+          <a:extLst>
+            <a:ext uri="{909E8E84-426E-40DD-AFC4-6F175D3DCCD1}">
+              <a14:hiddenFill xmlns:a14="http://schemas.microsoft.com/office/drawing/2010/main">
+                <a:solidFill>
+                  <a:srgbClr val="FFFFFF"/>
+                </a:solidFill>
+              </a14:hiddenFill>
+            </a:ext>
+            <a:ext uri="{91240B29-F687-4F45-9708-019B960494DF}">
+              <a14:hiddenLine xmlns:a14="http://schemas.microsoft.com/office/drawing/2010/main" w="9525">
+                <a:solidFill>
+                  <a:srgbClr val="000000"/>
+                </a:solidFill>
+                <a:miter lim="800000"/>
+                <a:headEnd/>
+                <a:tailEnd/>
+              </a14:hiddenLine>
+            </a:ext>
+          </a:extLst>
+        </p:spPr>
+        <p:txBody>
+          <a:bodyPr lIns="92075" tIns="46038" rIns="92075" bIns="46038" anchor="ctr"/>
+          <a:lstStyle>
+            <a:lvl1pPr>
+              <a:spcBef>
+                <a:spcPct val="20000"/>
+              </a:spcBef>
+              <a:buChar char="•"/>
+              <a:defRPr sz="3200">
+                <a:solidFill>
+                  <a:schemeClr val="tx1"/>
+                </a:solidFill>
+                <a:latin typeface="Times New Roman" panose="02020603050405020304" pitchFamily="18" charset="0"/>
+              </a:defRPr>
+            </a:lvl1pPr>
+            <a:lvl2pPr marL="742950" indent="-285750">
+              <a:spcBef>
+                <a:spcPct val="20000"/>
+              </a:spcBef>
+              <a:buChar char="–"/>
+              <a:defRPr sz="2800">
+                <a:solidFill>
+                  <a:schemeClr val="tx1"/>
+                </a:solidFill>
+                <a:latin typeface="Times New Roman" panose="02020603050405020304" pitchFamily="18" charset="0"/>
+              </a:defRPr>
+            </a:lvl2pPr>
+            <a:lvl3pPr marL="1143000" indent="-228600">
+              <a:spcBef>
+                <a:spcPct val="20000"/>
+              </a:spcBef>
+              <a:buChar char="•"/>
+              <a:defRPr sz="2400">
+                <a:solidFill>
+                  <a:schemeClr val="tx1"/>
+                </a:solidFill>
+                <a:latin typeface="Times New Roman" panose="02020603050405020304" pitchFamily="18" charset="0"/>
+              </a:defRPr>
+            </a:lvl3pPr>
+            <a:lvl4pPr marL="1600200" indent="-228600">
+              <a:spcBef>
+                <a:spcPct val="20000"/>
+              </a:spcBef>
+              <a:buChar char="–"/>
+              <a:defRPr sz="2000">
+                <a:solidFill>
+                  <a:schemeClr val="tx1"/>
+                </a:solidFill>
+                <a:latin typeface="Times New Roman" panose="02020603050405020304" pitchFamily="18" charset="0"/>
+              </a:defRPr>
+            </a:lvl4pPr>
+            <a:lvl5pPr marL="2057400" indent="-228600">
+              <a:spcBef>
+                <a:spcPct val="20000"/>
+              </a:spcBef>
+              <a:buChar char="»"/>
+              <a:defRPr sz="2000">
+                <a:solidFill>
+                  <a:schemeClr val="tx1"/>
+                </a:solidFill>
+                <a:latin typeface="Times New Roman" panose="02020603050405020304" pitchFamily="18" charset="0"/>
+              </a:defRPr>
+            </a:lvl5pPr>
+            <a:lvl6pPr marL="2514600" indent="-228600" eaLnBrk="0" fontAlgn="base" hangingPunct="0">
+              <a:spcBef>
+                <a:spcPct val="20000"/>
+              </a:spcBef>
+              <a:spcAft>
+                <a:spcPct val="0"/>
+              </a:spcAft>
+              <a:buChar char="»"/>
+              <a:defRPr sz="2000">
+                <a:solidFill>
+                  <a:schemeClr val="tx1"/>
+                </a:solidFill>
+                <a:latin typeface="Times New Roman" panose="02020603050405020304" pitchFamily="18" charset="0"/>
+              </a:defRPr>
+            </a:lvl6pPr>
+            <a:lvl7pPr marL="2971800" indent="-228600" eaLnBrk="0" fontAlgn="base" hangingPunct="0">
+              <a:spcBef>
+                <a:spcPct val="20000"/>
+              </a:spcBef>
+              <a:spcAft>
+                <a:spcPct val="0"/>
+              </a:spcAft>
+              <a:buChar char="»"/>
+              <a:defRPr sz="2000">
+                <a:solidFill>
+                  <a:schemeClr val="tx1"/>
+                </a:solidFill>
+                <a:latin typeface="Times New Roman" panose="02020603050405020304" pitchFamily="18" charset="0"/>
+              </a:defRPr>
+            </a:lvl7pPr>
+            <a:lvl8pPr marL="3429000" indent="-228600" eaLnBrk="0" fontAlgn="base" hangingPunct="0">
+              <a:spcBef>
+                <a:spcPct val="20000"/>
+              </a:spcBef>
+              <a:spcAft>
+                <a:spcPct val="0"/>
+              </a:spcAft>
+              <a:buChar char="»"/>
+              <a:defRPr sz="2000">
+                <a:solidFill>
+                  <a:schemeClr val="tx1"/>
+                </a:solidFill>
+                <a:latin typeface="Times New Roman" panose="02020603050405020304" pitchFamily="18" charset="0"/>
+              </a:defRPr>
+            </a:lvl8pPr>
+            <a:lvl9pPr marL="3886200" indent="-228600" eaLnBrk="0" fontAlgn="base" hangingPunct="0">
+              <a:spcBef>
+                <a:spcPct val="20000"/>
+              </a:spcBef>
+              <a:spcAft>
+                <a:spcPct val="0"/>
+              </a:spcAft>
+              <a:buChar char="»"/>
+              <a:defRPr sz="2000">
+                <a:solidFill>
+                  <a:schemeClr val="tx1"/>
+                </a:solidFill>
+                <a:latin typeface="Times New Roman" panose="02020603050405020304" pitchFamily="18" charset="0"/>
+              </a:defRPr>
+            </a:lvl9pPr>
+          </a:lstStyle>
+          <a:p>
+            <a:pPr eaLnBrk="1" hangingPunct="1">
+              <a:spcBef>
+                <a:spcPct val="0"/>
+              </a:spcBef>
+              <a:buFontTx/>
+              <a:buNone/>
+            </a:pPr>
+            <a:r>
+              <a:rPr lang="en-US" altLang="en-US" sz="4000">
+                <a:solidFill>
+                  <a:schemeClr val="bg1"/>
+                </a:solidFill>
+                <a:latin typeface="Arial" panose="020B0604020202020204" pitchFamily="34" charset="0"/>
+              </a:rPr>
+              <a:t>Aquifer Transmissivity (T)</a:t>
+            </a:r>
+          </a:p>
+        </p:txBody>
+      </p:sp>
+      <p:sp>
+        <p:nvSpPr>
+          <p:cNvPr id="16387" name="Rectangle 5">
+            <a:extLst>
+              <a:ext uri="{FF2B5EF4-FFF2-40B4-BE49-F238E27FC236}">
+                <a16:creationId xmlns:a16="http://schemas.microsoft.com/office/drawing/2014/main" id="{EF88484F-9E2E-438F-B8D3-1B0915472AB5}"/>
+              </a:ext>
+            </a:extLst>
+          </p:cNvPr>
+          <p:cNvSpPr>
+            <a:spLocks noChangeArrowheads="1"/>
+          </p:cNvSpPr>
+          <p:nvPr/>
+        </p:nvSpPr>
+        <p:spPr bwMode="auto">
+          <a:xfrm>
+            <a:off x="685800" y="2243138"/>
+            <a:ext cx="7772400" cy="1339850"/>
+          </a:xfrm>
+          <a:prstGeom prst="rect">
+            <a:avLst/>
+          </a:prstGeom>
+          <a:noFill/>
+          <a:ln>
+            <a:noFill/>
+          </a:ln>
+          <a:extLst>
+            <a:ext uri="{909E8E84-426E-40DD-AFC4-6F175D3DCCD1}">
+              <a14:hiddenFill xmlns:a14="http://schemas.microsoft.com/office/drawing/2010/main">
+                <a:solidFill>
+                  <a:srgbClr val="FFFFFF"/>
+                </a:solidFill>
+              </a14:hiddenFill>
+            </a:ext>
+            <a:ext uri="{91240B29-F687-4F45-9708-019B960494DF}">
+              <a14:hiddenLine xmlns:a14="http://schemas.microsoft.com/office/drawing/2010/main" w="9525">
+                <a:solidFill>
+                  <a:srgbClr val="000000"/>
+                </a:solidFill>
+                <a:miter lim="800000"/>
+                <a:headEnd/>
+                <a:tailEnd/>
+              </a14:hiddenLine>
+            </a:ext>
+          </a:extLst>
+        </p:spPr>
+        <p:txBody>
+          <a:bodyPr/>
+          <a:lstStyle>
+            <a:lvl1pPr>
+              <a:spcBef>
+                <a:spcPct val="20000"/>
+              </a:spcBef>
+              <a:buChar char="•"/>
+              <a:defRPr sz="3200">
+                <a:solidFill>
+                  <a:schemeClr val="tx1"/>
+                </a:solidFill>
+                <a:latin typeface="Times New Roman" panose="02020603050405020304" pitchFamily="18" charset="0"/>
+              </a:defRPr>
+            </a:lvl1pPr>
+            <a:lvl2pPr marL="742950" indent="-285750">
+              <a:spcBef>
+                <a:spcPct val="20000"/>
+              </a:spcBef>
+              <a:buChar char="–"/>
+              <a:defRPr sz="2800">
+                <a:solidFill>
+                  <a:schemeClr val="tx1"/>
+                </a:solidFill>
+                <a:latin typeface="Times New Roman" panose="02020603050405020304" pitchFamily="18" charset="0"/>
+              </a:defRPr>
+            </a:lvl2pPr>
+            <a:lvl3pPr marL="1143000" indent="-228600">
+              <a:spcBef>
+                <a:spcPct val="20000"/>
+              </a:spcBef>
+              <a:buChar char="•"/>
+              <a:defRPr sz="2400">
+                <a:solidFill>
+                  <a:schemeClr val="tx1"/>
+                </a:solidFill>
+                <a:latin typeface="Times New Roman" panose="02020603050405020304" pitchFamily="18" charset="0"/>
+              </a:defRPr>
+            </a:lvl3pPr>
+            <a:lvl4pPr marL="1600200" indent="-228600">
+              <a:spcBef>
+                <a:spcPct val="20000"/>
+              </a:spcBef>
+              <a:buChar char="–"/>
+              <a:defRPr sz="2000">
+                <a:solidFill>
+                  <a:schemeClr val="tx1"/>
+                </a:solidFill>
+                <a:latin typeface="Times New Roman" panose="02020603050405020304" pitchFamily="18" charset="0"/>
+              </a:defRPr>
+            </a:lvl4pPr>
+            <a:lvl5pPr marL="2057400" indent="-228600">
+              <a:spcBef>
+                <a:spcPct val="20000"/>
+              </a:spcBef>
+              <a:buChar char="»"/>
+              <a:defRPr sz="2000">
+                <a:solidFill>
+                  <a:schemeClr val="tx1"/>
+                </a:solidFill>
+                <a:latin typeface="Times New Roman" panose="02020603050405020304" pitchFamily="18" charset="0"/>
+              </a:defRPr>
+            </a:lvl5pPr>
+            <a:lvl6pPr marL="2514600" indent="-228600" eaLnBrk="0" fontAlgn="base" hangingPunct="0">
+              <a:spcBef>
+                <a:spcPct val="20000"/>
+              </a:spcBef>
+              <a:spcAft>
+                <a:spcPct val="0"/>
+              </a:spcAft>
+              <a:buChar char="»"/>
+              <a:defRPr sz="2000">
+                <a:solidFill>
+                  <a:schemeClr val="tx1"/>
+                </a:solidFill>
+                <a:latin typeface="Times New Roman" panose="02020603050405020304" pitchFamily="18" charset="0"/>
+              </a:defRPr>
+            </a:lvl6pPr>
+            <a:lvl7pPr marL="2971800" indent="-228600" eaLnBrk="0" fontAlgn="base" hangingPunct="0">
+              <a:spcBef>
+                <a:spcPct val="20000"/>
+              </a:spcBef>
+              <a:spcAft>
+                <a:spcPct val="0"/>
+              </a:spcAft>
+              <a:buChar char="»"/>
+              <a:defRPr sz="2000">
+                <a:solidFill>
+                  <a:schemeClr val="tx1"/>
+                </a:solidFill>
+                <a:latin typeface="Times New Roman" panose="02020603050405020304" pitchFamily="18" charset="0"/>
+              </a:defRPr>
+            </a:lvl7pPr>
+            <a:lvl8pPr marL="3429000" indent="-228600" eaLnBrk="0" fontAlgn="base" hangingPunct="0">
+              <a:spcBef>
+                <a:spcPct val="20000"/>
+              </a:spcBef>
+              <a:spcAft>
+                <a:spcPct val="0"/>
+              </a:spcAft>
+              <a:buChar char="»"/>
+              <a:defRPr sz="2000">
+                <a:solidFill>
+                  <a:schemeClr val="tx1"/>
+                </a:solidFill>
+                <a:latin typeface="Times New Roman" panose="02020603050405020304" pitchFamily="18" charset="0"/>
+              </a:defRPr>
+            </a:lvl8pPr>
+            <a:lvl9pPr marL="3886200" indent="-228600" eaLnBrk="0" fontAlgn="base" hangingPunct="0">
+              <a:spcBef>
+                <a:spcPct val="20000"/>
+              </a:spcBef>
+              <a:spcAft>
+                <a:spcPct val="0"/>
+              </a:spcAft>
+              <a:buChar char="»"/>
+              <a:defRPr sz="2000">
+                <a:solidFill>
+                  <a:schemeClr val="tx1"/>
+                </a:solidFill>
+                <a:latin typeface="Times New Roman" panose="02020603050405020304" pitchFamily="18" charset="0"/>
+              </a:defRPr>
+            </a:lvl9pPr>
+          </a:lstStyle>
+          <a:p>
+            <a:pPr eaLnBrk="1" hangingPunct="1">
+              <a:buClr>
+                <a:schemeClr val="bg1"/>
+              </a:buClr>
+              <a:buSzPct val="80000"/>
+              <a:buFontTx/>
+              <a:buNone/>
+            </a:pPr>
+            <a:endParaRPr lang="en-US" altLang="en-US">
+              <a:solidFill>
+                <a:schemeClr val="bg1"/>
+              </a:solidFill>
+            </a:endParaRPr>
+          </a:p>
+        </p:txBody>
+      </p:sp>
+      <p:sp>
+        <p:nvSpPr>
+          <p:cNvPr id="16388" name="Rectangle 15">
+            <a:extLst>
+              <a:ext uri="{FF2B5EF4-FFF2-40B4-BE49-F238E27FC236}">
+                <a16:creationId xmlns:a16="http://schemas.microsoft.com/office/drawing/2014/main" id="{83CF2345-8ADA-48CC-83BE-AC65B382DEDD}"/>
+              </a:ext>
+            </a:extLst>
+          </p:cNvPr>
+          <p:cNvSpPr>
+            <a:spLocks noChangeArrowheads="1"/>
+          </p:cNvSpPr>
+          <p:nvPr/>
+        </p:nvSpPr>
+        <p:spPr bwMode="auto">
+          <a:xfrm>
+            <a:off x="0" y="0"/>
+            <a:ext cx="9144000" cy="0"/>
+          </a:xfrm>
+          <a:prstGeom prst="rect">
+            <a:avLst/>
+          </a:prstGeom>
+          <a:noFill/>
+          <a:ln>
+            <a:noFill/>
+          </a:ln>
+          <a:extLst>
+            <a:ext uri="{909E8E84-426E-40DD-AFC4-6F175D3DCCD1}">
+              <a14:hiddenFill xmlns:a14="http://schemas.microsoft.com/office/drawing/2010/main">
+                <a:solidFill>
+                  <a:srgbClr val="FFFFFF"/>
+                </a:solidFill>
+              </a14:hiddenFill>
+            </a:ext>
+            <a:ext uri="{91240B29-F687-4F45-9708-019B960494DF}">
+              <a14:hiddenLine xmlns:a14="http://schemas.microsoft.com/office/drawing/2010/main" w="9525">
+                <a:solidFill>
+                  <a:srgbClr val="000000"/>
+                </a:solidFill>
+                <a:miter lim="800000"/>
+                <a:headEnd/>
+                <a:tailEnd/>
+              </a14:hiddenLine>
+            </a:ext>
+          </a:extLst>
+        </p:spPr>
+        <p:txBody>
+          <a:bodyPr wrap="none" anchor="ctr">
+            <a:spAutoFit/>
+          </a:bodyPr>
+          <a:lstStyle>
+            <a:lvl1pPr>
+              <a:spcBef>
+                <a:spcPct val="20000"/>
+              </a:spcBef>
+              <a:buChar char="•"/>
+              <a:defRPr sz="3200">
+                <a:solidFill>
+                  <a:schemeClr val="tx1"/>
+                </a:solidFill>
+                <a:latin typeface="Times New Roman" panose="02020603050405020304" pitchFamily="18" charset="0"/>
+              </a:defRPr>
+            </a:lvl1pPr>
+            <a:lvl2pPr marL="742950" indent="-285750">
+              <a:spcBef>
+                <a:spcPct val="20000"/>
+              </a:spcBef>
+              <a:buChar char="–"/>
+              <a:defRPr sz="2800">
+                <a:solidFill>
+                  <a:schemeClr val="tx1"/>
+                </a:solidFill>
+                <a:latin typeface="Times New Roman" panose="02020603050405020304" pitchFamily="18" charset="0"/>
+              </a:defRPr>
+            </a:lvl2pPr>
+            <a:lvl3pPr marL="1143000" indent="-228600">
+              <a:spcBef>
+                <a:spcPct val="20000"/>
+              </a:spcBef>
+              <a:buChar char="•"/>
+              <a:defRPr sz="2400">
+                <a:solidFill>
+                  <a:schemeClr val="tx1"/>
+                </a:solidFill>
+                <a:latin typeface="Times New Roman" panose="02020603050405020304" pitchFamily="18" charset="0"/>
+              </a:defRPr>
+            </a:lvl3pPr>
+            <a:lvl4pPr marL="1600200" indent="-228600">
+              <a:spcBef>
+                <a:spcPct val="20000"/>
+              </a:spcBef>
+              <a:buChar char="–"/>
+              <a:defRPr sz="2000">
+                <a:solidFill>
+                  <a:schemeClr val="tx1"/>
+                </a:solidFill>
+                <a:latin typeface="Times New Roman" panose="02020603050405020304" pitchFamily="18" charset="0"/>
+              </a:defRPr>
+            </a:lvl4pPr>
+            <a:lvl5pPr marL="2057400" indent="-228600">
+              <a:spcBef>
+                <a:spcPct val="20000"/>
+              </a:spcBef>
+              <a:buChar char="»"/>
+              <a:defRPr sz="2000">
+                <a:solidFill>
+                  <a:schemeClr val="tx1"/>
+                </a:solidFill>
+                <a:latin typeface="Times New Roman" panose="02020603050405020304" pitchFamily="18" charset="0"/>
+              </a:defRPr>
+            </a:lvl5pPr>
+            <a:lvl6pPr marL="2514600" indent="-228600" eaLnBrk="0" fontAlgn="base" hangingPunct="0">
+              <a:spcBef>
+                <a:spcPct val="20000"/>
+              </a:spcBef>
+              <a:spcAft>
+                <a:spcPct val="0"/>
+              </a:spcAft>
+              <a:buChar char="»"/>
+              <a:defRPr sz="2000">
+                <a:solidFill>
+                  <a:schemeClr val="tx1"/>
+                </a:solidFill>
+                <a:latin typeface="Times New Roman" panose="02020603050405020304" pitchFamily="18" charset="0"/>
+              </a:defRPr>
+            </a:lvl6pPr>
+            <a:lvl7pPr marL="2971800" indent="-228600" eaLnBrk="0" fontAlgn="base" hangingPunct="0">
+              <a:spcBef>
+                <a:spcPct val="20000"/>
+              </a:spcBef>
+              <a:spcAft>
+                <a:spcPct val="0"/>
+              </a:spcAft>
+              <a:buChar char="»"/>
+              <a:defRPr sz="2000">
+                <a:solidFill>
+                  <a:schemeClr val="tx1"/>
+                </a:solidFill>
+                <a:latin typeface="Times New Roman" panose="02020603050405020304" pitchFamily="18" charset="0"/>
+              </a:defRPr>
+            </a:lvl7pPr>
+            <a:lvl8pPr marL="3429000" indent="-228600" eaLnBrk="0" fontAlgn="base" hangingPunct="0">
+              <a:spcBef>
+                <a:spcPct val="20000"/>
+              </a:spcBef>
+              <a:spcAft>
+                <a:spcPct val="0"/>
+              </a:spcAft>
+              <a:buChar char="»"/>
+              <a:defRPr sz="2000">
+                <a:solidFill>
+                  <a:schemeClr val="tx1"/>
+                </a:solidFill>
+                <a:latin typeface="Times New Roman" panose="02020603050405020304" pitchFamily="18" charset="0"/>
+              </a:defRPr>
+            </a:lvl8pPr>
+            <a:lvl9pPr marL="3886200" indent="-228600" eaLnBrk="0" fontAlgn="base" hangingPunct="0">
+              <a:spcBef>
+                <a:spcPct val="20000"/>
+              </a:spcBef>
+              <a:spcAft>
+                <a:spcPct val="0"/>
+              </a:spcAft>
+              <a:buChar char="»"/>
+              <a:defRPr sz="2000">
+                <a:solidFill>
+                  <a:schemeClr val="tx1"/>
+                </a:solidFill>
+                <a:latin typeface="Times New Roman" panose="02020603050405020304" pitchFamily="18" charset="0"/>
+              </a:defRPr>
+            </a:lvl9pPr>
+          </a:lstStyle>
+          <a:p>
+            <a:pPr eaLnBrk="1" hangingPunct="1">
+              <a:spcBef>
+                <a:spcPct val="0"/>
+              </a:spcBef>
+              <a:buFontTx/>
+              <a:buNone/>
+            </a:pPr>
+            <a:endParaRPr lang="en-US" altLang="en-US" sz="2500" i="1"/>
+          </a:p>
+        </p:txBody>
+      </p:sp>
+      <p:sp>
+        <p:nvSpPr>
+          <p:cNvPr id="4" name="Rectangle 3">
+            <a:extLst>
+              <a:ext uri="{FF2B5EF4-FFF2-40B4-BE49-F238E27FC236}">
+                <a16:creationId xmlns:a16="http://schemas.microsoft.com/office/drawing/2014/main" id="{4D397576-F759-4CB4-8962-CDFC149BBA65}"/>
+              </a:ext>
+            </a:extLst>
+          </p:cNvPr>
+          <p:cNvSpPr/>
+          <p:nvPr/>
+        </p:nvSpPr>
+        <p:spPr>
+          <a:xfrm>
+            <a:off x="1165225" y="1865313"/>
+            <a:ext cx="2971800" cy="638175"/>
+          </a:xfrm>
+          <a:prstGeom prst="rect">
+            <a:avLst/>
+          </a:prstGeom>
+          <a:noFill/>
+          <a:ln>
+            <a:solidFill>
+              <a:schemeClr val="bg1"/>
+            </a:solidFill>
+          </a:ln>
+        </p:spPr>
+        <p:style>
+          <a:lnRef idx="2">
+            <a:schemeClr val="accent1">
+              <a:shade val="50000"/>
+            </a:schemeClr>
+          </a:lnRef>
+          <a:fillRef idx="1">
+            <a:schemeClr val="accent1"/>
+          </a:fillRef>
+          <a:effectRef idx="0">
+            <a:schemeClr val="accent1"/>
+          </a:effectRef>
+          <a:fontRef idx="minor">
+            <a:schemeClr val="lt1"/>
+          </a:fontRef>
+        </p:style>
+        <p:txBody>
+          <a:bodyPr anchor="ctr"/>
+          <a:lstStyle/>
+          <a:p>
+            <a:pPr algn="ctr">
+              <a:defRPr/>
+            </a:pPr>
+            <a:endParaRPr lang="en-US"/>
+          </a:p>
+        </p:txBody>
+      </p:sp>
+      <p:sp>
+        <p:nvSpPr>
+          <p:cNvPr id="7" name="Rectangle 6">
+            <a:extLst>
+              <a:ext uri="{FF2B5EF4-FFF2-40B4-BE49-F238E27FC236}">
+                <a16:creationId xmlns:a16="http://schemas.microsoft.com/office/drawing/2014/main" id="{72E09605-8232-48EE-972F-2011E497B6CA}"/>
+              </a:ext>
+            </a:extLst>
+          </p:cNvPr>
+          <p:cNvSpPr/>
+          <p:nvPr/>
+        </p:nvSpPr>
+        <p:spPr>
+          <a:xfrm>
+            <a:off x="1165225" y="2149475"/>
+            <a:ext cx="2971800" cy="354013"/>
+          </a:xfrm>
+          <a:prstGeom prst="rect">
+            <a:avLst/>
+          </a:prstGeom>
+          <a:solidFill>
+            <a:srgbClr val="99CCFF"/>
+          </a:solidFill>
+          <a:ln>
+            <a:solidFill>
+              <a:schemeClr val="bg1"/>
+            </a:solidFill>
+          </a:ln>
+        </p:spPr>
+        <p:style>
+          <a:lnRef idx="2">
+            <a:schemeClr val="accent1">
+              <a:shade val="50000"/>
+            </a:schemeClr>
+          </a:lnRef>
+          <a:fillRef idx="1">
+            <a:schemeClr val="accent1"/>
+          </a:fillRef>
+          <a:effectRef idx="0">
+            <a:schemeClr val="accent1"/>
+          </a:effectRef>
+          <a:fontRef idx="minor">
+            <a:schemeClr val="lt1"/>
+          </a:fontRef>
+        </p:style>
+        <p:txBody>
+          <a:bodyPr anchor="ctr"/>
+          <a:lstStyle/>
+          <a:p>
+            <a:pPr algn="ctr">
+              <a:defRPr/>
+            </a:pPr>
+            <a:endParaRPr lang="en-US"/>
+          </a:p>
+        </p:txBody>
+      </p:sp>
+      <p:cxnSp>
+        <p:nvCxnSpPr>
+          <p:cNvPr id="9" name="Straight Arrow Connector 8">
+            <a:extLst>
+              <a:ext uri="{FF2B5EF4-FFF2-40B4-BE49-F238E27FC236}">
+                <a16:creationId xmlns:a16="http://schemas.microsoft.com/office/drawing/2014/main" id="{79F82FEA-0705-43FE-B670-21B0027A8BCB}"/>
+              </a:ext>
+            </a:extLst>
+          </p:cNvPr>
+          <p:cNvCxnSpPr/>
+          <p:nvPr/>
+        </p:nvCxnSpPr>
+        <p:spPr>
+          <a:xfrm>
+            <a:off x="4343400" y="2149475"/>
+            <a:ext cx="0" cy="354013"/>
+          </a:xfrm>
+          <a:prstGeom prst="straightConnector1">
+            <a:avLst/>
+          </a:prstGeom>
+          <a:ln>
+            <a:solidFill>
+              <a:schemeClr val="bg1"/>
+            </a:solidFill>
+            <a:headEnd type="triangle" w="med" len="med"/>
+            <a:tailEnd type="triangle" w="med" len="med"/>
+          </a:ln>
+        </p:spPr>
+        <p:style>
+          <a:lnRef idx="1">
+            <a:schemeClr val="accent1"/>
+          </a:lnRef>
+          <a:fillRef idx="0">
+            <a:schemeClr val="accent1"/>
+          </a:fillRef>
+          <a:effectRef idx="0">
+            <a:schemeClr val="accent1"/>
+          </a:effectRef>
+          <a:fontRef idx="minor">
+            <a:schemeClr val="tx1"/>
+          </a:fontRef>
+        </p:style>
+      </p:cxnSp>
+      <p:sp>
+        <p:nvSpPr>
+          <p:cNvPr id="16392" name="TextBox 9">
+            <a:extLst>
+              <a:ext uri="{FF2B5EF4-FFF2-40B4-BE49-F238E27FC236}">
+                <a16:creationId xmlns:a16="http://schemas.microsoft.com/office/drawing/2014/main" id="{02074FF0-3F6F-4B1C-A93E-1C526293B453}"/>
+              </a:ext>
+            </a:extLst>
+          </p:cNvPr>
+          <p:cNvSpPr txBox="1">
+            <a:spLocks noChangeArrowheads="1"/>
+          </p:cNvSpPr>
+          <p:nvPr/>
+        </p:nvSpPr>
+        <p:spPr bwMode="auto">
+          <a:xfrm>
+            <a:off x="4379913" y="2095500"/>
+            <a:ext cx="338137" cy="461963"/>
+          </a:xfrm>
+          <a:prstGeom prst="rect">
+            <a:avLst/>
+          </a:prstGeom>
+          <a:noFill/>
+          <a:ln>
+            <a:noFill/>
+          </a:ln>
+          <a:extLst>
+            <a:ext uri="{909E8E84-426E-40DD-AFC4-6F175D3DCCD1}">
+              <a14:hiddenFill xmlns:a14="http://schemas.microsoft.com/office/drawing/2010/main">
+                <a:solidFill>
+                  <a:srgbClr val="FFFFFF"/>
+                </a:solidFill>
+              </a14:hiddenFill>
+            </a:ext>
+            <a:ext uri="{91240B29-F687-4F45-9708-019B960494DF}">
+              <a14:hiddenLine xmlns:a14="http://schemas.microsoft.com/office/drawing/2010/main" w="9525">
+                <a:solidFill>
+                  <a:srgbClr val="000000"/>
+                </a:solidFill>
+                <a:miter lim="800000"/>
+                <a:headEnd/>
+                <a:tailEnd/>
+              </a14:hiddenLine>
+            </a:ext>
+          </a:extLst>
+        </p:spPr>
+        <p:txBody>
+          <a:bodyPr wrap="none">
+            <a:spAutoFit/>
+          </a:bodyPr>
+          <a:lstStyle>
+            <a:lvl1pPr>
+              <a:defRPr sz="2400">
+                <a:solidFill>
+                  <a:schemeClr val="tx1"/>
+                </a:solidFill>
+                <a:latin typeface="Times New Roman" panose="02020603050405020304" pitchFamily="18" charset="0"/>
+              </a:defRPr>
+            </a:lvl1pPr>
+            <a:lvl2pPr marL="742950" indent="-285750">
+              <a:defRPr sz="2400">
+                <a:solidFill>
+                  <a:schemeClr val="tx1"/>
+                </a:solidFill>
+                <a:latin typeface="Times New Roman" panose="02020603050405020304" pitchFamily="18" charset="0"/>
+              </a:defRPr>
+            </a:lvl2pPr>
+            <a:lvl3pPr marL="1143000" indent="-228600">
+              <a:defRPr sz="2400">
+                <a:solidFill>
+                  <a:schemeClr val="tx1"/>
+                </a:solidFill>
+                <a:latin typeface="Times New Roman" panose="02020603050405020304" pitchFamily="18" charset="0"/>
+              </a:defRPr>
+            </a:lvl3pPr>
+            <a:lvl4pPr marL="1600200" indent="-228600">
+              <a:defRPr sz="2400">
+                <a:solidFill>
+                  <a:schemeClr val="tx1"/>
+                </a:solidFill>
+                <a:latin typeface="Times New Roman" panose="02020603050405020304" pitchFamily="18" charset="0"/>
+              </a:defRPr>
+            </a:lvl4pPr>
+            <a:lvl5pPr marL="2057400" indent="-228600">
+              <a:defRPr sz="2400">
+                <a:solidFill>
+                  <a:schemeClr val="tx1"/>
+                </a:solidFill>
+                <a:latin typeface="Times New Roman" panose="02020603050405020304" pitchFamily="18" charset="0"/>
+              </a:defRPr>
+            </a:lvl5pPr>
+            <a:lvl6pPr marL="2514600" indent="-228600" eaLnBrk="0" fontAlgn="base" hangingPunct="0">
+              <a:spcBef>
+                <a:spcPct val="0"/>
+              </a:spcBef>
+              <a:spcAft>
+                <a:spcPct val="0"/>
+              </a:spcAft>
+              <a:defRPr sz="2400">
+                <a:solidFill>
+                  <a:schemeClr val="tx1"/>
+                </a:solidFill>
+                <a:latin typeface="Times New Roman" panose="02020603050405020304" pitchFamily="18" charset="0"/>
+              </a:defRPr>
+            </a:lvl6pPr>
+            <a:lvl7pPr marL="2971800" indent="-228600" eaLnBrk="0" fontAlgn="base" hangingPunct="0">
+              <a:spcBef>
+                <a:spcPct val="0"/>
+              </a:spcBef>
+              <a:spcAft>
+                <a:spcPct val="0"/>
+              </a:spcAft>
+              <a:defRPr sz="2400">
+                <a:solidFill>
+                  <a:schemeClr val="tx1"/>
+                </a:solidFill>
+                <a:latin typeface="Times New Roman" panose="02020603050405020304" pitchFamily="18" charset="0"/>
+              </a:defRPr>
+            </a:lvl7pPr>
+            <a:lvl8pPr marL="3429000" indent="-228600" eaLnBrk="0" fontAlgn="base" hangingPunct="0">
+              <a:spcBef>
+                <a:spcPct val="0"/>
+              </a:spcBef>
+              <a:spcAft>
+                <a:spcPct val="0"/>
+              </a:spcAft>
+              <a:defRPr sz="2400">
+                <a:solidFill>
+                  <a:schemeClr val="tx1"/>
+                </a:solidFill>
+                <a:latin typeface="Times New Roman" panose="02020603050405020304" pitchFamily="18" charset="0"/>
+              </a:defRPr>
+            </a:lvl8pPr>
+            <a:lvl9pPr marL="3886200" indent="-228600" eaLnBrk="0" fontAlgn="base" hangingPunct="0">
+              <a:spcBef>
+                <a:spcPct val="0"/>
+              </a:spcBef>
+              <a:spcAft>
+                <a:spcPct val="0"/>
+              </a:spcAft>
+              <a:defRPr sz="2400">
+                <a:solidFill>
+                  <a:schemeClr val="tx1"/>
+                </a:solidFill>
+                <a:latin typeface="Times New Roman" panose="02020603050405020304" pitchFamily="18" charset="0"/>
+              </a:defRPr>
+            </a:lvl9pPr>
+          </a:lstStyle>
+          <a:p>
+            <a:r>
+              <a:rPr lang="en-US" altLang="en-US">
+                <a:solidFill>
+                  <a:schemeClr val="bg1"/>
+                </a:solidFill>
+              </a:rPr>
+              <a:t>b</a:t>
+            </a:r>
+          </a:p>
+        </p:txBody>
+      </p:sp>
+      <p:sp>
+        <p:nvSpPr>
+          <p:cNvPr id="11" name="Isosceles Triangle 10">
+            <a:extLst>
+              <a:ext uri="{FF2B5EF4-FFF2-40B4-BE49-F238E27FC236}">
+                <a16:creationId xmlns:a16="http://schemas.microsoft.com/office/drawing/2014/main" id="{0BDBBA56-DBE1-47F8-A905-132A24092E84}"/>
+              </a:ext>
+            </a:extLst>
+          </p:cNvPr>
+          <p:cNvSpPr/>
+          <p:nvPr/>
+        </p:nvSpPr>
+        <p:spPr>
+          <a:xfrm rot="10800000">
+            <a:off x="3178175" y="1952625"/>
+            <a:ext cx="136525" cy="196850"/>
+          </a:xfrm>
+          <a:prstGeom prst="triangle">
+            <a:avLst/>
+          </a:prstGeom>
+          <a:noFill/>
+          <a:ln>
+            <a:solidFill>
+              <a:schemeClr val="bg1"/>
+            </a:solidFill>
+          </a:ln>
+        </p:spPr>
+        <p:style>
+          <a:lnRef idx="2">
+            <a:schemeClr val="accent1">
+              <a:shade val="50000"/>
+            </a:schemeClr>
+          </a:lnRef>
+          <a:fillRef idx="1">
+            <a:schemeClr val="accent1"/>
+          </a:fillRef>
+          <a:effectRef idx="0">
+            <a:schemeClr val="accent1"/>
+          </a:effectRef>
+          <a:fontRef idx="minor">
+            <a:schemeClr val="lt1"/>
+          </a:fontRef>
+        </p:style>
+        <p:txBody>
+          <a:bodyPr anchor="ctr"/>
+          <a:lstStyle/>
+          <a:p>
+            <a:pPr algn="ctr">
+              <a:defRPr/>
+            </a:pPr>
+            <a:endParaRPr lang="en-US"/>
+          </a:p>
+        </p:txBody>
+      </p:sp>
+      <p:cxnSp>
+        <p:nvCxnSpPr>
+          <p:cNvPr id="14" name="Straight Connector 13">
+            <a:extLst>
+              <a:ext uri="{FF2B5EF4-FFF2-40B4-BE49-F238E27FC236}">
+                <a16:creationId xmlns:a16="http://schemas.microsoft.com/office/drawing/2014/main" id="{079622C8-8F0F-4E70-98F0-97245C45F690}"/>
+              </a:ext>
+            </a:extLst>
+          </p:cNvPr>
+          <p:cNvCxnSpPr/>
+          <p:nvPr/>
+        </p:nvCxnSpPr>
+        <p:spPr>
+          <a:xfrm>
+            <a:off x="3108325" y="2208213"/>
+            <a:ext cx="252413" cy="0"/>
+          </a:xfrm>
+          <a:prstGeom prst="line">
+            <a:avLst/>
+          </a:prstGeom>
+          <a:ln>
+            <a:solidFill>
+              <a:schemeClr val="bg1"/>
+            </a:solidFill>
+          </a:ln>
+        </p:spPr>
+        <p:style>
+          <a:lnRef idx="1">
+            <a:schemeClr val="accent1"/>
+          </a:lnRef>
+          <a:fillRef idx="0">
+            <a:schemeClr val="accent1"/>
+          </a:fillRef>
+          <a:effectRef idx="0">
+            <a:schemeClr val="accent1"/>
+          </a:effectRef>
+          <a:fontRef idx="minor">
+            <a:schemeClr val="tx1"/>
+          </a:fontRef>
+        </p:style>
+      </p:cxnSp>
+      <p:cxnSp>
+        <p:nvCxnSpPr>
+          <p:cNvPr id="16" name="Straight Connector 15">
+            <a:extLst>
+              <a:ext uri="{FF2B5EF4-FFF2-40B4-BE49-F238E27FC236}">
+                <a16:creationId xmlns:a16="http://schemas.microsoft.com/office/drawing/2014/main" id="{A658ECEA-2E73-4072-B15E-ED3E4B44A264}"/>
+              </a:ext>
+            </a:extLst>
+          </p:cNvPr>
+          <p:cNvCxnSpPr/>
+          <p:nvPr/>
+        </p:nvCxnSpPr>
+        <p:spPr>
+          <a:xfrm>
+            <a:off x="3165475" y="2263775"/>
+            <a:ext cx="138113" cy="0"/>
+          </a:xfrm>
+          <a:prstGeom prst="line">
+            <a:avLst/>
+          </a:prstGeom>
+          <a:ln>
+            <a:solidFill>
+              <a:schemeClr val="bg1"/>
+            </a:solidFill>
+          </a:ln>
+        </p:spPr>
+        <p:style>
+          <a:lnRef idx="1">
+            <a:schemeClr val="accent1"/>
+          </a:lnRef>
+          <a:fillRef idx="0">
+            <a:schemeClr val="accent1"/>
+          </a:fillRef>
+          <a:effectRef idx="0">
+            <a:schemeClr val="accent1"/>
+          </a:effectRef>
+          <a:fontRef idx="minor">
+            <a:schemeClr val="tx1"/>
+          </a:fontRef>
+        </p:style>
+      </p:cxnSp>
+      <p:sp>
+        <p:nvSpPr>
+          <p:cNvPr id="16396" name="TextBox 16">
+            <a:extLst>
+              <a:ext uri="{FF2B5EF4-FFF2-40B4-BE49-F238E27FC236}">
+                <a16:creationId xmlns:a16="http://schemas.microsoft.com/office/drawing/2014/main" id="{6B9C19F8-2890-4944-9846-2DFBCFB1A3D0}"/>
+              </a:ext>
+            </a:extLst>
+          </p:cNvPr>
+          <p:cNvSpPr txBox="1">
+            <a:spLocks noChangeArrowheads="1"/>
+          </p:cNvSpPr>
+          <p:nvPr/>
+        </p:nvSpPr>
+        <p:spPr bwMode="auto">
+          <a:xfrm>
+            <a:off x="5492750" y="1914525"/>
+            <a:ext cx="1290638" cy="646113"/>
+          </a:xfrm>
+          <a:prstGeom prst="rect">
+            <a:avLst/>
+          </a:prstGeom>
+          <a:noFill/>
+          <a:ln>
+            <a:noFill/>
+          </a:ln>
+          <a:extLst>
+            <a:ext uri="{909E8E84-426E-40DD-AFC4-6F175D3DCCD1}">
+              <a14:hiddenFill xmlns:a14="http://schemas.microsoft.com/office/drawing/2010/main">
+                <a:solidFill>
+                  <a:srgbClr val="FFFFFF"/>
+                </a:solidFill>
+              </a14:hiddenFill>
+            </a:ext>
+            <a:ext uri="{91240B29-F687-4F45-9708-019B960494DF}">
+              <a14:hiddenLine xmlns:a14="http://schemas.microsoft.com/office/drawing/2010/main" w="9525">
+                <a:solidFill>
+                  <a:srgbClr val="000000"/>
+                </a:solidFill>
+                <a:miter lim="800000"/>
+                <a:headEnd/>
+                <a:tailEnd/>
+              </a14:hiddenLine>
+            </a:ext>
+          </a:extLst>
+        </p:spPr>
+        <p:txBody>
+          <a:bodyPr wrap="none">
+            <a:spAutoFit/>
+          </a:bodyPr>
+          <a:lstStyle>
+            <a:lvl1pPr>
+              <a:defRPr sz="2400">
+                <a:solidFill>
+                  <a:schemeClr val="tx1"/>
+                </a:solidFill>
+                <a:latin typeface="Times New Roman" panose="02020603050405020304" pitchFamily="18" charset="0"/>
+              </a:defRPr>
+            </a:lvl1pPr>
+            <a:lvl2pPr marL="742950" indent="-285750">
+              <a:defRPr sz="2400">
+                <a:solidFill>
+                  <a:schemeClr val="tx1"/>
+                </a:solidFill>
+                <a:latin typeface="Times New Roman" panose="02020603050405020304" pitchFamily="18" charset="0"/>
+              </a:defRPr>
+            </a:lvl2pPr>
+            <a:lvl3pPr marL="1143000" indent="-228600">
+              <a:defRPr sz="2400">
+                <a:solidFill>
+                  <a:schemeClr val="tx1"/>
+                </a:solidFill>
+                <a:latin typeface="Times New Roman" panose="02020603050405020304" pitchFamily="18" charset="0"/>
+              </a:defRPr>
+            </a:lvl3pPr>
+            <a:lvl4pPr marL="1600200" indent="-228600">
+              <a:defRPr sz="2400">
+                <a:solidFill>
+                  <a:schemeClr val="tx1"/>
+                </a:solidFill>
+                <a:latin typeface="Times New Roman" panose="02020603050405020304" pitchFamily="18" charset="0"/>
+              </a:defRPr>
+            </a:lvl4pPr>
+            <a:lvl5pPr marL="2057400" indent="-228600">
+              <a:defRPr sz="2400">
+                <a:solidFill>
+                  <a:schemeClr val="tx1"/>
+                </a:solidFill>
+                <a:latin typeface="Times New Roman" panose="02020603050405020304" pitchFamily="18" charset="0"/>
+              </a:defRPr>
+            </a:lvl5pPr>
+            <a:lvl6pPr marL="2514600" indent="-228600" eaLnBrk="0" fontAlgn="base" hangingPunct="0">
+              <a:spcBef>
+                <a:spcPct val="0"/>
+              </a:spcBef>
+              <a:spcAft>
+                <a:spcPct val="0"/>
+              </a:spcAft>
+              <a:defRPr sz="2400">
+                <a:solidFill>
+                  <a:schemeClr val="tx1"/>
+                </a:solidFill>
+                <a:latin typeface="Times New Roman" panose="02020603050405020304" pitchFamily="18" charset="0"/>
+              </a:defRPr>
+            </a:lvl6pPr>
+            <a:lvl7pPr marL="2971800" indent="-228600" eaLnBrk="0" fontAlgn="base" hangingPunct="0">
+              <a:spcBef>
+                <a:spcPct val="0"/>
+              </a:spcBef>
+              <a:spcAft>
+                <a:spcPct val="0"/>
+              </a:spcAft>
+              <a:defRPr sz="2400">
+                <a:solidFill>
+                  <a:schemeClr val="tx1"/>
+                </a:solidFill>
+                <a:latin typeface="Times New Roman" panose="02020603050405020304" pitchFamily="18" charset="0"/>
+              </a:defRPr>
+            </a:lvl7pPr>
+            <a:lvl8pPr marL="3429000" indent="-228600" eaLnBrk="0" fontAlgn="base" hangingPunct="0">
+              <a:spcBef>
+                <a:spcPct val="0"/>
+              </a:spcBef>
+              <a:spcAft>
+                <a:spcPct val="0"/>
+              </a:spcAft>
+              <a:defRPr sz="2400">
+                <a:solidFill>
+                  <a:schemeClr val="tx1"/>
+                </a:solidFill>
+                <a:latin typeface="Times New Roman" panose="02020603050405020304" pitchFamily="18" charset="0"/>
+              </a:defRPr>
+            </a:lvl8pPr>
+            <a:lvl9pPr marL="3886200" indent="-228600" eaLnBrk="0" fontAlgn="base" hangingPunct="0">
+              <a:spcBef>
+                <a:spcPct val="0"/>
+              </a:spcBef>
+              <a:spcAft>
+                <a:spcPct val="0"/>
+              </a:spcAft>
+              <a:defRPr sz="2400">
+                <a:solidFill>
+                  <a:schemeClr val="tx1"/>
+                </a:solidFill>
+                <a:latin typeface="Times New Roman" panose="02020603050405020304" pitchFamily="18" charset="0"/>
+              </a:defRPr>
+            </a:lvl9pPr>
+          </a:lstStyle>
+          <a:p>
+            <a:r>
+              <a:rPr lang="en-US" altLang="en-US" sz="3600">
+                <a:solidFill>
+                  <a:schemeClr val="bg1"/>
+                </a:solidFill>
+              </a:rPr>
+              <a:t>T=Kb</a:t>
+            </a:r>
+          </a:p>
+        </p:txBody>
+      </p:sp>
+      <p:sp>
+        <p:nvSpPr>
+          <p:cNvPr id="16397" name="Rectangle 4">
+            <a:extLst>
+              <a:ext uri="{FF2B5EF4-FFF2-40B4-BE49-F238E27FC236}">
+                <a16:creationId xmlns:a16="http://schemas.microsoft.com/office/drawing/2014/main" id="{8F90F784-934C-483B-95C8-273ABE5FF3E2}"/>
+              </a:ext>
+            </a:extLst>
+          </p:cNvPr>
+          <p:cNvSpPr>
+            <a:spLocks noChangeArrowheads="1"/>
+          </p:cNvSpPr>
+          <p:nvPr/>
+        </p:nvSpPr>
+        <p:spPr bwMode="auto">
+          <a:xfrm>
+            <a:off x="719138" y="3198813"/>
+            <a:ext cx="8275637" cy="1143000"/>
+          </a:xfrm>
+          <a:prstGeom prst="rect">
+            <a:avLst/>
+          </a:prstGeom>
+          <a:noFill/>
+          <a:ln>
+            <a:noFill/>
+          </a:ln>
+          <a:extLst>
+            <a:ext uri="{909E8E84-426E-40DD-AFC4-6F175D3DCCD1}">
+              <a14:hiddenFill xmlns:a14="http://schemas.microsoft.com/office/drawing/2010/main">
+                <a:solidFill>
+                  <a:srgbClr val="FFFFFF"/>
+                </a:solidFill>
+              </a14:hiddenFill>
+            </a:ext>
+            <a:ext uri="{91240B29-F687-4F45-9708-019B960494DF}">
+              <a14:hiddenLine xmlns:a14="http://schemas.microsoft.com/office/drawing/2010/main" w="9525">
+                <a:solidFill>
+                  <a:srgbClr val="000000"/>
+                </a:solidFill>
+                <a:miter lim="800000"/>
+                <a:headEnd/>
+                <a:tailEnd/>
+              </a14:hiddenLine>
+            </a:ext>
+          </a:extLst>
+        </p:spPr>
+        <p:txBody>
+          <a:bodyPr lIns="92075" tIns="46038" rIns="92075" bIns="46038" anchor="ctr"/>
+          <a:lstStyle>
+            <a:lvl1pPr>
+              <a:spcBef>
+                <a:spcPct val="20000"/>
+              </a:spcBef>
+              <a:buChar char="•"/>
+              <a:defRPr sz="3200">
+                <a:solidFill>
+                  <a:schemeClr val="tx1"/>
+                </a:solidFill>
+                <a:latin typeface="Times New Roman" panose="02020603050405020304" pitchFamily="18" charset="0"/>
+              </a:defRPr>
+            </a:lvl1pPr>
+            <a:lvl2pPr marL="742950" indent="-285750">
+              <a:spcBef>
+                <a:spcPct val="20000"/>
+              </a:spcBef>
+              <a:buChar char="–"/>
+              <a:defRPr sz="2800">
+                <a:solidFill>
+                  <a:schemeClr val="tx1"/>
+                </a:solidFill>
+                <a:latin typeface="Times New Roman" panose="02020603050405020304" pitchFamily="18" charset="0"/>
+              </a:defRPr>
+            </a:lvl2pPr>
+            <a:lvl3pPr marL="1143000" indent="-228600">
+              <a:spcBef>
+                <a:spcPct val="20000"/>
+              </a:spcBef>
+              <a:buChar char="•"/>
+              <a:defRPr sz="2400">
+                <a:solidFill>
+                  <a:schemeClr val="tx1"/>
+                </a:solidFill>
+                <a:latin typeface="Times New Roman" panose="02020603050405020304" pitchFamily="18" charset="0"/>
+              </a:defRPr>
+            </a:lvl3pPr>
+            <a:lvl4pPr marL="1600200" indent="-228600">
+              <a:spcBef>
+                <a:spcPct val="20000"/>
+              </a:spcBef>
+              <a:buChar char="–"/>
+              <a:defRPr sz="2000">
+                <a:solidFill>
+                  <a:schemeClr val="tx1"/>
+                </a:solidFill>
+                <a:latin typeface="Times New Roman" panose="02020603050405020304" pitchFamily="18" charset="0"/>
+              </a:defRPr>
+            </a:lvl4pPr>
+            <a:lvl5pPr marL="2057400" indent="-228600">
+              <a:spcBef>
+                <a:spcPct val="20000"/>
+              </a:spcBef>
+              <a:buChar char="»"/>
+              <a:defRPr sz="2000">
+                <a:solidFill>
+                  <a:schemeClr val="tx1"/>
+                </a:solidFill>
+                <a:latin typeface="Times New Roman" panose="02020603050405020304" pitchFamily="18" charset="0"/>
+              </a:defRPr>
+            </a:lvl5pPr>
+            <a:lvl6pPr marL="2514600" indent="-228600" eaLnBrk="0" fontAlgn="base" hangingPunct="0">
+              <a:spcBef>
+                <a:spcPct val="20000"/>
+              </a:spcBef>
+              <a:spcAft>
+                <a:spcPct val="0"/>
+              </a:spcAft>
+              <a:buChar char="»"/>
+              <a:defRPr sz="2000">
+                <a:solidFill>
+                  <a:schemeClr val="tx1"/>
+                </a:solidFill>
+                <a:latin typeface="Times New Roman" panose="02020603050405020304" pitchFamily="18" charset="0"/>
+              </a:defRPr>
+            </a:lvl6pPr>
+            <a:lvl7pPr marL="2971800" indent="-228600" eaLnBrk="0" fontAlgn="base" hangingPunct="0">
+              <a:spcBef>
+                <a:spcPct val="20000"/>
+              </a:spcBef>
+              <a:spcAft>
+                <a:spcPct val="0"/>
+              </a:spcAft>
+              <a:buChar char="»"/>
+              <a:defRPr sz="2000">
+                <a:solidFill>
+                  <a:schemeClr val="tx1"/>
+                </a:solidFill>
+                <a:latin typeface="Times New Roman" panose="02020603050405020304" pitchFamily="18" charset="0"/>
+              </a:defRPr>
+            </a:lvl7pPr>
+            <a:lvl8pPr marL="3429000" indent="-228600" eaLnBrk="0" fontAlgn="base" hangingPunct="0">
+              <a:spcBef>
+                <a:spcPct val="20000"/>
+              </a:spcBef>
+              <a:spcAft>
+                <a:spcPct val="0"/>
+              </a:spcAft>
+              <a:buChar char="»"/>
+              <a:defRPr sz="2000">
+                <a:solidFill>
+                  <a:schemeClr val="tx1"/>
+                </a:solidFill>
+                <a:latin typeface="Times New Roman" panose="02020603050405020304" pitchFamily="18" charset="0"/>
+              </a:defRPr>
+            </a:lvl8pPr>
+            <a:lvl9pPr marL="3886200" indent="-228600" eaLnBrk="0" fontAlgn="base" hangingPunct="0">
+              <a:spcBef>
+                <a:spcPct val="20000"/>
+              </a:spcBef>
+              <a:spcAft>
+                <a:spcPct val="0"/>
+              </a:spcAft>
+              <a:buChar char="»"/>
+              <a:defRPr sz="2000">
+                <a:solidFill>
+                  <a:schemeClr val="tx1"/>
+                </a:solidFill>
+                <a:latin typeface="Times New Roman" panose="02020603050405020304" pitchFamily="18" charset="0"/>
+              </a:defRPr>
+            </a:lvl9pPr>
+          </a:lstStyle>
+          <a:p>
+            <a:pPr eaLnBrk="1" hangingPunct="1">
+              <a:spcBef>
+                <a:spcPct val="0"/>
+              </a:spcBef>
+              <a:buFontTx/>
+              <a:buNone/>
+            </a:pPr>
+            <a:r>
+              <a:rPr lang="en-US" altLang="en-US" sz="4000">
+                <a:solidFill>
+                  <a:schemeClr val="bg1"/>
+                </a:solidFill>
+                <a:latin typeface="Arial" panose="020B0604020202020204" pitchFamily="34" charset="0"/>
+              </a:rPr>
+              <a:t>Aquifer Conductance (CC,CR,CV)</a:t>
+            </a:r>
+          </a:p>
+        </p:txBody>
+      </p:sp>
+      <p:pic>
+        <p:nvPicPr>
+          <p:cNvPr id="16398" name="Picture 17">
+            <a:extLst>
+              <a:ext uri="{FF2B5EF4-FFF2-40B4-BE49-F238E27FC236}">
+                <a16:creationId xmlns:a16="http://schemas.microsoft.com/office/drawing/2014/main" id="{91C5CC75-05F9-46C7-A982-4DA7DA332BB1}"/>
+              </a:ext>
+            </a:extLst>
+          </p:cNvPr>
+          <p:cNvPicPr>
+            <a:picLocks noChangeAspect="1" noChangeArrowheads="1"/>
+          </p:cNvPicPr>
+          <p:nvPr/>
+        </p:nvPicPr>
+        <p:blipFill>
+          <a:blip r:embed="rId2">
+            <a:extLst>
+              <a:ext uri="{28A0092B-C50C-407E-A947-70E740481C1C}">
+                <a14:useLocalDpi xmlns:a14="http://schemas.microsoft.com/office/drawing/2010/main" val="0"/>
+              </a:ext>
+            </a:extLst>
+          </a:blip>
+          <a:srcRect/>
+          <a:stretch>
+            <a:fillRect/>
+          </a:stretch>
+        </p:blipFill>
+        <p:spPr bwMode="auto">
+          <a:xfrm>
+            <a:off x="719138" y="4878388"/>
+            <a:ext cx="2863850" cy="938212"/>
+          </a:xfrm>
+          <a:prstGeom prst="rect">
+            <a:avLst/>
+          </a:prstGeom>
+          <a:noFill/>
+          <a:ln>
+            <a:noFill/>
+          </a:ln>
+          <a:extLst>
+            <a:ext uri="{909E8E84-426E-40DD-AFC4-6F175D3DCCD1}">
+              <a14:hiddenFill xmlns:a14="http://schemas.microsoft.com/office/drawing/2010/main">
+                <a:solidFill>
+                  <a:srgbClr val="FFFFFF"/>
+                </a:solidFill>
+              </a14:hiddenFill>
+            </a:ext>
+            <a:ext uri="{91240B29-F687-4F45-9708-019B960494DF}">
+              <a14:hiddenLine xmlns:a14="http://schemas.microsoft.com/office/drawing/2010/main" w="9525">
+                <a:solidFill>
+                  <a:srgbClr val="000000"/>
+                </a:solidFill>
+                <a:miter lim="800000"/>
+                <a:headEnd/>
+                <a:tailEnd/>
+              </a14:hiddenLine>
+            </a:ext>
+          </a:extLst>
+        </p:spPr>
+      </p:pic>
+      <p:pic>
+        <p:nvPicPr>
+          <p:cNvPr id="16399" name="Picture 18">
+            <a:extLst>
+              <a:ext uri="{FF2B5EF4-FFF2-40B4-BE49-F238E27FC236}">
+                <a16:creationId xmlns:a16="http://schemas.microsoft.com/office/drawing/2014/main" id="{4C8C6C9F-66C7-4D7D-B631-3B6248BACCA7}"/>
+              </a:ext>
+            </a:extLst>
+          </p:cNvPr>
+          <p:cNvPicPr>
+            <a:picLocks noChangeAspect="1" noChangeArrowheads="1"/>
+          </p:cNvPicPr>
+          <p:nvPr/>
+        </p:nvPicPr>
+        <p:blipFill>
+          <a:blip r:embed="rId3">
+            <a:extLst>
+              <a:ext uri="{28A0092B-C50C-407E-A947-70E740481C1C}">
+                <a14:useLocalDpi xmlns:a14="http://schemas.microsoft.com/office/drawing/2010/main" val="0"/>
+              </a:ext>
+            </a:extLst>
+          </a:blip>
+          <a:srcRect/>
+          <a:stretch>
+            <a:fillRect/>
+          </a:stretch>
+        </p:blipFill>
+        <p:spPr bwMode="auto">
+          <a:xfrm>
+            <a:off x="4502150" y="4965700"/>
+            <a:ext cx="3956050" cy="788988"/>
+          </a:xfrm>
+          <a:prstGeom prst="rect">
+            <a:avLst/>
+          </a:prstGeom>
+          <a:noFill/>
+          <a:ln>
+            <a:noFill/>
+          </a:ln>
+          <a:extLst>
+            <a:ext uri="{909E8E84-426E-40DD-AFC4-6F175D3DCCD1}">
+              <a14:hiddenFill xmlns:a14="http://schemas.microsoft.com/office/drawing/2010/main">
+                <a:solidFill>
+                  <a:srgbClr val="FFFFFF"/>
+                </a:solidFill>
+              </a14:hiddenFill>
+            </a:ext>
+            <a:ext uri="{91240B29-F687-4F45-9708-019B960494DF}">
+              <a14:hiddenLine xmlns:a14="http://schemas.microsoft.com/office/drawing/2010/main" w="9525">
+                <a:solidFill>
+                  <a:srgbClr val="000000"/>
+                </a:solidFill>
+                <a:miter lim="800000"/>
+                <a:headEnd/>
+                <a:tailEnd/>
+              </a14:hiddenLine>
+            </a:ext>
+          </a:extLst>
+        </p:spPr>
+      </p:pic>
+    </p:spTree>
+  </p:cSld>
+  <p:clrMapOvr>
+    <a:masterClrMapping/>
+  </p:clrMapOvr>
+</p:sld>
+</file>
+
+<file path=ppt/slides/slide3.xml><?xml version="1.0" encoding="utf-8"?>
+<p:sld xmlns:a="http://schemas.openxmlformats.org/drawingml/2006/main" xmlns:r="http://schemas.openxmlformats.org/officeDocument/2006/relationships" xmlns:p="http://schemas.openxmlformats.org/presentationml/2006/main">
+  <p:cSld>
+    <p:spTree>
+      <p:nvGrpSpPr>
+        <p:cNvPr id="1" name=""/>
+        <p:cNvGrpSpPr/>
+        <p:nvPr/>
+      </p:nvGrpSpPr>
+      <p:grpSpPr>
+        <a:xfrm>
+          <a:off x="0" y="0"/>
+          <a:ext cx="0" cy="0"/>
+          <a:chOff x="0" y="0"/>
+          <a:chExt cx="0" cy="0"/>
+        </a:xfrm>
+      </p:grpSpPr>
+      <p:sp>
+        <p:nvSpPr>
           <p:cNvPr id="17410" name="Rectangle 9">
             <a:extLst>
               <a:ext uri="{FF2B5EF4-FFF2-40B4-BE49-F238E27FC236}">
@@ -10276,7 +11053,7 @@
               <a:buFontTx/>
               <a:buNone/>
             </a:pPr>
-            <a:endParaRPr lang="en-US" altLang="en-US" sz="2500" i="1">
+            <a:endParaRPr lang="en-US" altLang="en-US" sz="2500" i="1" dirty="0">
               <a:solidFill>
                 <a:schemeClr val="bg2"/>
               </a:solidFill>
@@ -10290,7 +11067,7 @@
               <a:buFontTx/>
               <a:buNone/>
             </a:pPr>
-            <a:endParaRPr lang="en-US" altLang="en-US" sz="2500" i="1">
+            <a:endParaRPr lang="en-US" altLang="en-US" sz="2500" i="1" dirty="0">
               <a:solidFill>
                 <a:schemeClr val="bg2"/>
               </a:solidFill>
@@ -10304,7 +11081,7 @@
               <a:buFontTx/>
               <a:buNone/>
             </a:pPr>
-            <a:endParaRPr lang="en-US" altLang="en-US" sz="2500" i="1">
+            <a:endParaRPr lang="en-US" altLang="en-US" sz="2500" i="1" dirty="0">
               <a:solidFill>
                 <a:schemeClr val="bg2"/>
               </a:solidFill>
@@ -10318,7 +11095,7 @@
               <a:buFontTx/>
               <a:buNone/>
             </a:pPr>
-            <a:endParaRPr lang="en-US" altLang="en-US" sz="2500" i="1">
+            <a:endParaRPr lang="en-US" altLang="en-US" sz="2500" i="1" dirty="0">
               <a:solidFill>
                 <a:schemeClr val="bg2"/>
               </a:solidFill>
@@ -10332,7 +11109,7 @@
               <a:buFontTx/>
               <a:buNone/>
             </a:pPr>
-            <a:endParaRPr lang="en-US" altLang="en-US" sz="2500" i="1">
+            <a:endParaRPr lang="en-US" altLang="en-US" sz="2500" i="1" dirty="0">
               <a:solidFill>
                 <a:schemeClr val="bg2"/>
               </a:solidFill>
@@ -10346,9 +11123,29 @@
               <a:buFontTx/>
               <a:buNone/>
             </a:pPr>
+            <a:endParaRPr lang="en-US" altLang="en-US" sz="2500" i="1" dirty="0"/>
+          </a:p>
+          <a:p>
+            <a:pPr eaLnBrk="1" hangingPunct="1">
+              <a:spcBef>
+                <a:spcPct val="0"/>
+              </a:spcBef>
+              <a:buFontTx/>
+              <a:buNone/>
+            </a:pPr>
+            <a:endParaRPr lang="en-US" altLang="en-US" sz="2500" i="1" dirty="0"/>
+          </a:p>
+          <a:p>
+            <a:pPr eaLnBrk="1" hangingPunct="1">
+              <a:spcBef>
+                <a:spcPct val="0"/>
+              </a:spcBef>
+              <a:buFontTx/>
+              <a:buNone/>
+            </a:pPr>
             <a:r>
-              <a:rPr lang="en-US" altLang="en-US" sz="2500" i="1"/>
-              <a:t>Can be written as Ah=B  (Harbaugh, 2005)</a:t>
+              <a:rPr lang="en-US" altLang="en-US" sz="2500" i="1" dirty="0"/>
+              <a:t>	Can be written as Ah=B  (Harbaugh, 2005)</a:t>
             </a:r>
           </a:p>
         </p:txBody>
@@ -10586,17 +11383,23 @@
           <p:cNvGraphicFramePr>
             <a:graphicFrameLocks noChangeAspect="1"/>
           </p:cNvGraphicFramePr>
-          <p:nvPr/>
+          <p:nvPr>
+            <p:extLst>
+              <p:ext uri="{D42A27DB-BD31-4B8C-83A1-F6EECF244321}">
+                <p14:modId xmlns:p14="http://schemas.microsoft.com/office/powerpoint/2010/main" val="3191211649"/>
+              </p:ext>
+            </p:extLst>
+          </p:nvPr>
         </p:nvGraphicFramePr>
         <p:xfrm>
-          <a:off x="2782888" y="2333625"/>
+          <a:off x="609843" y="2362199"/>
           <a:ext cx="3154362" cy="1204913"/>
         </p:xfrm>
         <a:graphic>
           <a:graphicData uri="http://schemas.openxmlformats.org/presentationml/2006/ole">
             <mc:AlternateContent xmlns:mc="http://schemas.openxmlformats.org/markup-compatibility/2006">
               <mc:Choice xmlns:v="urn:schemas-microsoft-com:vml" Requires="v">
-                <p:oleObj spid="_x0000_s17440" name="Equation" r:id="rId3" imgW="1371600" imgH="520700" progId="Equation.3">
+                <p:oleObj spid="_x0000_s17462" name="Equation" r:id="rId3" imgW="1371600" imgH="520700" progId="Equation.3">
                   <p:embed/>
                 </p:oleObj>
               </mc:Choice>
@@ -10626,7 +11429,7 @@
                     </p:blipFill>
                     <p:spPr bwMode="auto">
                       <a:xfrm>
-                        <a:off x="2782888" y="2333625"/>
+                        <a:off x="609843" y="2362199"/>
                         <a:ext cx="3154362" cy="1204913"/>
                       </a:xfrm>
                       <a:prstGeom prst="rect">
@@ -10869,7 +11672,7 @@
           <a:graphicData uri="http://schemas.openxmlformats.org/presentationml/2006/ole">
             <mc:AlternateContent xmlns:mc="http://schemas.openxmlformats.org/markup-compatibility/2006">
               <mc:Choice xmlns:v="urn:schemas-microsoft-com:vml" Requires="v">
-                <p:oleObj spid="_x0000_s17441" name="Equation" r:id="rId5" imgW="5245100" imgH="736600" progId="Equation.3">
+                <p:oleObj spid="_x0000_s17463" name="Equation" r:id="rId5" imgW="5245100" imgH="736600" progId="Equation.3">
                   <p:embed/>
                 </p:oleObj>
               </mc:Choice>
@@ -10936,6 +11739,66 @@
           </a:graphicData>
         </a:graphic>
       </p:graphicFrame>
+      <p:pic>
+        <p:nvPicPr>
+          <p:cNvPr id="8" name="Picture 18">
+            <a:extLst>
+              <a:ext uri="{FF2B5EF4-FFF2-40B4-BE49-F238E27FC236}">
+                <a16:creationId xmlns:a16="http://schemas.microsoft.com/office/drawing/2014/main" id="{4D13BF8B-3FF5-440C-A932-5F8078AC70AD}"/>
+              </a:ext>
+            </a:extLst>
+          </p:cNvPr>
+          <p:cNvPicPr>
+            <a:picLocks noChangeAspect="1" noChangeArrowheads="1"/>
+          </p:cNvPicPr>
+          <p:nvPr/>
+        </p:nvPicPr>
+        <p:blipFill>
+          <a:blip r:embed="rId7">
+            <a:extLst>
+              <a:ext uri="{28A0092B-C50C-407E-A947-70E740481C1C}">
+                <a14:useLocalDpi xmlns:a14="http://schemas.microsoft.com/office/drawing/2010/main" val="0"/>
+              </a:ext>
+            </a:extLst>
+          </a:blip>
+          <a:srcRect/>
+          <a:stretch>
+            <a:fillRect/>
+          </a:stretch>
+        </p:blipFill>
+        <p:spPr bwMode="auto">
+          <a:xfrm>
+            <a:off x="4578107" y="2520949"/>
+            <a:ext cx="3956050" cy="788988"/>
+          </a:xfrm>
+          <a:prstGeom prst="rect">
+            <a:avLst/>
+          </a:prstGeom>
+          <a:noFill/>
+          <a:ln>
+            <a:noFill/>
+          </a:ln>
+          <a:extLst>
+            <a:ext uri="{909E8E84-426E-40DD-AFC4-6F175D3DCCD1}">
+              <a14:hiddenFill xmlns:a14="http://schemas.microsoft.com/office/drawing/2010/main">
+                <a:solidFill>
+                  <a:srgbClr val="FFFFFF"/>
+                </a:solidFill>
+              </a14:hiddenFill>
+            </a:ext>
+            <a:ext uri="{91240B29-F687-4F45-9708-019B960494DF}">
+              <a14:hiddenLine xmlns:a14="http://schemas.microsoft.com/office/drawing/2010/main" w="9525">
+                <a:solidFill>
+                  <a:srgbClr val="000000"/>
+                </a:solidFill>
+                <a:miter lim="800000"/>
+                <a:headEnd/>
+                <a:tailEnd/>
+              </a14:hiddenLine>
+            </a:ext>
+          </a:extLst>
+        </p:spPr>
+      </p:pic>
     </p:spTree>
   </p:cSld>
   <p:clrMapOvr>
@@ -10944,7 +11807,7 @@
 </p:sld>
 </file>
 
-<file path=ppt/slides/slide3.xml><?xml version="1.0" encoding="utf-8"?>
+<file path=ppt/slides/slide4.xml><?xml version="1.0" encoding="utf-8"?>
 <p:sld xmlns:a="http://schemas.openxmlformats.org/drawingml/2006/main" xmlns:r="http://schemas.openxmlformats.org/officeDocument/2006/relationships" xmlns:p="http://schemas.openxmlformats.org/presentationml/2006/main">
   <p:cSld>
     <p:spTree>
@@ -11847,7 +12710,7 @@
           <a:graphicData uri="http://schemas.openxmlformats.org/presentationml/2006/ole">
             <mc:AlternateContent xmlns:mc="http://schemas.openxmlformats.org/markup-compatibility/2006">
               <mc:Choice xmlns:v="urn:schemas-microsoft-com:vml" Requires="v">
-                <p:oleObj spid="_x0000_s18484" name="Equation" r:id="rId3" imgW="1130300" imgH="228600" progId="Equation.3">
+                <p:oleObj spid="_x0000_s18517" name="Equation" r:id="rId3" imgW="1130300" imgH="228600" progId="Equation.3">
                   <p:embed/>
                 </p:oleObj>
               </mc:Choice>
@@ -12318,7 +13181,7 @@
           <a:graphicData uri="http://schemas.openxmlformats.org/presentationml/2006/ole">
             <mc:AlternateContent xmlns:mc="http://schemas.openxmlformats.org/markup-compatibility/2006">
               <mc:Choice xmlns:v="urn:schemas-microsoft-com:vml" Requires="v">
-                <p:oleObj spid="_x0000_s18485" name="Equation" r:id="rId5" imgW="1040948" imgH="228501" progId="Equation.3">
+                <p:oleObj spid="_x0000_s18518" name="Equation" r:id="rId5" imgW="1040948" imgH="228501" progId="Equation.3">
                   <p:embed/>
                 </p:oleObj>
               </mc:Choice>
@@ -12782,7 +13645,7 @@
           <a:graphicData uri="http://schemas.openxmlformats.org/presentationml/2006/ole">
             <mc:AlternateContent xmlns:mc="http://schemas.openxmlformats.org/markup-compatibility/2006">
               <mc:Choice xmlns:v="urn:schemas-microsoft-com:vml" Requires="v">
-                <p:oleObj spid="_x0000_s18486" name="Equation" r:id="rId7" imgW="1892300" imgH="228600" progId="Equation.3">
+                <p:oleObj spid="_x0000_s18519" name="Equation" r:id="rId7" imgW="1892300" imgH="228600" progId="Equation.3">
                   <p:embed/>
                 </p:oleObj>
               </mc:Choice>
@@ -13233,860 +14096,6 @@
           </a:p>
         </p:txBody>
       </p:sp>
-    </p:spTree>
-  </p:cSld>
-  <p:clrMapOvr>
-    <a:masterClrMapping/>
-  </p:clrMapOvr>
-</p:sld>
-</file>
-
-<file path=ppt/slides/slide4.xml><?xml version="1.0" encoding="utf-8"?>
-<p:sld xmlns:a="http://schemas.openxmlformats.org/drawingml/2006/main" xmlns:r="http://schemas.openxmlformats.org/officeDocument/2006/relationships" xmlns:p="http://schemas.openxmlformats.org/presentationml/2006/main">
-  <p:cSld>
-    <p:spTree>
-      <p:nvGrpSpPr>
-        <p:cNvPr id="1" name=""/>
-        <p:cNvGrpSpPr/>
-        <p:nvPr/>
-      </p:nvGrpSpPr>
-      <p:grpSpPr>
-        <a:xfrm>
-          <a:off x="0" y="0"/>
-          <a:ext cx="0" cy="0"/>
-          <a:chOff x="0" y="0"/>
-          <a:chExt cx="0" cy="0"/>
-        </a:xfrm>
-      </p:grpSpPr>
-      <p:sp>
-        <p:nvSpPr>
-          <p:cNvPr id="19458" name="Rectangle 9">
-            <a:extLst>
-              <a:ext uri="{FF2B5EF4-FFF2-40B4-BE49-F238E27FC236}">
-                <a16:creationId xmlns:a16="http://schemas.microsoft.com/office/drawing/2014/main" id="{83D649A4-3F99-4E0B-88A7-64F2FD6EAEB7}"/>
-              </a:ext>
-            </a:extLst>
-          </p:cNvPr>
-          <p:cNvSpPr>
-            <a:spLocks noChangeArrowheads="1"/>
-          </p:cNvSpPr>
-          <p:nvPr/>
-        </p:nvSpPr>
-        <p:spPr bwMode="auto">
-          <a:xfrm>
-            <a:off x="0" y="2224088"/>
-            <a:ext cx="9144000" cy="4633912"/>
-          </a:xfrm>
-          <a:prstGeom prst="rect">
-            <a:avLst/>
-          </a:prstGeom>
-          <a:solidFill>
-            <a:schemeClr val="bg1"/>
-          </a:solidFill>
-          <a:ln>
-            <a:noFill/>
-          </a:ln>
-          <a:extLst>
-            <a:ext uri="{91240B29-F687-4F45-9708-019B960494DF}">
-              <a14:hiddenLine xmlns:a14="http://schemas.microsoft.com/office/drawing/2010/main" w="9525">
-                <a:solidFill>
-                  <a:srgbClr val="000000"/>
-                </a:solidFill>
-                <a:miter lim="800000"/>
-                <a:headEnd/>
-                <a:tailEnd/>
-              </a14:hiddenLine>
-            </a:ext>
-          </a:extLst>
-        </p:spPr>
-        <p:txBody>
-          <a:bodyPr wrap="none" anchor="ctr"/>
-          <a:lstStyle>
-            <a:lvl1pPr>
-              <a:spcBef>
-                <a:spcPct val="20000"/>
-              </a:spcBef>
-              <a:buChar char="•"/>
-              <a:defRPr sz="3200">
-                <a:solidFill>
-                  <a:schemeClr val="tx1"/>
-                </a:solidFill>
-                <a:latin typeface="Times New Roman" panose="02020603050405020304" pitchFamily="18" charset="0"/>
-              </a:defRPr>
-            </a:lvl1pPr>
-            <a:lvl2pPr marL="742950" indent="-285750">
-              <a:spcBef>
-                <a:spcPct val="20000"/>
-              </a:spcBef>
-              <a:buChar char="–"/>
-              <a:defRPr sz="2800">
-                <a:solidFill>
-                  <a:schemeClr val="tx1"/>
-                </a:solidFill>
-                <a:latin typeface="Times New Roman" panose="02020603050405020304" pitchFamily="18" charset="0"/>
-              </a:defRPr>
-            </a:lvl2pPr>
-            <a:lvl3pPr marL="1143000" indent="-228600">
-              <a:spcBef>
-                <a:spcPct val="20000"/>
-              </a:spcBef>
-              <a:buChar char="•"/>
-              <a:defRPr sz="2400">
-                <a:solidFill>
-                  <a:schemeClr val="tx1"/>
-                </a:solidFill>
-                <a:latin typeface="Times New Roman" panose="02020603050405020304" pitchFamily="18" charset="0"/>
-              </a:defRPr>
-            </a:lvl3pPr>
-            <a:lvl4pPr marL="1600200" indent="-228600">
-              <a:spcBef>
-                <a:spcPct val="20000"/>
-              </a:spcBef>
-              <a:buChar char="–"/>
-              <a:defRPr sz="2000">
-                <a:solidFill>
-                  <a:schemeClr val="tx1"/>
-                </a:solidFill>
-                <a:latin typeface="Times New Roman" panose="02020603050405020304" pitchFamily="18" charset="0"/>
-              </a:defRPr>
-            </a:lvl4pPr>
-            <a:lvl5pPr marL="2057400" indent="-228600">
-              <a:spcBef>
-                <a:spcPct val="20000"/>
-              </a:spcBef>
-              <a:buChar char="»"/>
-              <a:defRPr sz="2000">
-                <a:solidFill>
-                  <a:schemeClr val="tx1"/>
-                </a:solidFill>
-                <a:latin typeface="Times New Roman" panose="02020603050405020304" pitchFamily="18" charset="0"/>
-              </a:defRPr>
-            </a:lvl5pPr>
-            <a:lvl6pPr marL="2514600" indent="-228600" eaLnBrk="0" fontAlgn="base" hangingPunct="0">
-              <a:spcBef>
-                <a:spcPct val="20000"/>
-              </a:spcBef>
-              <a:spcAft>
-                <a:spcPct val="0"/>
-              </a:spcAft>
-              <a:buChar char="»"/>
-              <a:defRPr sz="2000">
-                <a:solidFill>
-                  <a:schemeClr val="tx1"/>
-                </a:solidFill>
-                <a:latin typeface="Times New Roman" panose="02020603050405020304" pitchFamily="18" charset="0"/>
-              </a:defRPr>
-            </a:lvl6pPr>
-            <a:lvl7pPr marL="2971800" indent="-228600" eaLnBrk="0" fontAlgn="base" hangingPunct="0">
-              <a:spcBef>
-                <a:spcPct val="20000"/>
-              </a:spcBef>
-              <a:spcAft>
-                <a:spcPct val="0"/>
-              </a:spcAft>
-              <a:buChar char="»"/>
-              <a:defRPr sz="2000">
-                <a:solidFill>
-                  <a:schemeClr val="tx1"/>
-                </a:solidFill>
-                <a:latin typeface="Times New Roman" panose="02020603050405020304" pitchFamily="18" charset="0"/>
-              </a:defRPr>
-            </a:lvl7pPr>
-            <a:lvl8pPr marL="3429000" indent="-228600" eaLnBrk="0" fontAlgn="base" hangingPunct="0">
-              <a:spcBef>
-                <a:spcPct val="20000"/>
-              </a:spcBef>
-              <a:spcAft>
-                <a:spcPct val="0"/>
-              </a:spcAft>
-              <a:buChar char="»"/>
-              <a:defRPr sz="2000">
-                <a:solidFill>
-                  <a:schemeClr val="tx1"/>
-                </a:solidFill>
-                <a:latin typeface="Times New Roman" panose="02020603050405020304" pitchFamily="18" charset="0"/>
-              </a:defRPr>
-            </a:lvl8pPr>
-            <a:lvl9pPr marL="3886200" indent="-228600" eaLnBrk="0" fontAlgn="base" hangingPunct="0">
-              <a:spcBef>
-                <a:spcPct val="20000"/>
-              </a:spcBef>
-              <a:spcAft>
-                <a:spcPct val="0"/>
-              </a:spcAft>
-              <a:buChar char="»"/>
-              <a:defRPr sz="2000">
-                <a:solidFill>
-                  <a:schemeClr val="tx1"/>
-                </a:solidFill>
-                <a:latin typeface="Times New Roman" panose="02020603050405020304" pitchFamily="18" charset="0"/>
-              </a:defRPr>
-            </a:lvl9pPr>
-          </a:lstStyle>
-          <a:p>
-            <a:pPr eaLnBrk="1" hangingPunct="1">
-              <a:spcBef>
-                <a:spcPct val="0"/>
-              </a:spcBef>
-              <a:buFontTx/>
-              <a:buNone/>
-            </a:pPr>
-            <a:endParaRPr lang="en-US" altLang="en-US" sz="2500" i="1">
-              <a:solidFill>
-                <a:schemeClr val="bg2"/>
-              </a:solidFill>
-            </a:endParaRPr>
-          </a:p>
-          <a:p>
-            <a:pPr eaLnBrk="1" hangingPunct="1">
-              <a:spcBef>
-                <a:spcPct val="0"/>
-              </a:spcBef>
-              <a:buFontTx/>
-              <a:buNone/>
-            </a:pPr>
-            <a:endParaRPr lang="en-US" altLang="en-US" sz="2500" i="1">
-              <a:solidFill>
-                <a:schemeClr val="bg2"/>
-              </a:solidFill>
-            </a:endParaRPr>
-          </a:p>
-          <a:p>
-            <a:pPr eaLnBrk="1" hangingPunct="1">
-              <a:spcBef>
-                <a:spcPct val="0"/>
-              </a:spcBef>
-              <a:buFontTx/>
-              <a:buNone/>
-            </a:pPr>
-            <a:endParaRPr lang="en-US" altLang="en-US" sz="2500" i="1">
-              <a:solidFill>
-                <a:schemeClr val="bg2"/>
-              </a:solidFill>
-            </a:endParaRPr>
-          </a:p>
-          <a:p>
-            <a:pPr eaLnBrk="1" hangingPunct="1">
-              <a:spcBef>
-                <a:spcPct val="0"/>
-              </a:spcBef>
-              <a:buFontTx/>
-              <a:buNone/>
-            </a:pPr>
-            <a:endParaRPr lang="en-US" altLang="en-US" sz="2500" i="1">
-              <a:solidFill>
-                <a:schemeClr val="bg2"/>
-              </a:solidFill>
-            </a:endParaRPr>
-          </a:p>
-          <a:p>
-            <a:pPr eaLnBrk="1" hangingPunct="1">
-              <a:spcBef>
-                <a:spcPct val="0"/>
-              </a:spcBef>
-              <a:buFontTx/>
-              <a:buNone/>
-            </a:pPr>
-            <a:endParaRPr lang="en-US" altLang="en-US" sz="2500" i="1">
-              <a:solidFill>
-                <a:schemeClr val="bg2"/>
-              </a:solidFill>
-            </a:endParaRPr>
-          </a:p>
-          <a:p>
-            <a:pPr eaLnBrk="1" hangingPunct="1">
-              <a:spcBef>
-                <a:spcPct val="0"/>
-              </a:spcBef>
-              <a:buFontTx/>
-              <a:buNone/>
-            </a:pPr>
-            <a:r>
-              <a:rPr lang="en-US" altLang="en-US" sz="2500" i="1"/>
-              <a:t>Can be written as Ah=B  (Harbaugh, 2005)</a:t>
-            </a:r>
-          </a:p>
-        </p:txBody>
-      </p:sp>
-      <p:sp>
-        <p:nvSpPr>
-          <p:cNvPr id="19459" name="Title 1">
-            <a:extLst>
-              <a:ext uri="{FF2B5EF4-FFF2-40B4-BE49-F238E27FC236}">
-                <a16:creationId xmlns:a16="http://schemas.microsoft.com/office/drawing/2014/main" id="{1C236FDD-5EB0-49BE-ADEB-DBF7C8C1E2F4}"/>
-              </a:ext>
-            </a:extLst>
-          </p:cNvPr>
-          <p:cNvSpPr>
-            <a:spLocks noGrp="1" noChangeArrowheads="1"/>
-          </p:cNvSpPr>
-          <p:nvPr>
-            <p:ph type="title"/>
-          </p:nvPr>
-        </p:nvSpPr>
-        <p:spPr/>
-        <p:txBody>
-          <a:bodyPr/>
-          <a:lstStyle/>
-          <a:p>
-            <a:pPr eaLnBrk="1" hangingPunct="1"/>
-            <a:r>
-              <a:rPr lang="en-US" altLang="en-US">
-                <a:solidFill>
-                  <a:schemeClr val="bg1"/>
-                </a:solidFill>
-              </a:rPr>
-              <a:t>Spatial Discretization</a:t>
-            </a:r>
-          </a:p>
-        </p:txBody>
-      </p:sp>
-      <p:sp>
-        <p:nvSpPr>
-          <p:cNvPr id="19460" name="Rectangle 2">
-            <a:extLst>
-              <a:ext uri="{FF2B5EF4-FFF2-40B4-BE49-F238E27FC236}">
-                <a16:creationId xmlns:a16="http://schemas.microsoft.com/office/drawing/2014/main" id="{EA402D0C-A387-4538-9491-87EDA59A52C8}"/>
-              </a:ext>
-            </a:extLst>
-          </p:cNvPr>
-          <p:cNvSpPr>
-            <a:spLocks noChangeArrowheads="1"/>
-          </p:cNvSpPr>
-          <p:nvPr/>
-        </p:nvSpPr>
-        <p:spPr bwMode="auto">
-          <a:xfrm>
-            <a:off x="0" y="0"/>
-            <a:ext cx="9144000" cy="0"/>
-          </a:xfrm>
-          <a:prstGeom prst="rect">
-            <a:avLst/>
-          </a:prstGeom>
-          <a:noFill/>
-          <a:ln>
-            <a:noFill/>
-          </a:ln>
-          <a:extLst>
-            <a:ext uri="{909E8E84-426E-40DD-AFC4-6F175D3DCCD1}">
-              <a14:hiddenFill xmlns:a14="http://schemas.microsoft.com/office/drawing/2010/main">
-                <a:solidFill>
-                  <a:srgbClr val="FFFFFF"/>
-                </a:solidFill>
-              </a14:hiddenFill>
-            </a:ext>
-            <a:ext uri="{91240B29-F687-4F45-9708-019B960494DF}">
-              <a14:hiddenLine xmlns:a14="http://schemas.microsoft.com/office/drawing/2010/main" w="9525">
-                <a:solidFill>
-                  <a:srgbClr val="000000"/>
-                </a:solidFill>
-                <a:miter lim="800000"/>
-                <a:headEnd/>
-                <a:tailEnd/>
-              </a14:hiddenLine>
-            </a:ext>
-          </a:extLst>
-        </p:spPr>
-        <p:txBody>
-          <a:bodyPr wrap="none" anchor="ctr">
-            <a:spAutoFit/>
-          </a:bodyPr>
-          <a:lstStyle>
-            <a:lvl1pPr>
-              <a:spcBef>
-                <a:spcPct val="20000"/>
-              </a:spcBef>
-              <a:buChar char="•"/>
-              <a:defRPr sz="3200">
-                <a:solidFill>
-                  <a:schemeClr val="tx1"/>
-                </a:solidFill>
-                <a:latin typeface="Times New Roman" panose="02020603050405020304" pitchFamily="18" charset="0"/>
-              </a:defRPr>
-            </a:lvl1pPr>
-            <a:lvl2pPr marL="742950" indent="-285750">
-              <a:spcBef>
-                <a:spcPct val="20000"/>
-              </a:spcBef>
-              <a:buChar char="–"/>
-              <a:defRPr sz="2800">
-                <a:solidFill>
-                  <a:schemeClr val="tx1"/>
-                </a:solidFill>
-                <a:latin typeface="Times New Roman" panose="02020603050405020304" pitchFamily="18" charset="0"/>
-              </a:defRPr>
-            </a:lvl2pPr>
-            <a:lvl3pPr marL="1143000" indent="-228600">
-              <a:spcBef>
-                <a:spcPct val="20000"/>
-              </a:spcBef>
-              <a:buChar char="•"/>
-              <a:defRPr sz="2400">
-                <a:solidFill>
-                  <a:schemeClr val="tx1"/>
-                </a:solidFill>
-                <a:latin typeface="Times New Roman" panose="02020603050405020304" pitchFamily="18" charset="0"/>
-              </a:defRPr>
-            </a:lvl3pPr>
-            <a:lvl4pPr marL="1600200" indent="-228600">
-              <a:spcBef>
-                <a:spcPct val="20000"/>
-              </a:spcBef>
-              <a:buChar char="–"/>
-              <a:defRPr sz="2000">
-                <a:solidFill>
-                  <a:schemeClr val="tx1"/>
-                </a:solidFill>
-                <a:latin typeface="Times New Roman" panose="02020603050405020304" pitchFamily="18" charset="0"/>
-              </a:defRPr>
-            </a:lvl4pPr>
-            <a:lvl5pPr marL="2057400" indent="-228600">
-              <a:spcBef>
-                <a:spcPct val="20000"/>
-              </a:spcBef>
-              <a:buChar char="»"/>
-              <a:defRPr sz="2000">
-                <a:solidFill>
-                  <a:schemeClr val="tx1"/>
-                </a:solidFill>
-                <a:latin typeface="Times New Roman" panose="02020603050405020304" pitchFamily="18" charset="0"/>
-              </a:defRPr>
-            </a:lvl5pPr>
-            <a:lvl6pPr marL="2514600" indent="-228600" eaLnBrk="0" fontAlgn="base" hangingPunct="0">
-              <a:spcBef>
-                <a:spcPct val="20000"/>
-              </a:spcBef>
-              <a:spcAft>
-                <a:spcPct val="0"/>
-              </a:spcAft>
-              <a:buChar char="»"/>
-              <a:defRPr sz="2000">
-                <a:solidFill>
-                  <a:schemeClr val="tx1"/>
-                </a:solidFill>
-                <a:latin typeface="Times New Roman" panose="02020603050405020304" pitchFamily="18" charset="0"/>
-              </a:defRPr>
-            </a:lvl6pPr>
-            <a:lvl7pPr marL="2971800" indent="-228600" eaLnBrk="0" fontAlgn="base" hangingPunct="0">
-              <a:spcBef>
-                <a:spcPct val="20000"/>
-              </a:spcBef>
-              <a:spcAft>
-                <a:spcPct val="0"/>
-              </a:spcAft>
-              <a:buChar char="»"/>
-              <a:defRPr sz="2000">
-                <a:solidFill>
-                  <a:schemeClr val="tx1"/>
-                </a:solidFill>
-                <a:latin typeface="Times New Roman" panose="02020603050405020304" pitchFamily="18" charset="0"/>
-              </a:defRPr>
-            </a:lvl7pPr>
-            <a:lvl8pPr marL="3429000" indent="-228600" eaLnBrk="0" fontAlgn="base" hangingPunct="0">
-              <a:spcBef>
-                <a:spcPct val="20000"/>
-              </a:spcBef>
-              <a:spcAft>
-                <a:spcPct val="0"/>
-              </a:spcAft>
-              <a:buChar char="»"/>
-              <a:defRPr sz="2000">
-                <a:solidFill>
-                  <a:schemeClr val="tx1"/>
-                </a:solidFill>
-                <a:latin typeface="Times New Roman" panose="02020603050405020304" pitchFamily="18" charset="0"/>
-              </a:defRPr>
-            </a:lvl8pPr>
-            <a:lvl9pPr marL="3886200" indent="-228600" eaLnBrk="0" fontAlgn="base" hangingPunct="0">
-              <a:spcBef>
-                <a:spcPct val="20000"/>
-              </a:spcBef>
-              <a:spcAft>
-                <a:spcPct val="0"/>
-              </a:spcAft>
-              <a:buChar char="»"/>
-              <a:defRPr sz="2000">
-                <a:solidFill>
-                  <a:schemeClr val="tx1"/>
-                </a:solidFill>
-                <a:latin typeface="Times New Roman" panose="02020603050405020304" pitchFamily="18" charset="0"/>
-              </a:defRPr>
-            </a:lvl9pPr>
-          </a:lstStyle>
-          <a:p>
-            <a:pPr eaLnBrk="1" hangingPunct="1">
-              <a:spcBef>
-                <a:spcPct val="0"/>
-              </a:spcBef>
-              <a:buFontTx/>
-              <a:buNone/>
-            </a:pPr>
-            <a:endParaRPr lang="en-US" altLang="en-US" sz="2500" i="1"/>
-          </a:p>
-        </p:txBody>
-      </p:sp>
-      <p:graphicFrame>
-        <p:nvGraphicFramePr>
-          <p:cNvPr id="19461" name="Object 1">
-            <a:extLst>
-              <a:ext uri="{FF2B5EF4-FFF2-40B4-BE49-F238E27FC236}">
-                <a16:creationId xmlns:a16="http://schemas.microsoft.com/office/drawing/2014/main" id="{1642E739-954E-4BAB-82E9-DCA0FD345B0D}"/>
-              </a:ext>
-            </a:extLst>
-          </p:cNvPr>
-          <p:cNvGraphicFramePr>
-            <a:graphicFrameLocks noChangeAspect="1"/>
-          </p:cNvGraphicFramePr>
-          <p:nvPr/>
-        </p:nvGraphicFramePr>
-        <p:xfrm>
-          <a:off x="2782888" y="2333625"/>
-          <a:ext cx="3154362" cy="1204913"/>
-        </p:xfrm>
-        <a:graphic>
-          <a:graphicData uri="http://schemas.openxmlformats.org/presentationml/2006/ole">
-            <mc:AlternateContent xmlns:mc="http://schemas.openxmlformats.org/markup-compatibility/2006">
-              <mc:Choice xmlns:v="urn:schemas-microsoft-com:vml" Requires="v">
-                <p:oleObj spid="_x0000_s19488" name="Equation" r:id="rId3" imgW="1371600" imgH="520700" progId="Equation.3">
-                  <p:embed/>
-                </p:oleObj>
-              </mc:Choice>
-              <mc:Fallback>
-                <p:oleObj name="Equation" r:id="rId3" imgW="1371600" imgH="520700" progId="Equation.3">
-                  <p:embed/>
-                  <p:pic>
-                    <p:nvPicPr>
-                      <p:cNvPr id="0" name="Object 1"/>
-                      <p:cNvPicPr>
-                        <a:picLocks noChangeAspect="1" noChangeArrowheads="1"/>
-                      </p:cNvPicPr>
-                      <p:nvPr/>
-                    </p:nvPicPr>
-                    <p:blipFill>
-                      <a:blip r:embed="rId4">
-                        <a:extLst>
-                          <a:ext uri="{28A0092B-C50C-407E-A947-70E740481C1C}">
-                            <a14:useLocalDpi xmlns:a14="http://schemas.microsoft.com/office/drawing/2010/main" val="0"/>
-                          </a:ext>
-                        </a:extLst>
-                      </a:blip>
-                      <a:srcRect/>
-                      <a:stretch>
-                        <a:fillRect/>
-                      </a:stretch>
-                    </p:blipFill>
-                    <p:spPr bwMode="auto">
-                      <a:xfrm>
-                        <a:off x="2782888" y="2333625"/>
-                        <a:ext cx="3154362" cy="1204913"/>
-                      </a:xfrm>
-                      <a:prstGeom prst="rect">
-                        <a:avLst/>
-                      </a:prstGeom>
-                      <a:noFill/>
-                      <a:ln>
-                        <a:noFill/>
-                      </a:ln>
-                      <a:extLst>
-                        <a:ext uri="{909E8E84-426E-40DD-AFC4-6F175D3DCCD1}">
-                          <a14:hiddenFill xmlns:a14="http://schemas.microsoft.com/office/drawing/2010/main">
-                            <a:solidFill>
-                              <a:srgbClr val="FFFFFF"/>
-                            </a:solidFill>
-                          </a14:hiddenFill>
-                        </a:ext>
-                        <a:ext uri="{91240B29-F687-4F45-9708-019B960494DF}">
-                          <a14:hiddenLine xmlns:a14="http://schemas.microsoft.com/office/drawing/2010/main" w="9525">
-                            <a:solidFill>
-                              <a:srgbClr val="000000"/>
-                            </a:solidFill>
-                            <a:miter lim="800000"/>
-                            <a:headEnd/>
-                            <a:tailEnd/>
-                          </a14:hiddenLine>
-                        </a:ext>
-                      </a:extLst>
-                    </p:spPr>
-                  </p:pic>
-                </p:oleObj>
-              </mc:Fallback>
-            </mc:AlternateContent>
-          </a:graphicData>
-        </a:graphic>
-      </p:graphicFrame>
-      <p:sp>
-        <p:nvSpPr>
-          <p:cNvPr id="19462" name="Rectangle 4">
-            <a:extLst>
-              <a:ext uri="{FF2B5EF4-FFF2-40B4-BE49-F238E27FC236}">
-                <a16:creationId xmlns:a16="http://schemas.microsoft.com/office/drawing/2014/main" id="{527DF81E-3F7A-4B02-BFB7-5FD9A00EB108}"/>
-              </a:ext>
-            </a:extLst>
-          </p:cNvPr>
-          <p:cNvSpPr>
-            <a:spLocks noChangeArrowheads="1"/>
-          </p:cNvSpPr>
-          <p:nvPr/>
-        </p:nvSpPr>
-        <p:spPr bwMode="auto">
-          <a:xfrm>
-            <a:off x="0" y="0"/>
-            <a:ext cx="9144000" cy="0"/>
-          </a:xfrm>
-          <a:prstGeom prst="rect">
-            <a:avLst/>
-          </a:prstGeom>
-          <a:noFill/>
-          <a:ln>
-            <a:noFill/>
-          </a:ln>
-          <a:extLst>
-            <a:ext uri="{909E8E84-426E-40DD-AFC4-6F175D3DCCD1}">
-              <a14:hiddenFill xmlns:a14="http://schemas.microsoft.com/office/drawing/2010/main">
-                <a:solidFill>
-                  <a:srgbClr val="FFFFFF"/>
-                </a:solidFill>
-              </a14:hiddenFill>
-            </a:ext>
-            <a:ext uri="{91240B29-F687-4F45-9708-019B960494DF}">
-              <a14:hiddenLine xmlns:a14="http://schemas.microsoft.com/office/drawing/2010/main" w="9525">
-                <a:solidFill>
-                  <a:srgbClr val="000000"/>
-                </a:solidFill>
-                <a:miter lim="800000"/>
-                <a:headEnd/>
-                <a:tailEnd/>
-              </a14:hiddenLine>
-            </a:ext>
-          </a:extLst>
-        </p:spPr>
-        <p:txBody>
-          <a:bodyPr wrap="none" anchor="ctr">
-            <a:spAutoFit/>
-          </a:bodyPr>
-          <a:lstStyle>
-            <a:lvl1pPr>
-              <a:spcBef>
-                <a:spcPct val="20000"/>
-              </a:spcBef>
-              <a:buChar char="•"/>
-              <a:defRPr sz="3200">
-                <a:solidFill>
-                  <a:schemeClr val="tx1"/>
-                </a:solidFill>
-                <a:latin typeface="Times New Roman" panose="02020603050405020304" pitchFamily="18" charset="0"/>
-              </a:defRPr>
-            </a:lvl1pPr>
-            <a:lvl2pPr marL="742950" indent="-285750">
-              <a:spcBef>
-                <a:spcPct val="20000"/>
-              </a:spcBef>
-              <a:buChar char="–"/>
-              <a:defRPr sz="2800">
-                <a:solidFill>
-                  <a:schemeClr val="tx1"/>
-                </a:solidFill>
-                <a:latin typeface="Times New Roman" panose="02020603050405020304" pitchFamily="18" charset="0"/>
-              </a:defRPr>
-            </a:lvl2pPr>
-            <a:lvl3pPr marL="1143000" indent="-228600">
-              <a:spcBef>
-                <a:spcPct val="20000"/>
-              </a:spcBef>
-              <a:buChar char="•"/>
-              <a:defRPr sz="2400">
-                <a:solidFill>
-                  <a:schemeClr val="tx1"/>
-                </a:solidFill>
-                <a:latin typeface="Times New Roman" panose="02020603050405020304" pitchFamily="18" charset="0"/>
-              </a:defRPr>
-            </a:lvl3pPr>
-            <a:lvl4pPr marL="1600200" indent="-228600">
-              <a:spcBef>
-                <a:spcPct val="20000"/>
-              </a:spcBef>
-              <a:buChar char="–"/>
-              <a:defRPr sz="2000">
-                <a:solidFill>
-                  <a:schemeClr val="tx1"/>
-                </a:solidFill>
-                <a:latin typeface="Times New Roman" panose="02020603050405020304" pitchFamily="18" charset="0"/>
-              </a:defRPr>
-            </a:lvl4pPr>
-            <a:lvl5pPr marL="2057400" indent="-228600">
-              <a:spcBef>
-                <a:spcPct val="20000"/>
-              </a:spcBef>
-              <a:buChar char="»"/>
-              <a:defRPr sz="2000">
-                <a:solidFill>
-                  <a:schemeClr val="tx1"/>
-                </a:solidFill>
-                <a:latin typeface="Times New Roman" panose="02020603050405020304" pitchFamily="18" charset="0"/>
-              </a:defRPr>
-            </a:lvl5pPr>
-            <a:lvl6pPr marL="2514600" indent="-228600" eaLnBrk="0" fontAlgn="base" hangingPunct="0">
-              <a:spcBef>
-                <a:spcPct val="20000"/>
-              </a:spcBef>
-              <a:spcAft>
-                <a:spcPct val="0"/>
-              </a:spcAft>
-              <a:buChar char="»"/>
-              <a:defRPr sz="2000">
-                <a:solidFill>
-                  <a:schemeClr val="tx1"/>
-                </a:solidFill>
-                <a:latin typeface="Times New Roman" panose="02020603050405020304" pitchFamily="18" charset="0"/>
-              </a:defRPr>
-            </a:lvl6pPr>
-            <a:lvl7pPr marL="2971800" indent="-228600" eaLnBrk="0" fontAlgn="base" hangingPunct="0">
-              <a:spcBef>
-                <a:spcPct val="20000"/>
-              </a:spcBef>
-              <a:spcAft>
-                <a:spcPct val="0"/>
-              </a:spcAft>
-              <a:buChar char="»"/>
-              <a:defRPr sz="2000">
-                <a:solidFill>
-                  <a:schemeClr val="tx1"/>
-                </a:solidFill>
-                <a:latin typeface="Times New Roman" panose="02020603050405020304" pitchFamily="18" charset="0"/>
-              </a:defRPr>
-            </a:lvl7pPr>
-            <a:lvl8pPr marL="3429000" indent="-228600" eaLnBrk="0" fontAlgn="base" hangingPunct="0">
-              <a:spcBef>
-                <a:spcPct val="20000"/>
-              </a:spcBef>
-              <a:spcAft>
-                <a:spcPct val="0"/>
-              </a:spcAft>
-              <a:buChar char="»"/>
-              <a:defRPr sz="2000">
-                <a:solidFill>
-                  <a:schemeClr val="tx1"/>
-                </a:solidFill>
-                <a:latin typeface="Times New Roman" panose="02020603050405020304" pitchFamily="18" charset="0"/>
-              </a:defRPr>
-            </a:lvl8pPr>
-            <a:lvl9pPr marL="3886200" indent="-228600" eaLnBrk="0" fontAlgn="base" hangingPunct="0">
-              <a:spcBef>
-                <a:spcPct val="20000"/>
-              </a:spcBef>
-              <a:spcAft>
-                <a:spcPct val="0"/>
-              </a:spcAft>
-              <a:buChar char="»"/>
-              <a:defRPr sz="2000">
-                <a:solidFill>
-                  <a:schemeClr val="tx1"/>
-                </a:solidFill>
-                <a:latin typeface="Times New Roman" panose="02020603050405020304" pitchFamily="18" charset="0"/>
-              </a:defRPr>
-            </a:lvl9pPr>
-          </a:lstStyle>
-          <a:p>
-            <a:pPr eaLnBrk="1" hangingPunct="1">
-              <a:spcBef>
-                <a:spcPct val="0"/>
-              </a:spcBef>
-              <a:buFontTx/>
-              <a:buNone/>
-            </a:pPr>
-            <a:endParaRPr lang="en-US" altLang="en-US" sz="2500" i="1"/>
-          </a:p>
-        </p:txBody>
-      </p:sp>
-      <p:graphicFrame>
-        <p:nvGraphicFramePr>
-          <p:cNvPr id="19463" name="Object 3">
-            <a:extLst>
-              <a:ext uri="{FF2B5EF4-FFF2-40B4-BE49-F238E27FC236}">
-                <a16:creationId xmlns:a16="http://schemas.microsoft.com/office/drawing/2014/main" id="{4AB26330-48EF-45A9-8ABB-917FFFD9A847}"/>
-              </a:ext>
-            </a:extLst>
-          </p:cNvPr>
-          <p:cNvGraphicFramePr>
-            <a:graphicFrameLocks noChangeAspect="1"/>
-          </p:cNvGraphicFramePr>
-          <p:nvPr/>
-        </p:nvGraphicFramePr>
-        <p:xfrm>
-          <a:off x="555625" y="3940175"/>
-          <a:ext cx="8355013" cy="1168400"/>
-        </p:xfrm>
-        <a:graphic>
-          <a:graphicData uri="http://schemas.openxmlformats.org/presentationml/2006/ole">
-            <mc:AlternateContent xmlns:mc="http://schemas.openxmlformats.org/markup-compatibility/2006">
-              <mc:Choice xmlns:v="urn:schemas-microsoft-com:vml" Requires="v">
-                <p:oleObj spid="_x0000_s19489" name="Equation" r:id="rId5" imgW="5245100" imgH="736600" progId="Equation.3">
-                  <p:embed/>
-                </p:oleObj>
-              </mc:Choice>
-              <mc:Fallback>
-                <p:oleObj name="Equation" r:id="rId5" imgW="5245100" imgH="736600" progId="Equation.3">
-                  <p:embed/>
-                  <p:pic>
-                    <p:nvPicPr>
-                      <p:cNvPr id="0" name="Object 3"/>
-                      <p:cNvPicPr>
-                        <a:picLocks noChangeAspect="1" noChangeArrowheads="1"/>
-                      </p:cNvPicPr>
-                      <p:nvPr/>
-                    </p:nvPicPr>
-                    <p:blipFill>
-                      <a:blip r:embed="rId6">
-                        <a:extLst>
-                          <a:ext uri="{28A0092B-C50C-407E-A947-70E740481C1C}">
-                            <a14:useLocalDpi xmlns:a14="http://schemas.microsoft.com/office/drawing/2010/main" val="0"/>
-                          </a:ext>
-                        </a:extLst>
-                      </a:blip>
-                      <a:srcRect/>
-                      <a:stretch>
-                        <a:fillRect/>
-                      </a:stretch>
-                    </p:blipFill>
-                    <p:spPr bwMode="auto">
-                      <a:xfrm>
-                        <a:off x="555625" y="3940175"/>
-                        <a:ext cx="8355013" cy="1168400"/>
-                      </a:xfrm>
-                      <a:prstGeom prst="rect">
-                        <a:avLst/>
-                      </a:prstGeom>
-                      <a:noFill/>
-                      <a:ln>
-                        <a:noFill/>
-                      </a:ln>
-                      <a:extLst>
-                        <a:ext uri="{909E8E84-426E-40DD-AFC4-6F175D3DCCD1}">
-                          <a14:hiddenFill xmlns:a14="http://schemas.microsoft.com/office/drawing/2010/main">
-                            <a:solidFill>
-                              <a:srgbClr val="FFFFFF"/>
-                            </a:solidFill>
-                          </a14:hiddenFill>
-                        </a:ext>
-                        <a:ext uri="{91240B29-F687-4F45-9708-019B960494DF}">
-                          <a14:hiddenLine xmlns:a14="http://schemas.microsoft.com/office/drawing/2010/main" w="9525">
-                            <a:solidFill>
-                              <a:srgbClr val="000000"/>
-                            </a:solidFill>
-                            <a:miter lim="800000"/>
-                            <a:headEnd/>
-                            <a:tailEnd/>
-                          </a14:hiddenLine>
-                        </a:ext>
-                      </a:extLst>
-                    </p:spPr>
-                  </p:pic>
-                </p:oleObj>
-              </mc:Fallback>
-            </mc:AlternateContent>
-          </a:graphicData>
-        </a:graphic>
-      </p:graphicFrame>
     </p:spTree>
   </p:cSld>
   <p:clrMapOvr>
@@ -17647,7 +17656,7 @@
           <a:graphicData uri="http://schemas.openxmlformats.org/presentationml/2006/ole">
             <mc:AlternateContent xmlns:mc="http://schemas.openxmlformats.org/markup-compatibility/2006">
               <mc:Choice xmlns:v="urn:schemas-microsoft-com:vml" Requires="v">
-                <p:oleObj spid="_x0000_s45071" name="Equation" r:id="rId4" imgW="2197100" imgH="469900" progId="Equation.3">
+                <p:oleObj spid="_x0000_s45082" name="Equation" r:id="rId4" imgW="2197100" imgH="469900" progId="Equation.3">
                   <p:embed/>
                 </p:oleObj>
               </mc:Choice>
@@ -20674,134 +20683,345 @@
       </p:grpSpPr>
       <p:sp>
         <p:nvSpPr>
-          <p:cNvPr id="2" name="Title 1"/>
+          <p:cNvPr id="13315" name="Rectangle 6"/>
           <p:cNvSpPr>
-            <a:spLocks noGrp="1"/>
+            <a:spLocks noChangeArrowheads="1"/>
           </p:cNvSpPr>
-          <p:nvPr>
-            <p:ph type="title"/>
-          </p:nvPr>
+          <p:nvPr/>
         </p:nvSpPr>
-        <p:spPr/>
+        <p:spPr bwMode="auto">
+          <a:xfrm>
+            <a:off x="693584" y="323850"/>
+            <a:ext cx="7772400" cy="1143000"/>
+          </a:xfrm>
+          <a:prstGeom prst="rect">
+            <a:avLst/>
+          </a:prstGeom>
+          <a:noFill/>
+          <a:ln>
+            <a:noFill/>
+          </a:ln>
+          <a:extLst>
+            <a:ext uri="{909E8E84-426E-40DD-AFC4-6F175D3DCCD1}">
+              <a14:hiddenFill xmlns:a14="http://schemas.microsoft.com/office/drawing/2010/main">
+                <a:solidFill>
+                  <a:srgbClr val="FFFFFF"/>
+                </a:solidFill>
+              </a14:hiddenFill>
+            </a:ext>
+            <a:ext uri="{91240B29-F687-4F45-9708-019B960494DF}">
+              <a14:hiddenLine xmlns:a14="http://schemas.microsoft.com/office/drawing/2010/main" w="9525">
+                <a:solidFill>
+                  <a:srgbClr val="000000"/>
+                </a:solidFill>
+                <a:miter lim="800000"/>
+                <a:headEnd/>
+                <a:tailEnd/>
+              </a14:hiddenLine>
+            </a:ext>
+          </a:extLst>
+        </p:spPr>
         <p:txBody>
-          <a:bodyPr/>
+          <a:bodyPr lIns="92075" tIns="46038" rIns="92075" bIns="46038" anchor="ctr"/>
           <a:lstStyle/>
           <a:p>
-            <a:pPr eaLnBrk="1" hangingPunct="1">
-              <a:defRPr/>
+            <a:pPr algn="ctr" fontAlgn="base">
+              <a:spcBef>
+                <a:spcPct val="0"/>
+              </a:spcBef>
+              <a:spcAft>
+                <a:spcPct val="0"/>
+              </a:spcAft>
             </a:pPr>
             <a:r>
-              <a:rPr lang="en-US" dirty="0">
-                <a:solidFill>
-                  <a:schemeClr val="bg1"/>
-                </a:solidFill>
+              <a:rPr lang="en-US" sz="4000" b="1" dirty="0">
+                <a:solidFill>
+                  <a:prstClr val="white"/>
+                </a:solidFill>
+                <a:latin typeface="Tekton Pro" pitchFamily="34" charset="0"/>
               </a:rPr>
-              <a:t>Newton Solver for MODFLOW</a:t>
+              <a:t>MODFLOW-NWT—GW Engine for GSFLOW</a:t>
             </a:r>
+            <a:endParaRPr lang="en-US" sz="4000" dirty="0">
+              <a:solidFill>
+                <a:prstClr val="white"/>
+              </a:solidFill>
+              <a:latin typeface="Tekton Pro" pitchFamily="34" charset="0"/>
+            </a:endParaRPr>
           </a:p>
         </p:txBody>
       </p:sp>
       <p:sp>
         <p:nvSpPr>
-          <p:cNvPr id="23555" name="Content Placeholder 2"/>
-          <p:cNvSpPr>
-            <a:spLocks noGrp="1"/>
-          </p:cNvSpPr>
-          <p:nvPr>
-            <p:ph idx="1"/>
-          </p:nvPr>
+          <p:cNvPr id="2" name="TextBox 1"/>
+          <p:cNvSpPr txBox="1"/>
+          <p:nvPr/>
         </p:nvSpPr>
-        <p:spPr/>
+        <p:spPr>
+          <a:xfrm>
+            <a:off x="508853" y="2398931"/>
+            <a:ext cx="184731" cy="954107"/>
+          </a:xfrm>
+          <a:prstGeom prst="rect">
+            <a:avLst/>
+          </a:prstGeom>
+          <a:noFill/>
+        </p:spPr>
         <p:txBody>
-          <a:bodyPr/>
+          <a:bodyPr wrap="none" rtlCol="0">
+            <a:spAutoFit/>
+          </a:bodyPr>
           <a:lstStyle/>
           <a:p>
-            <a:pPr eaLnBrk="1" hangingPunct="1"/>
+            <a:endParaRPr lang="en-US" sz="2800" dirty="0">
+              <a:solidFill>
+                <a:srgbClr val="FFFF00"/>
+              </a:solidFill>
+              <a:latin typeface="Arial" charset="0"/>
+            </a:endParaRPr>
+          </a:p>
+          <a:p>
+            <a:endParaRPr lang="en-US" sz="2800" dirty="0"/>
+          </a:p>
+        </p:txBody>
+      </p:sp>
+      <p:pic>
+        <p:nvPicPr>
+          <p:cNvPr id="3075" name="Picture 3"/>
+          <p:cNvPicPr>
+            <a:picLocks noChangeAspect="1" noChangeArrowheads="1"/>
+          </p:cNvPicPr>
+          <p:nvPr/>
+        </p:nvPicPr>
+        <p:blipFill rotWithShape="1">
+          <a:blip r:embed="rId3">
+            <a:extLst>
+              <a:ext uri="{28A0092B-C50C-407E-A947-70E740481C1C}">
+                <a14:useLocalDpi xmlns:a14="http://schemas.microsoft.com/office/drawing/2010/main" val="0"/>
+              </a:ext>
+            </a:extLst>
+          </a:blip>
+          <a:srcRect l="10313" t="31000" r="50000" b="33000"/>
+          <a:stretch/>
+        </p:blipFill>
+        <p:spPr bwMode="auto">
+          <a:xfrm>
+            <a:off x="-1" y="3286661"/>
+            <a:ext cx="4776571" cy="2849491"/>
+          </a:xfrm>
+          <a:prstGeom prst="rect">
+            <a:avLst/>
+          </a:prstGeom>
+          <a:noFill/>
+          <a:ln>
+            <a:noFill/>
+          </a:ln>
+          <a:effectLst/>
+          <a:extLst>
+            <a:ext uri="{909E8E84-426E-40DD-AFC4-6F175D3DCCD1}">
+              <a14:hiddenFill xmlns:a14="http://schemas.microsoft.com/office/drawing/2010/main">
+                <a:solidFill>
+                  <a:schemeClr val="accent1"/>
+                </a:solidFill>
+              </a14:hiddenFill>
+            </a:ext>
+            <a:ext uri="{91240B29-F687-4F45-9708-019B960494DF}">
+              <a14:hiddenLine xmlns:a14="http://schemas.microsoft.com/office/drawing/2010/main" w="9525">
+                <a:solidFill>
+                  <a:schemeClr val="tx1"/>
+                </a:solidFill>
+                <a:miter lim="800000"/>
+                <a:headEnd/>
+                <a:tailEnd/>
+              </a14:hiddenLine>
+            </a:ext>
+            <a:ext uri="{AF507438-7753-43E0-B8FC-AC1667EBCBE1}">
+              <a14:hiddenEffects xmlns:a14="http://schemas.microsoft.com/office/drawing/2010/main">
+                <a:effectLst>
+                  <a:outerShdw dist="35921" dir="2700000" algn="ctr" rotWithShape="0">
+                    <a:schemeClr val="bg2"/>
+                  </a:outerShdw>
+                </a:effectLst>
+              </a14:hiddenEffects>
+            </a:ext>
+          </a:extLst>
+        </p:spPr>
+      </p:pic>
+      <p:pic>
+        <p:nvPicPr>
+          <p:cNvPr id="3076" name="Picture 4"/>
+          <p:cNvPicPr>
+            <a:picLocks noChangeAspect="1" noChangeArrowheads="1"/>
+          </p:cNvPicPr>
+          <p:nvPr/>
+        </p:nvPicPr>
+        <p:blipFill rotWithShape="1">
+          <a:blip r:embed="rId4">
+            <a:extLst>
+              <a:ext uri="{28A0092B-C50C-407E-A947-70E740481C1C}">
+                <a14:useLocalDpi xmlns:a14="http://schemas.microsoft.com/office/drawing/2010/main" val="0"/>
+              </a:ext>
+            </a:extLst>
+          </a:blip>
+          <a:srcRect l="52222" t="26921" r="8730" b="31556"/>
+          <a:stretch/>
+        </p:blipFill>
+        <p:spPr bwMode="auto">
+          <a:xfrm>
+            <a:off x="4776570" y="3286661"/>
+            <a:ext cx="4367429" cy="2849491"/>
+          </a:xfrm>
+          <a:prstGeom prst="rect">
+            <a:avLst/>
+          </a:prstGeom>
+          <a:noFill/>
+          <a:ln>
+            <a:noFill/>
+          </a:ln>
+          <a:effectLst/>
+          <a:extLst>
+            <a:ext uri="{909E8E84-426E-40DD-AFC4-6F175D3DCCD1}">
+              <a14:hiddenFill xmlns:a14="http://schemas.microsoft.com/office/drawing/2010/main">
+                <a:solidFill>
+                  <a:schemeClr val="accent1"/>
+                </a:solidFill>
+              </a14:hiddenFill>
+            </a:ext>
+            <a:ext uri="{91240B29-F687-4F45-9708-019B960494DF}">
+              <a14:hiddenLine xmlns:a14="http://schemas.microsoft.com/office/drawing/2010/main" w="9525">
+                <a:solidFill>
+                  <a:schemeClr val="tx1"/>
+                </a:solidFill>
+                <a:miter lim="800000"/>
+                <a:headEnd/>
+                <a:tailEnd/>
+              </a14:hiddenLine>
+            </a:ext>
+            <a:ext uri="{AF507438-7753-43E0-B8FC-AC1667EBCBE1}">
+              <a14:hiddenEffects xmlns:a14="http://schemas.microsoft.com/office/drawing/2010/main">
+                <a:effectLst>
+                  <a:outerShdw dist="35921" dir="2700000" algn="ctr" rotWithShape="0">
+                    <a:schemeClr val="bg2"/>
+                  </a:outerShdw>
+                </a:effectLst>
+              </a14:hiddenEffects>
+            </a:ext>
+          </a:extLst>
+        </p:spPr>
+      </p:pic>
+      <p:sp>
+        <p:nvSpPr>
+          <p:cNvPr id="3" name="TextBox 2"/>
+          <p:cNvSpPr txBox="1"/>
+          <p:nvPr/>
+        </p:nvSpPr>
+        <p:spPr>
+          <a:xfrm>
+            <a:off x="2895600" y="6164398"/>
+            <a:ext cx="3710183" cy="461665"/>
+          </a:xfrm>
+          <a:prstGeom prst="rect">
+            <a:avLst/>
+          </a:prstGeom>
+          <a:noFill/>
+        </p:spPr>
+        <p:txBody>
+          <a:bodyPr wrap="none" rtlCol="0">
+            <a:spAutoFit/>
+          </a:bodyPr>
+          <a:lstStyle/>
+          <a:p>
             <a:r>
-              <a:rPr lang="en-US" altLang="en-US" dirty="0">
+              <a:rPr lang="en-US" dirty="0" err="1">
                 <a:solidFill>
                   <a:schemeClr val="bg1"/>
                 </a:solidFill>
               </a:rPr>
-              <a:t>Newton method is more robust than Picard for strongly nonlinear problems.</a:t>
-            </a:r>
-          </a:p>
-          <a:p>
-            <a:pPr eaLnBrk="1" hangingPunct="1"/>
-            <a:r>
-              <a:rPr lang="en-US" altLang="en-US" dirty="0">
-                <a:solidFill>
-                  <a:schemeClr val="bg1"/>
-                </a:solidFill>
-              </a:rPr>
-              <a:t>Cost: Newton method typically results in a asymmetric matrix (Picard results in a symmetric matrix).</a:t>
-            </a:r>
-          </a:p>
-          <a:p>
-            <a:pPr eaLnBrk="1" hangingPunct="1"/>
-            <a:r>
-              <a:rPr lang="en-US" altLang="en-US" dirty="0">
-                <a:solidFill>
-                  <a:schemeClr val="bg1"/>
-                </a:solidFill>
-              </a:rPr>
-              <a:t>This leads to Newton-</a:t>
+              <a:t>Jaidel</a:t>
             </a:r>
             <a:r>
-              <a:rPr lang="en-US" altLang="en-US" dirty="0" err="1">
+              <a:rPr lang="en-US" dirty="0">
                 <a:solidFill>
                   <a:schemeClr val="bg1"/>
                 </a:solidFill>
               </a:rPr>
-              <a:t>Krylov</a:t>
+              <a:t>, J, Groundwater, 2013</a:t>
+            </a:r>
+          </a:p>
+        </p:txBody>
+      </p:sp>
+      <p:sp>
+        <p:nvSpPr>
+          <p:cNvPr id="4" name="TextBox 3"/>
+          <p:cNvSpPr txBox="1"/>
+          <p:nvPr/>
+        </p:nvSpPr>
+        <p:spPr>
+          <a:xfrm>
+            <a:off x="1457613" y="1706433"/>
+            <a:ext cx="6618864" cy="1384995"/>
+          </a:xfrm>
+          <a:prstGeom prst="rect">
+            <a:avLst/>
+          </a:prstGeom>
+          <a:noFill/>
+        </p:spPr>
+        <p:txBody>
+          <a:bodyPr wrap="square" rtlCol="0">
+            <a:spAutoFit/>
+          </a:bodyPr>
+          <a:lstStyle/>
+          <a:p>
+            <a:pPr marL="457200" indent="-457200" algn="ctr" fontAlgn="base">
+              <a:spcBef>
+                <a:spcPct val="0"/>
+              </a:spcBef>
+              <a:spcAft>
+                <a:spcPct val="0"/>
+              </a:spcAft>
+              <a:buFont typeface="Arial" pitchFamily="34" charset="0"/>
+              <a:buChar char="•"/>
+            </a:pPr>
+            <a:r>
+              <a:rPr lang="en-US" sz="2800" b="1" dirty="0">
+                <a:solidFill>
+                  <a:prstClr val="white"/>
+                </a:solidFill>
+                <a:latin typeface="Tekton Pro" pitchFamily="34" charset="0"/>
+              </a:rPr>
+              <a:t>Suited for modeling mountains (sloped, thin, unconfined aquifers, </a:t>
             </a:r>
             <a:r>
-              <a:rPr lang="en-US" altLang="en-US" dirty="0">
-                <a:solidFill>
-                  <a:schemeClr val="bg1"/>
-                </a:solidFill>
+              <a:rPr lang="en-US" sz="2800" b="1" dirty="0" err="1">
+                <a:solidFill>
+                  <a:prstClr val="white"/>
+                </a:solidFill>
+                <a:latin typeface="Tekton Pro" pitchFamily="34" charset="0"/>
               </a:rPr>
-              <a:t> methods (i.e., iterative linear solvers that rely on </a:t>
+              <a:t>Dupuit</a:t>
             </a:r>
             <a:r>
-              <a:rPr lang="en-US" altLang="en-US" dirty="0" err="1">
-                <a:solidFill>
-                  <a:schemeClr val="bg1"/>
-                </a:solidFill>
+              <a:rPr lang="en-US" sz="2800" b="1" dirty="0">
+                <a:solidFill>
+                  <a:prstClr val="white"/>
+                </a:solidFill>
+                <a:latin typeface="Tekton Pro" pitchFamily="34" charset="0"/>
               </a:rPr>
-              <a:t>Krylov</a:t>
+              <a:t> assumption)</a:t>
             </a:r>
-            <a:r>
-              <a:rPr lang="en-US" altLang="en-US" dirty="0">
-                <a:solidFill>
-                  <a:schemeClr val="bg1"/>
-                </a:solidFill>
-              </a:rPr>
-              <a:t> subspace methods such as GMRES and </a:t>
-            </a:r>
-            <a:r>
-              <a:rPr lang="en-US" altLang="en-US" dirty="0" err="1">
-                <a:solidFill>
-                  <a:schemeClr val="bg1"/>
-                </a:solidFill>
-              </a:rPr>
-              <a:t>Orthomin</a:t>
-            </a:r>
-            <a:r>
-              <a:rPr lang="en-US" altLang="en-US" dirty="0">
-                <a:solidFill>
-                  <a:schemeClr val="bg1"/>
-                </a:solidFill>
-              </a:rPr>
-              <a:t> acceleration methods.</a:t>
-            </a:r>
+            <a:endParaRPr lang="en-US" sz="2800" dirty="0">
+              <a:solidFill>
+                <a:prstClr val="white"/>
+              </a:solidFill>
+              <a:latin typeface="Tekton Pro" pitchFamily="34" charset="0"/>
+            </a:endParaRPr>
           </a:p>
         </p:txBody>
       </p:sp>
     </p:spTree>
     <p:extLst>
       <p:ext uri="{BB962C8B-B14F-4D97-AF65-F5344CB8AC3E}">
-        <p14:creationId xmlns:p14="http://schemas.microsoft.com/office/powerpoint/2010/main" val="179946934"/>
+        <p14:creationId xmlns:p14="http://schemas.microsoft.com/office/powerpoint/2010/main" val="197888612"/>
       </p:ext>
     </p:extLst>
   </p:cSld>
